--- a/week04/08.Functions.pptx
+++ b/week04/08.Functions.pptx
@@ -7,7 +7,7 @@
     <p:sldMasterId id="2147483731" r:id="rId3"/>
   </p:sldMasterIdLst>
   <p:notesMasterIdLst>
-    <p:notesMasterId r:id="rId35"/>
+    <p:notesMasterId r:id="rId36"/>
   </p:notesMasterIdLst>
   <p:sldIdLst>
     <p:sldId id="285" r:id="rId4"/>
@@ -31,33 +31,34 @@
     <p:sldId id="315" r:id="rId22"/>
     <p:sldId id="316" r:id="rId23"/>
     <p:sldId id="344" r:id="rId24"/>
-    <p:sldId id="288" r:id="rId25"/>
-    <p:sldId id="323" r:id="rId26"/>
-    <p:sldId id="313" r:id="rId27"/>
-    <p:sldId id="346" r:id="rId28"/>
-    <p:sldId id="324" r:id="rId29"/>
-    <p:sldId id="340" r:id="rId30"/>
-    <p:sldId id="347" r:id="rId31"/>
-    <p:sldId id="345" r:id="rId32"/>
-    <p:sldId id="325" r:id="rId33"/>
-    <p:sldId id="332" r:id="rId34"/>
+    <p:sldId id="324" r:id="rId25"/>
+    <p:sldId id="340" r:id="rId26"/>
+    <p:sldId id="347" r:id="rId27"/>
+    <p:sldId id="345" r:id="rId28"/>
+    <p:sldId id="350" r:id="rId29"/>
+    <p:sldId id="351" r:id="rId30"/>
+    <p:sldId id="352" r:id="rId31"/>
+    <p:sldId id="348" r:id="rId32"/>
+    <p:sldId id="349" r:id="rId33"/>
+    <p:sldId id="325" r:id="rId34"/>
+    <p:sldId id="332" r:id="rId35"/>
   </p:sldIdLst>
   <p:sldSz cx="16256000" cy="9144000"/>
   <p:notesSz cx="6858000" cy="9144000"/>
   <p:embeddedFontLst>
     <p:embeddedFont>
       <p:font typeface="Cabin" panose="020B0604020202020204" charset="0"/>
-      <p:regular r:id="rId36"/>
-      <p:bold r:id="rId37"/>
-      <p:italic r:id="rId38"/>
-      <p:boldItalic r:id="rId39"/>
+      <p:regular r:id="rId37"/>
+      <p:bold r:id="rId38"/>
+      <p:italic r:id="rId39"/>
+      <p:boldItalic r:id="rId40"/>
     </p:embeddedFont>
     <p:embeddedFont>
       <p:font typeface="Consolas" panose="020B0609020204030204" pitchFamily="49" charset="0"/>
-      <p:regular r:id="rId40"/>
-      <p:bold r:id="rId41"/>
-      <p:italic r:id="rId42"/>
-      <p:boldItalic r:id="rId43"/>
+      <p:regular r:id="rId41"/>
+      <p:bold r:id="rId42"/>
+      <p:italic r:id="rId43"/>
+      <p:boldItalic r:id="rId44"/>
     </p:embeddedFont>
   </p:embeddedFontLst>
   <p:defaultTextStyle>
@@ -264,7 +265,7 @@
   </p:defaultTextStyle>
   <p:extLst>
     <p:ext uri="{EFAFB233-063F-42B5-8137-9DF3F51BA10A}">
-      <p15:sldGuideLst xmlns:p15="http://schemas.microsoft.com/office/powerpoint/2012/main">
+      <p15:sldGuideLst xmlns="" xmlns:p15="http://schemas.microsoft.com/office/powerpoint/2012/main">
         <p15:guide id="1" orient="horz" pos="2880">
           <p15:clr>
             <a:srgbClr val="A4A3A4"/>
@@ -1966,6 +1967,666 @@
     </p:spTree>
     <p:extLst>
       <p:ext uri="{BB962C8B-B14F-4D97-AF65-F5344CB8AC3E}">
+        <p14:creationId xmlns:p14="http://schemas.microsoft.com/office/powerpoint/2010/main" val="2797685341"/>
+      </p:ext>
+    </p:extLst>
+  </p:cSld>
+  <p:clrMapOvr>
+    <a:masterClrMapping/>
+  </p:clrMapOvr>
+</p:notes>
+</file>
+
+<file path=ppt/notesSlides/notesSlide21.xml><?xml version="1.0" encoding="utf-8"?>
+<p:notes xmlns:a="http://schemas.openxmlformats.org/drawingml/2006/main" xmlns:r="http://schemas.openxmlformats.org/officeDocument/2006/relationships" xmlns:p="http://schemas.openxmlformats.org/presentationml/2006/main" showMasterSp="0" showMasterPhAnim="0">
+  <p:cSld>
+    <p:spTree>
+      <p:nvGrpSpPr>
+        <p:cNvPr id="1" name="Shape 209"/>
+        <p:cNvGrpSpPr/>
+        <p:nvPr/>
+      </p:nvGrpSpPr>
+      <p:grpSpPr>
+        <a:xfrm>
+          <a:off x="0" y="0"/>
+          <a:ext cx="0" cy="0"/>
+          <a:chOff x="0" y="0"/>
+          <a:chExt cx="0" cy="0"/>
+        </a:xfrm>
+      </p:grpSpPr>
+      <p:sp>
+        <p:nvSpPr>
+          <p:cNvPr id="210" name="Shape 210"/>
+          <p:cNvSpPr txBox="1">
+            <a:spLocks noGrp="1"/>
+          </p:cNvSpPr>
+          <p:nvPr>
+            <p:ph type="body" idx="1"/>
+          </p:nvPr>
+        </p:nvSpPr>
+        <p:spPr>
+          <a:xfrm>
+            <a:off x="685800" y="4343400"/>
+            <a:ext cx="5486399" cy="4114800"/>
+          </a:xfrm>
+          <a:prstGeom prst="rect">
+            <a:avLst/>
+          </a:prstGeom>
+          <a:noFill/>
+          <a:ln>
+            <a:noFill/>
+          </a:ln>
+        </p:spPr>
+        <p:txBody>
+          <a:bodyPr lIns="91425" tIns="91425" rIns="91425" bIns="91425" anchor="ctr" anchorCtr="0">
+            <a:noAutofit/>
+          </a:bodyPr>
+          <a:lstStyle/>
+          <a:p>
+            <a:pPr lvl="0">
+              <a:spcBef>
+                <a:spcPts val="0"/>
+              </a:spcBef>
+              <a:buNone/>
+            </a:pPr>
+            <a:endParaRPr/>
+          </a:p>
+        </p:txBody>
+      </p:sp>
+      <p:sp>
+        <p:nvSpPr>
+          <p:cNvPr id="211" name="Shape 211"/>
+          <p:cNvSpPr>
+            <a:spLocks noGrp="1" noRot="1" noChangeAspect="1"/>
+          </p:cNvSpPr>
+          <p:nvPr>
+            <p:ph type="sldImg" idx="2"/>
+          </p:nvPr>
+        </p:nvSpPr>
+        <p:spPr>
+          <a:xfrm>
+            <a:off x="381000" y="685800"/>
+            <a:ext cx="6096000" cy="3429000"/>
+          </a:xfrm>
+          <a:custGeom>
+            <a:avLst/>
+            <a:gdLst/>
+            <a:ahLst/>
+            <a:cxnLst/>
+            <a:rect l="0" t="0" r="0" b="0"/>
+            <a:pathLst>
+              <a:path w="120000" h="120000" extrusionOk="0">
+                <a:moveTo>
+                  <a:pt x="0" y="0"/>
+                </a:moveTo>
+                <a:lnTo>
+                  <a:pt x="120000" y="0"/>
+                </a:lnTo>
+                <a:lnTo>
+                  <a:pt x="120000" y="120000"/>
+                </a:lnTo>
+                <a:lnTo>
+                  <a:pt x="0" y="120000"/>
+                </a:lnTo>
+                <a:close/>
+              </a:path>
+            </a:pathLst>
+          </a:custGeom>
+        </p:spPr>
+      </p:sp>
+    </p:spTree>
+    <p:extLst>
+      <p:ext uri="{BB962C8B-B14F-4D97-AF65-F5344CB8AC3E}">
+        <p14:creationId xmlns:p14="http://schemas.microsoft.com/office/powerpoint/2010/main" val="277812070"/>
+      </p:ext>
+    </p:extLst>
+  </p:cSld>
+  <p:clrMapOvr>
+    <a:masterClrMapping/>
+  </p:clrMapOvr>
+</p:notes>
+</file>
+
+<file path=ppt/notesSlides/notesSlide22.xml><?xml version="1.0" encoding="utf-8"?>
+<p:notes xmlns:a="http://schemas.openxmlformats.org/drawingml/2006/main" xmlns:r="http://schemas.openxmlformats.org/officeDocument/2006/relationships" xmlns:p="http://schemas.openxmlformats.org/presentationml/2006/main" showMasterSp="0" showMasterPhAnim="0">
+  <p:cSld>
+    <p:spTree>
+      <p:nvGrpSpPr>
+        <p:cNvPr id="1" name="Shape 209"/>
+        <p:cNvGrpSpPr/>
+        <p:nvPr/>
+      </p:nvGrpSpPr>
+      <p:grpSpPr>
+        <a:xfrm>
+          <a:off x="0" y="0"/>
+          <a:ext cx="0" cy="0"/>
+          <a:chOff x="0" y="0"/>
+          <a:chExt cx="0" cy="0"/>
+        </a:xfrm>
+      </p:grpSpPr>
+      <p:sp>
+        <p:nvSpPr>
+          <p:cNvPr id="210" name="Shape 210"/>
+          <p:cNvSpPr txBox="1">
+            <a:spLocks noGrp="1"/>
+          </p:cNvSpPr>
+          <p:nvPr>
+            <p:ph type="body" idx="1"/>
+          </p:nvPr>
+        </p:nvSpPr>
+        <p:spPr>
+          <a:xfrm>
+            <a:off x="685800" y="4343400"/>
+            <a:ext cx="5486399" cy="4114800"/>
+          </a:xfrm>
+          <a:prstGeom prst="rect">
+            <a:avLst/>
+          </a:prstGeom>
+          <a:noFill/>
+          <a:ln>
+            <a:noFill/>
+          </a:ln>
+        </p:spPr>
+        <p:txBody>
+          <a:bodyPr lIns="91425" tIns="91425" rIns="91425" bIns="91425" anchor="ctr" anchorCtr="0">
+            <a:noAutofit/>
+          </a:bodyPr>
+          <a:lstStyle/>
+          <a:p>
+            <a:pPr lvl="0">
+              <a:spcBef>
+                <a:spcPts val="0"/>
+              </a:spcBef>
+              <a:buNone/>
+            </a:pPr>
+            <a:endParaRPr/>
+          </a:p>
+        </p:txBody>
+      </p:sp>
+      <p:sp>
+        <p:nvSpPr>
+          <p:cNvPr id="211" name="Shape 211"/>
+          <p:cNvSpPr>
+            <a:spLocks noGrp="1" noRot="1" noChangeAspect="1"/>
+          </p:cNvSpPr>
+          <p:nvPr>
+            <p:ph type="sldImg" idx="2"/>
+          </p:nvPr>
+        </p:nvSpPr>
+        <p:spPr>
+          <a:xfrm>
+            <a:off x="381000" y="685800"/>
+            <a:ext cx="6096000" cy="3429000"/>
+          </a:xfrm>
+          <a:custGeom>
+            <a:avLst/>
+            <a:gdLst/>
+            <a:ahLst/>
+            <a:cxnLst/>
+            <a:rect l="0" t="0" r="0" b="0"/>
+            <a:pathLst>
+              <a:path w="120000" h="120000" extrusionOk="0">
+                <a:moveTo>
+                  <a:pt x="0" y="0"/>
+                </a:moveTo>
+                <a:lnTo>
+                  <a:pt x="120000" y="0"/>
+                </a:lnTo>
+                <a:lnTo>
+                  <a:pt x="120000" y="120000"/>
+                </a:lnTo>
+                <a:lnTo>
+                  <a:pt x="0" y="120000"/>
+                </a:lnTo>
+                <a:close/>
+              </a:path>
+            </a:pathLst>
+          </a:custGeom>
+        </p:spPr>
+      </p:sp>
+    </p:spTree>
+    <p:extLst>
+      <p:ext uri="{BB962C8B-B14F-4D97-AF65-F5344CB8AC3E}">
+        <p14:creationId xmlns:p14="http://schemas.microsoft.com/office/powerpoint/2010/main" val="3280648542"/>
+      </p:ext>
+    </p:extLst>
+  </p:cSld>
+  <p:clrMapOvr>
+    <a:masterClrMapping/>
+  </p:clrMapOvr>
+</p:notes>
+</file>
+
+<file path=ppt/notesSlides/notesSlide23.xml><?xml version="1.0" encoding="utf-8"?>
+<p:notes xmlns:a="http://schemas.openxmlformats.org/drawingml/2006/main" xmlns:r="http://schemas.openxmlformats.org/officeDocument/2006/relationships" xmlns:p="http://schemas.openxmlformats.org/presentationml/2006/main" showMasterSp="0" showMasterPhAnim="0">
+  <p:cSld>
+    <p:spTree>
+      <p:nvGrpSpPr>
+        <p:cNvPr id="1" name="Shape 209"/>
+        <p:cNvGrpSpPr/>
+        <p:nvPr/>
+      </p:nvGrpSpPr>
+      <p:grpSpPr>
+        <a:xfrm>
+          <a:off x="0" y="0"/>
+          <a:ext cx="0" cy="0"/>
+          <a:chOff x="0" y="0"/>
+          <a:chExt cx="0" cy="0"/>
+        </a:xfrm>
+      </p:grpSpPr>
+      <p:sp>
+        <p:nvSpPr>
+          <p:cNvPr id="210" name="Shape 210"/>
+          <p:cNvSpPr txBox="1">
+            <a:spLocks noGrp="1"/>
+          </p:cNvSpPr>
+          <p:nvPr>
+            <p:ph type="body" idx="1"/>
+          </p:nvPr>
+        </p:nvSpPr>
+        <p:spPr>
+          <a:xfrm>
+            <a:off x="685800" y="4343400"/>
+            <a:ext cx="5486399" cy="4114800"/>
+          </a:xfrm>
+          <a:prstGeom prst="rect">
+            <a:avLst/>
+          </a:prstGeom>
+          <a:noFill/>
+          <a:ln>
+            <a:noFill/>
+          </a:ln>
+        </p:spPr>
+        <p:txBody>
+          <a:bodyPr lIns="91425" tIns="91425" rIns="91425" bIns="91425" anchor="ctr" anchorCtr="0">
+            <a:noAutofit/>
+          </a:bodyPr>
+          <a:lstStyle/>
+          <a:p>
+            <a:pPr lvl="0">
+              <a:spcBef>
+                <a:spcPts val="0"/>
+              </a:spcBef>
+              <a:buNone/>
+            </a:pPr>
+            <a:endParaRPr/>
+          </a:p>
+        </p:txBody>
+      </p:sp>
+      <p:sp>
+        <p:nvSpPr>
+          <p:cNvPr id="211" name="Shape 211"/>
+          <p:cNvSpPr>
+            <a:spLocks noGrp="1" noRot="1" noChangeAspect="1"/>
+          </p:cNvSpPr>
+          <p:nvPr>
+            <p:ph type="sldImg" idx="2"/>
+          </p:nvPr>
+        </p:nvSpPr>
+        <p:spPr>
+          <a:xfrm>
+            <a:off x="381000" y="685800"/>
+            <a:ext cx="6096000" cy="3429000"/>
+          </a:xfrm>
+          <a:custGeom>
+            <a:avLst/>
+            <a:gdLst/>
+            <a:ahLst/>
+            <a:cxnLst/>
+            <a:rect l="0" t="0" r="0" b="0"/>
+            <a:pathLst>
+              <a:path w="120000" h="120000" extrusionOk="0">
+                <a:moveTo>
+                  <a:pt x="0" y="0"/>
+                </a:moveTo>
+                <a:lnTo>
+                  <a:pt x="120000" y="0"/>
+                </a:lnTo>
+                <a:lnTo>
+                  <a:pt x="120000" y="120000"/>
+                </a:lnTo>
+                <a:lnTo>
+                  <a:pt x="0" y="120000"/>
+                </a:lnTo>
+                <a:close/>
+              </a:path>
+            </a:pathLst>
+          </a:custGeom>
+        </p:spPr>
+      </p:sp>
+    </p:spTree>
+    <p:extLst>
+      <p:ext uri="{BB962C8B-B14F-4D97-AF65-F5344CB8AC3E}">
+        <p14:creationId xmlns:p14="http://schemas.microsoft.com/office/powerpoint/2010/main" val="3256884026"/>
+      </p:ext>
+    </p:extLst>
+  </p:cSld>
+  <p:clrMapOvr>
+    <a:masterClrMapping/>
+  </p:clrMapOvr>
+</p:notes>
+</file>
+
+<file path=ppt/notesSlides/notesSlide24.xml><?xml version="1.0" encoding="utf-8"?>
+<p:notes xmlns:a="http://schemas.openxmlformats.org/drawingml/2006/main" xmlns:r="http://schemas.openxmlformats.org/officeDocument/2006/relationships" xmlns:p="http://schemas.openxmlformats.org/presentationml/2006/main" showMasterSp="0" showMasterPhAnim="0">
+  <p:cSld>
+    <p:spTree>
+      <p:nvGrpSpPr>
+        <p:cNvPr id="1" name="Shape 209"/>
+        <p:cNvGrpSpPr/>
+        <p:nvPr/>
+      </p:nvGrpSpPr>
+      <p:grpSpPr>
+        <a:xfrm>
+          <a:off x="0" y="0"/>
+          <a:ext cx="0" cy="0"/>
+          <a:chOff x="0" y="0"/>
+          <a:chExt cx="0" cy="0"/>
+        </a:xfrm>
+      </p:grpSpPr>
+      <p:sp>
+        <p:nvSpPr>
+          <p:cNvPr id="210" name="Shape 210"/>
+          <p:cNvSpPr txBox="1">
+            <a:spLocks noGrp="1"/>
+          </p:cNvSpPr>
+          <p:nvPr>
+            <p:ph type="body" idx="1"/>
+          </p:nvPr>
+        </p:nvSpPr>
+        <p:spPr>
+          <a:xfrm>
+            <a:off x="685800" y="4343400"/>
+            <a:ext cx="5486399" cy="4114800"/>
+          </a:xfrm>
+          <a:prstGeom prst="rect">
+            <a:avLst/>
+          </a:prstGeom>
+          <a:noFill/>
+          <a:ln>
+            <a:noFill/>
+          </a:ln>
+        </p:spPr>
+        <p:txBody>
+          <a:bodyPr lIns="91425" tIns="91425" rIns="91425" bIns="91425" anchor="ctr" anchorCtr="0">
+            <a:noAutofit/>
+          </a:bodyPr>
+          <a:lstStyle/>
+          <a:p>
+            <a:pPr lvl="0">
+              <a:spcBef>
+                <a:spcPts val="0"/>
+              </a:spcBef>
+              <a:buNone/>
+            </a:pPr>
+            <a:endParaRPr/>
+          </a:p>
+        </p:txBody>
+      </p:sp>
+      <p:sp>
+        <p:nvSpPr>
+          <p:cNvPr id="211" name="Shape 211"/>
+          <p:cNvSpPr>
+            <a:spLocks noGrp="1" noRot="1" noChangeAspect="1"/>
+          </p:cNvSpPr>
+          <p:nvPr>
+            <p:ph type="sldImg" idx="2"/>
+          </p:nvPr>
+        </p:nvSpPr>
+        <p:spPr>
+          <a:xfrm>
+            <a:off x="381000" y="685800"/>
+            <a:ext cx="6096000" cy="3429000"/>
+          </a:xfrm>
+          <a:custGeom>
+            <a:avLst/>
+            <a:gdLst/>
+            <a:ahLst/>
+            <a:cxnLst/>
+            <a:rect l="0" t="0" r="0" b="0"/>
+            <a:pathLst>
+              <a:path w="120000" h="120000" extrusionOk="0">
+                <a:moveTo>
+                  <a:pt x="0" y="0"/>
+                </a:moveTo>
+                <a:lnTo>
+                  <a:pt x="120000" y="0"/>
+                </a:lnTo>
+                <a:lnTo>
+                  <a:pt x="120000" y="120000"/>
+                </a:lnTo>
+                <a:lnTo>
+                  <a:pt x="0" y="120000"/>
+                </a:lnTo>
+                <a:close/>
+              </a:path>
+            </a:pathLst>
+          </a:custGeom>
+        </p:spPr>
+      </p:sp>
+    </p:spTree>
+    <p:extLst>
+      <p:ext uri="{BB962C8B-B14F-4D97-AF65-F5344CB8AC3E}">
+        <p14:creationId xmlns:p14="http://schemas.microsoft.com/office/powerpoint/2010/main" val="878290099"/>
+      </p:ext>
+    </p:extLst>
+  </p:cSld>
+  <p:clrMapOvr>
+    <a:masterClrMapping/>
+  </p:clrMapOvr>
+</p:notes>
+</file>
+
+<file path=ppt/notesSlides/notesSlide25.xml><?xml version="1.0" encoding="utf-8"?>
+<p:notes xmlns:a="http://schemas.openxmlformats.org/drawingml/2006/main" xmlns:r="http://schemas.openxmlformats.org/officeDocument/2006/relationships" xmlns:p="http://schemas.openxmlformats.org/presentationml/2006/main" showMasterSp="0" showMasterPhAnim="0">
+  <p:cSld>
+    <p:spTree>
+      <p:nvGrpSpPr>
+        <p:cNvPr id="1" name="Shape 209"/>
+        <p:cNvGrpSpPr/>
+        <p:nvPr/>
+      </p:nvGrpSpPr>
+      <p:grpSpPr>
+        <a:xfrm>
+          <a:off x="0" y="0"/>
+          <a:ext cx="0" cy="0"/>
+          <a:chOff x="0" y="0"/>
+          <a:chExt cx="0" cy="0"/>
+        </a:xfrm>
+      </p:grpSpPr>
+      <p:sp>
+        <p:nvSpPr>
+          <p:cNvPr id="210" name="Shape 210"/>
+          <p:cNvSpPr txBox="1">
+            <a:spLocks noGrp="1"/>
+          </p:cNvSpPr>
+          <p:nvPr>
+            <p:ph type="body" idx="1"/>
+          </p:nvPr>
+        </p:nvSpPr>
+        <p:spPr>
+          <a:xfrm>
+            <a:off x="685800" y="4343400"/>
+            <a:ext cx="5486399" cy="4114800"/>
+          </a:xfrm>
+          <a:prstGeom prst="rect">
+            <a:avLst/>
+          </a:prstGeom>
+          <a:noFill/>
+          <a:ln>
+            <a:noFill/>
+          </a:ln>
+        </p:spPr>
+        <p:txBody>
+          <a:bodyPr lIns="91425" tIns="91425" rIns="91425" bIns="91425" anchor="ctr" anchorCtr="0">
+            <a:noAutofit/>
+          </a:bodyPr>
+          <a:lstStyle/>
+          <a:p>
+            <a:pPr lvl="0">
+              <a:spcBef>
+                <a:spcPts val="0"/>
+              </a:spcBef>
+              <a:buNone/>
+            </a:pPr>
+            <a:endParaRPr/>
+          </a:p>
+        </p:txBody>
+      </p:sp>
+      <p:sp>
+        <p:nvSpPr>
+          <p:cNvPr id="211" name="Shape 211"/>
+          <p:cNvSpPr>
+            <a:spLocks noGrp="1" noRot="1" noChangeAspect="1"/>
+          </p:cNvSpPr>
+          <p:nvPr>
+            <p:ph type="sldImg" idx="2"/>
+          </p:nvPr>
+        </p:nvSpPr>
+        <p:spPr>
+          <a:xfrm>
+            <a:off x="381000" y="685800"/>
+            <a:ext cx="6096000" cy="3429000"/>
+          </a:xfrm>
+          <a:custGeom>
+            <a:avLst/>
+            <a:gdLst/>
+            <a:ahLst/>
+            <a:cxnLst/>
+            <a:rect l="0" t="0" r="0" b="0"/>
+            <a:pathLst>
+              <a:path w="120000" h="120000" extrusionOk="0">
+                <a:moveTo>
+                  <a:pt x="0" y="0"/>
+                </a:moveTo>
+                <a:lnTo>
+                  <a:pt x="120000" y="0"/>
+                </a:lnTo>
+                <a:lnTo>
+                  <a:pt x="120000" y="120000"/>
+                </a:lnTo>
+                <a:lnTo>
+                  <a:pt x="0" y="120000"/>
+                </a:lnTo>
+                <a:close/>
+              </a:path>
+            </a:pathLst>
+          </a:custGeom>
+        </p:spPr>
+      </p:sp>
+    </p:spTree>
+    <p:extLst>
+      <p:ext uri="{BB962C8B-B14F-4D97-AF65-F5344CB8AC3E}">
+        <p14:creationId xmlns:p14="http://schemas.microsoft.com/office/powerpoint/2010/main" val="878290099"/>
+      </p:ext>
+    </p:extLst>
+  </p:cSld>
+  <p:clrMapOvr>
+    <a:masterClrMapping/>
+  </p:clrMapOvr>
+</p:notes>
+</file>
+
+<file path=ppt/notesSlides/notesSlide26.xml><?xml version="1.0" encoding="utf-8"?>
+<p:notes xmlns:a="http://schemas.openxmlformats.org/drawingml/2006/main" xmlns:r="http://schemas.openxmlformats.org/officeDocument/2006/relationships" xmlns:p="http://schemas.openxmlformats.org/presentationml/2006/main" showMasterSp="0" showMasterPhAnim="0">
+  <p:cSld>
+    <p:spTree>
+      <p:nvGrpSpPr>
+        <p:cNvPr id="1" name="Shape 209"/>
+        <p:cNvGrpSpPr/>
+        <p:nvPr/>
+      </p:nvGrpSpPr>
+      <p:grpSpPr>
+        <a:xfrm>
+          <a:off x="0" y="0"/>
+          <a:ext cx="0" cy="0"/>
+          <a:chOff x="0" y="0"/>
+          <a:chExt cx="0" cy="0"/>
+        </a:xfrm>
+      </p:grpSpPr>
+      <p:sp>
+        <p:nvSpPr>
+          <p:cNvPr id="210" name="Shape 210"/>
+          <p:cNvSpPr txBox="1">
+            <a:spLocks noGrp="1"/>
+          </p:cNvSpPr>
+          <p:nvPr>
+            <p:ph type="body" idx="1"/>
+          </p:nvPr>
+        </p:nvSpPr>
+        <p:spPr>
+          <a:xfrm>
+            <a:off x="685800" y="4343400"/>
+            <a:ext cx="5486399" cy="4114800"/>
+          </a:xfrm>
+          <a:prstGeom prst="rect">
+            <a:avLst/>
+          </a:prstGeom>
+          <a:noFill/>
+          <a:ln>
+            <a:noFill/>
+          </a:ln>
+        </p:spPr>
+        <p:txBody>
+          <a:bodyPr lIns="91425" tIns="91425" rIns="91425" bIns="91425" anchor="ctr" anchorCtr="0">
+            <a:noAutofit/>
+          </a:bodyPr>
+          <a:lstStyle/>
+          <a:p>
+            <a:pPr lvl="0">
+              <a:spcBef>
+                <a:spcPts val="0"/>
+              </a:spcBef>
+              <a:buNone/>
+            </a:pPr>
+            <a:endParaRPr/>
+          </a:p>
+        </p:txBody>
+      </p:sp>
+      <p:sp>
+        <p:nvSpPr>
+          <p:cNvPr id="211" name="Shape 211"/>
+          <p:cNvSpPr>
+            <a:spLocks noGrp="1" noRot="1" noChangeAspect="1"/>
+          </p:cNvSpPr>
+          <p:nvPr>
+            <p:ph type="sldImg" idx="2"/>
+          </p:nvPr>
+        </p:nvSpPr>
+        <p:spPr>
+          <a:xfrm>
+            <a:off x="381000" y="685800"/>
+            <a:ext cx="6096000" cy="3429000"/>
+          </a:xfrm>
+          <a:custGeom>
+            <a:avLst/>
+            <a:gdLst/>
+            <a:ahLst/>
+            <a:cxnLst/>
+            <a:rect l="0" t="0" r="0" b="0"/>
+            <a:pathLst>
+              <a:path w="120000" h="120000" extrusionOk="0">
+                <a:moveTo>
+                  <a:pt x="0" y="0"/>
+                </a:moveTo>
+                <a:lnTo>
+                  <a:pt x="120000" y="0"/>
+                </a:lnTo>
+                <a:lnTo>
+                  <a:pt x="120000" y="120000"/>
+                </a:lnTo>
+                <a:lnTo>
+                  <a:pt x="0" y="120000"/>
+                </a:lnTo>
+                <a:close/>
+              </a:path>
+            </a:pathLst>
+          </a:custGeom>
+        </p:spPr>
+      </p:sp>
+    </p:spTree>
+    <p:extLst>
+      <p:ext uri="{BB962C8B-B14F-4D97-AF65-F5344CB8AC3E}">
         <p14:creationId xmlns:p14="http://schemas.microsoft.com/office/powerpoint/2010/main" val="2549240625"/>
       </p:ext>
     </p:extLst>
@@ -1976,7 +2637,7 @@
 </p:notes>
 </file>
 
-<file path=ppt/notesSlides/notesSlide21.xml><?xml version="1.0" encoding="utf-8"?>
+<file path=ppt/notesSlides/notesSlide27.xml><?xml version="1.0" encoding="utf-8"?>
 <p:notes xmlns:a="http://schemas.openxmlformats.org/drawingml/2006/main" xmlns:r="http://schemas.openxmlformats.org/officeDocument/2006/relationships" xmlns:p="http://schemas.openxmlformats.org/presentationml/2006/main" showMasterSp="0" showMasterPhAnim="0">
   <p:cSld>
     <p:spTree>
@@ -2086,557 +2747,7 @@
 </p:notes>
 </file>
 
-<file path=ppt/notesSlides/notesSlide22.xml><?xml version="1.0" encoding="utf-8"?>
-<p:notes xmlns:a="http://schemas.openxmlformats.org/drawingml/2006/main" xmlns:r="http://schemas.openxmlformats.org/officeDocument/2006/relationships" xmlns:p="http://schemas.openxmlformats.org/presentationml/2006/main" showMasterSp="0" showMasterPhAnim="0">
-  <p:cSld>
-    <p:spTree>
-      <p:nvGrpSpPr>
-        <p:cNvPr id="1" name="Shape 209"/>
-        <p:cNvGrpSpPr/>
-        <p:nvPr/>
-      </p:nvGrpSpPr>
-      <p:grpSpPr>
-        <a:xfrm>
-          <a:off x="0" y="0"/>
-          <a:ext cx="0" cy="0"/>
-          <a:chOff x="0" y="0"/>
-          <a:chExt cx="0" cy="0"/>
-        </a:xfrm>
-      </p:grpSpPr>
-      <p:sp>
-        <p:nvSpPr>
-          <p:cNvPr id="210" name="Shape 210"/>
-          <p:cNvSpPr txBox="1">
-            <a:spLocks noGrp="1"/>
-          </p:cNvSpPr>
-          <p:nvPr>
-            <p:ph type="body" idx="1"/>
-          </p:nvPr>
-        </p:nvSpPr>
-        <p:spPr>
-          <a:xfrm>
-            <a:off x="685800" y="4343400"/>
-            <a:ext cx="5486399" cy="4114800"/>
-          </a:xfrm>
-          <a:prstGeom prst="rect">
-            <a:avLst/>
-          </a:prstGeom>
-          <a:noFill/>
-          <a:ln>
-            <a:noFill/>
-          </a:ln>
-        </p:spPr>
-        <p:txBody>
-          <a:bodyPr lIns="91425" tIns="91425" rIns="91425" bIns="91425" anchor="ctr" anchorCtr="0">
-            <a:noAutofit/>
-          </a:bodyPr>
-          <a:lstStyle/>
-          <a:p>
-            <a:pPr lvl="0">
-              <a:spcBef>
-                <a:spcPts val="0"/>
-              </a:spcBef>
-              <a:buNone/>
-            </a:pPr>
-            <a:endParaRPr/>
-          </a:p>
-        </p:txBody>
-      </p:sp>
-      <p:sp>
-        <p:nvSpPr>
-          <p:cNvPr id="211" name="Shape 211"/>
-          <p:cNvSpPr>
-            <a:spLocks noGrp="1" noRot="1" noChangeAspect="1"/>
-          </p:cNvSpPr>
-          <p:nvPr>
-            <p:ph type="sldImg" idx="2"/>
-          </p:nvPr>
-        </p:nvSpPr>
-        <p:spPr>
-          <a:xfrm>
-            <a:off x="381000" y="685800"/>
-            <a:ext cx="6096000" cy="3429000"/>
-          </a:xfrm>
-          <a:custGeom>
-            <a:avLst/>
-            <a:gdLst/>
-            <a:ahLst/>
-            <a:cxnLst/>
-            <a:rect l="0" t="0" r="0" b="0"/>
-            <a:pathLst>
-              <a:path w="120000" h="120000" extrusionOk="0">
-                <a:moveTo>
-                  <a:pt x="0" y="0"/>
-                </a:moveTo>
-                <a:lnTo>
-                  <a:pt x="120000" y="0"/>
-                </a:lnTo>
-                <a:lnTo>
-                  <a:pt x="120000" y="120000"/>
-                </a:lnTo>
-                <a:lnTo>
-                  <a:pt x="0" y="120000"/>
-                </a:lnTo>
-                <a:close/>
-              </a:path>
-            </a:pathLst>
-          </a:custGeom>
-        </p:spPr>
-      </p:sp>
-    </p:spTree>
-    <p:extLst>
-      <p:ext uri="{BB962C8B-B14F-4D97-AF65-F5344CB8AC3E}">
-        <p14:creationId xmlns:p14="http://schemas.microsoft.com/office/powerpoint/2010/main" val="3256884026"/>
-      </p:ext>
-    </p:extLst>
-  </p:cSld>
-  <p:clrMapOvr>
-    <a:masterClrMapping/>
-  </p:clrMapOvr>
-</p:notes>
-</file>
-
-<file path=ppt/notesSlides/notesSlide23.xml><?xml version="1.0" encoding="utf-8"?>
-<p:notes xmlns:a="http://schemas.openxmlformats.org/drawingml/2006/main" xmlns:r="http://schemas.openxmlformats.org/officeDocument/2006/relationships" xmlns:p="http://schemas.openxmlformats.org/presentationml/2006/main" showMasterSp="0" showMasterPhAnim="0">
-  <p:cSld>
-    <p:spTree>
-      <p:nvGrpSpPr>
-        <p:cNvPr id="1" name="Shape 209"/>
-        <p:cNvGrpSpPr/>
-        <p:nvPr/>
-      </p:nvGrpSpPr>
-      <p:grpSpPr>
-        <a:xfrm>
-          <a:off x="0" y="0"/>
-          <a:ext cx="0" cy="0"/>
-          <a:chOff x="0" y="0"/>
-          <a:chExt cx="0" cy="0"/>
-        </a:xfrm>
-      </p:grpSpPr>
-      <p:sp>
-        <p:nvSpPr>
-          <p:cNvPr id="210" name="Shape 210"/>
-          <p:cNvSpPr txBox="1">
-            <a:spLocks noGrp="1"/>
-          </p:cNvSpPr>
-          <p:nvPr>
-            <p:ph type="body" idx="1"/>
-          </p:nvPr>
-        </p:nvSpPr>
-        <p:spPr>
-          <a:xfrm>
-            <a:off x="685800" y="4343400"/>
-            <a:ext cx="5486399" cy="4114800"/>
-          </a:xfrm>
-          <a:prstGeom prst="rect">
-            <a:avLst/>
-          </a:prstGeom>
-          <a:noFill/>
-          <a:ln>
-            <a:noFill/>
-          </a:ln>
-        </p:spPr>
-        <p:txBody>
-          <a:bodyPr lIns="91425" tIns="91425" rIns="91425" bIns="91425" anchor="ctr" anchorCtr="0">
-            <a:noAutofit/>
-          </a:bodyPr>
-          <a:lstStyle/>
-          <a:p>
-            <a:pPr lvl="0">
-              <a:spcBef>
-                <a:spcPts val="0"/>
-              </a:spcBef>
-              <a:buNone/>
-            </a:pPr>
-            <a:endParaRPr/>
-          </a:p>
-        </p:txBody>
-      </p:sp>
-      <p:sp>
-        <p:nvSpPr>
-          <p:cNvPr id="211" name="Shape 211"/>
-          <p:cNvSpPr>
-            <a:spLocks noGrp="1" noRot="1" noChangeAspect="1"/>
-          </p:cNvSpPr>
-          <p:nvPr>
-            <p:ph type="sldImg" idx="2"/>
-          </p:nvPr>
-        </p:nvSpPr>
-        <p:spPr>
-          <a:xfrm>
-            <a:off x="381000" y="685800"/>
-            <a:ext cx="6096000" cy="3429000"/>
-          </a:xfrm>
-          <a:custGeom>
-            <a:avLst/>
-            <a:gdLst/>
-            <a:ahLst/>
-            <a:cxnLst/>
-            <a:rect l="0" t="0" r="0" b="0"/>
-            <a:pathLst>
-              <a:path w="120000" h="120000" extrusionOk="0">
-                <a:moveTo>
-                  <a:pt x="0" y="0"/>
-                </a:moveTo>
-                <a:lnTo>
-                  <a:pt x="120000" y="0"/>
-                </a:lnTo>
-                <a:lnTo>
-                  <a:pt x="120000" y="120000"/>
-                </a:lnTo>
-                <a:lnTo>
-                  <a:pt x="0" y="120000"/>
-                </a:lnTo>
-                <a:close/>
-              </a:path>
-            </a:pathLst>
-          </a:custGeom>
-        </p:spPr>
-      </p:sp>
-    </p:spTree>
-    <p:extLst>
-      <p:ext uri="{BB962C8B-B14F-4D97-AF65-F5344CB8AC3E}">
-        <p14:creationId xmlns:p14="http://schemas.microsoft.com/office/powerpoint/2010/main" val="878290099"/>
-      </p:ext>
-    </p:extLst>
-  </p:cSld>
-  <p:clrMapOvr>
-    <a:masterClrMapping/>
-  </p:clrMapOvr>
-</p:notes>
-</file>
-
-<file path=ppt/notesSlides/notesSlide24.xml><?xml version="1.0" encoding="utf-8"?>
-<p:notes xmlns:a="http://schemas.openxmlformats.org/drawingml/2006/main" xmlns:r="http://schemas.openxmlformats.org/officeDocument/2006/relationships" xmlns:p="http://schemas.openxmlformats.org/presentationml/2006/main" showMasterSp="0" showMasterPhAnim="0">
-  <p:cSld>
-    <p:spTree>
-      <p:nvGrpSpPr>
-        <p:cNvPr id="1" name="Shape 209"/>
-        <p:cNvGrpSpPr/>
-        <p:nvPr/>
-      </p:nvGrpSpPr>
-      <p:grpSpPr>
-        <a:xfrm>
-          <a:off x="0" y="0"/>
-          <a:ext cx="0" cy="0"/>
-          <a:chOff x="0" y="0"/>
-          <a:chExt cx="0" cy="0"/>
-        </a:xfrm>
-      </p:grpSpPr>
-      <p:sp>
-        <p:nvSpPr>
-          <p:cNvPr id="210" name="Shape 210"/>
-          <p:cNvSpPr txBox="1">
-            <a:spLocks noGrp="1"/>
-          </p:cNvSpPr>
-          <p:nvPr>
-            <p:ph type="body" idx="1"/>
-          </p:nvPr>
-        </p:nvSpPr>
-        <p:spPr>
-          <a:xfrm>
-            <a:off x="685800" y="4343400"/>
-            <a:ext cx="5486399" cy="4114800"/>
-          </a:xfrm>
-          <a:prstGeom prst="rect">
-            <a:avLst/>
-          </a:prstGeom>
-          <a:noFill/>
-          <a:ln>
-            <a:noFill/>
-          </a:ln>
-        </p:spPr>
-        <p:txBody>
-          <a:bodyPr lIns="91425" tIns="91425" rIns="91425" bIns="91425" anchor="ctr" anchorCtr="0">
-            <a:noAutofit/>
-          </a:bodyPr>
-          <a:lstStyle/>
-          <a:p>
-            <a:pPr lvl="0">
-              <a:spcBef>
-                <a:spcPts val="0"/>
-              </a:spcBef>
-              <a:buNone/>
-            </a:pPr>
-            <a:endParaRPr/>
-          </a:p>
-        </p:txBody>
-      </p:sp>
-      <p:sp>
-        <p:nvSpPr>
-          <p:cNvPr id="211" name="Shape 211"/>
-          <p:cNvSpPr>
-            <a:spLocks noGrp="1" noRot="1" noChangeAspect="1"/>
-          </p:cNvSpPr>
-          <p:nvPr>
-            <p:ph type="sldImg" idx="2"/>
-          </p:nvPr>
-        </p:nvSpPr>
-        <p:spPr>
-          <a:xfrm>
-            <a:off x="381000" y="685800"/>
-            <a:ext cx="6096000" cy="3429000"/>
-          </a:xfrm>
-          <a:custGeom>
-            <a:avLst/>
-            <a:gdLst/>
-            <a:ahLst/>
-            <a:cxnLst/>
-            <a:rect l="0" t="0" r="0" b="0"/>
-            <a:pathLst>
-              <a:path w="120000" h="120000" extrusionOk="0">
-                <a:moveTo>
-                  <a:pt x="0" y="0"/>
-                </a:moveTo>
-                <a:lnTo>
-                  <a:pt x="120000" y="0"/>
-                </a:lnTo>
-                <a:lnTo>
-                  <a:pt x="120000" y="120000"/>
-                </a:lnTo>
-                <a:lnTo>
-                  <a:pt x="0" y="120000"/>
-                </a:lnTo>
-                <a:close/>
-              </a:path>
-            </a:pathLst>
-          </a:custGeom>
-        </p:spPr>
-      </p:sp>
-    </p:spTree>
-    <p:extLst>
-      <p:ext uri="{BB962C8B-B14F-4D97-AF65-F5344CB8AC3E}">
-        <p14:creationId xmlns:p14="http://schemas.microsoft.com/office/powerpoint/2010/main" val="2797685341"/>
-      </p:ext>
-    </p:extLst>
-  </p:cSld>
-  <p:clrMapOvr>
-    <a:masterClrMapping/>
-  </p:clrMapOvr>
-</p:notes>
-</file>
-
-<file path=ppt/notesSlides/notesSlide25.xml><?xml version="1.0" encoding="utf-8"?>
-<p:notes xmlns:a="http://schemas.openxmlformats.org/drawingml/2006/main" xmlns:r="http://schemas.openxmlformats.org/officeDocument/2006/relationships" xmlns:p="http://schemas.openxmlformats.org/presentationml/2006/main" showMasterSp="0" showMasterPhAnim="0">
-  <p:cSld>
-    <p:spTree>
-      <p:nvGrpSpPr>
-        <p:cNvPr id="1" name="Shape 209"/>
-        <p:cNvGrpSpPr/>
-        <p:nvPr/>
-      </p:nvGrpSpPr>
-      <p:grpSpPr>
-        <a:xfrm>
-          <a:off x="0" y="0"/>
-          <a:ext cx="0" cy="0"/>
-          <a:chOff x="0" y="0"/>
-          <a:chExt cx="0" cy="0"/>
-        </a:xfrm>
-      </p:grpSpPr>
-      <p:sp>
-        <p:nvSpPr>
-          <p:cNvPr id="210" name="Shape 210"/>
-          <p:cNvSpPr txBox="1">
-            <a:spLocks noGrp="1"/>
-          </p:cNvSpPr>
-          <p:nvPr>
-            <p:ph type="body" idx="1"/>
-          </p:nvPr>
-        </p:nvSpPr>
-        <p:spPr>
-          <a:xfrm>
-            <a:off x="685800" y="4343400"/>
-            <a:ext cx="5486399" cy="4114800"/>
-          </a:xfrm>
-          <a:prstGeom prst="rect">
-            <a:avLst/>
-          </a:prstGeom>
-          <a:noFill/>
-          <a:ln>
-            <a:noFill/>
-          </a:ln>
-        </p:spPr>
-        <p:txBody>
-          <a:bodyPr lIns="91425" tIns="91425" rIns="91425" bIns="91425" anchor="ctr" anchorCtr="0">
-            <a:noAutofit/>
-          </a:bodyPr>
-          <a:lstStyle/>
-          <a:p>
-            <a:pPr lvl="0">
-              <a:spcBef>
-                <a:spcPts val="0"/>
-              </a:spcBef>
-              <a:buNone/>
-            </a:pPr>
-            <a:endParaRPr/>
-          </a:p>
-        </p:txBody>
-      </p:sp>
-      <p:sp>
-        <p:nvSpPr>
-          <p:cNvPr id="211" name="Shape 211"/>
-          <p:cNvSpPr>
-            <a:spLocks noGrp="1" noRot="1" noChangeAspect="1"/>
-          </p:cNvSpPr>
-          <p:nvPr>
-            <p:ph type="sldImg" idx="2"/>
-          </p:nvPr>
-        </p:nvSpPr>
-        <p:spPr>
-          <a:xfrm>
-            <a:off x="381000" y="685800"/>
-            <a:ext cx="6096000" cy="3429000"/>
-          </a:xfrm>
-          <a:custGeom>
-            <a:avLst/>
-            <a:gdLst/>
-            <a:ahLst/>
-            <a:cxnLst/>
-            <a:rect l="0" t="0" r="0" b="0"/>
-            <a:pathLst>
-              <a:path w="120000" h="120000" extrusionOk="0">
-                <a:moveTo>
-                  <a:pt x="0" y="0"/>
-                </a:moveTo>
-                <a:lnTo>
-                  <a:pt x="120000" y="0"/>
-                </a:lnTo>
-                <a:lnTo>
-                  <a:pt x="120000" y="120000"/>
-                </a:lnTo>
-                <a:lnTo>
-                  <a:pt x="0" y="120000"/>
-                </a:lnTo>
-                <a:close/>
-              </a:path>
-            </a:pathLst>
-          </a:custGeom>
-        </p:spPr>
-      </p:sp>
-    </p:spTree>
-    <p:extLst>
-      <p:ext uri="{BB962C8B-B14F-4D97-AF65-F5344CB8AC3E}">
-        <p14:creationId xmlns:p14="http://schemas.microsoft.com/office/powerpoint/2010/main" val="277812070"/>
-      </p:ext>
-    </p:extLst>
-  </p:cSld>
-  <p:clrMapOvr>
-    <a:masterClrMapping/>
-  </p:clrMapOvr>
-</p:notes>
-</file>
-
-<file path=ppt/notesSlides/notesSlide26.xml><?xml version="1.0" encoding="utf-8"?>
-<p:notes xmlns:a="http://schemas.openxmlformats.org/drawingml/2006/main" xmlns:r="http://schemas.openxmlformats.org/officeDocument/2006/relationships" xmlns:p="http://schemas.openxmlformats.org/presentationml/2006/main" showMasterSp="0" showMasterPhAnim="0">
-  <p:cSld>
-    <p:spTree>
-      <p:nvGrpSpPr>
-        <p:cNvPr id="1" name="Shape 209"/>
-        <p:cNvGrpSpPr/>
-        <p:nvPr/>
-      </p:nvGrpSpPr>
-      <p:grpSpPr>
-        <a:xfrm>
-          <a:off x="0" y="0"/>
-          <a:ext cx="0" cy="0"/>
-          <a:chOff x="0" y="0"/>
-          <a:chExt cx="0" cy="0"/>
-        </a:xfrm>
-      </p:grpSpPr>
-      <p:sp>
-        <p:nvSpPr>
-          <p:cNvPr id="210" name="Shape 210"/>
-          <p:cNvSpPr txBox="1">
-            <a:spLocks noGrp="1"/>
-          </p:cNvSpPr>
-          <p:nvPr>
-            <p:ph type="body" idx="1"/>
-          </p:nvPr>
-        </p:nvSpPr>
-        <p:spPr>
-          <a:xfrm>
-            <a:off x="685800" y="4343400"/>
-            <a:ext cx="5486399" cy="4114800"/>
-          </a:xfrm>
-          <a:prstGeom prst="rect">
-            <a:avLst/>
-          </a:prstGeom>
-          <a:noFill/>
-          <a:ln>
-            <a:noFill/>
-          </a:ln>
-        </p:spPr>
-        <p:txBody>
-          <a:bodyPr lIns="91425" tIns="91425" rIns="91425" bIns="91425" anchor="ctr" anchorCtr="0">
-            <a:noAutofit/>
-          </a:bodyPr>
-          <a:lstStyle/>
-          <a:p>
-            <a:pPr lvl="0">
-              <a:spcBef>
-                <a:spcPts val="0"/>
-              </a:spcBef>
-              <a:buNone/>
-            </a:pPr>
-            <a:endParaRPr/>
-          </a:p>
-        </p:txBody>
-      </p:sp>
-      <p:sp>
-        <p:nvSpPr>
-          <p:cNvPr id="211" name="Shape 211"/>
-          <p:cNvSpPr>
-            <a:spLocks noGrp="1" noRot="1" noChangeAspect="1"/>
-          </p:cNvSpPr>
-          <p:nvPr>
-            <p:ph type="sldImg" idx="2"/>
-          </p:nvPr>
-        </p:nvSpPr>
-        <p:spPr>
-          <a:xfrm>
-            <a:off x="381000" y="685800"/>
-            <a:ext cx="6096000" cy="3429000"/>
-          </a:xfrm>
-          <a:custGeom>
-            <a:avLst/>
-            <a:gdLst/>
-            <a:ahLst/>
-            <a:cxnLst/>
-            <a:rect l="0" t="0" r="0" b="0"/>
-            <a:pathLst>
-              <a:path w="120000" h="120000" extrusionOk="0">
-                <a:moveTo>
-                  <a:pt x="0" y="0"/>
-                </a:moveTo>
-                <a:lnTo>
-                  <a:pt x="120000" y="0"/>
-                </a:lnTo>
-                <a:lnTo>
-                  <a:pt x="120000" y="120000"/>
-                </a:lnTo>
-                <a:lnTo>
-                  <a:pt x="0" y="120000"/>
-                </a:lnTo>
-                <a:close/>
-              </a:path>
-            </a:pathLst>
-          </a:custGeom>
-        </p:spPr>
-      </p:sp>
-    </p:spTree>
-    <p:extLst>
-      <p:ext uri="{BB962C8B-B14F-4D97-AF65-F5344CB8AC3E}">
-        <p14:creationId xmlns:p14="http://schemas.microsoft.com/office/powerpoint/2010/main" val="3280648542"/>
-      </p:ext>
-    </p:extLst>
-  </p:cSld>
-  <p:clrMapOvr>
-    <a:masterClrMapping/>
-  </p:clrMapOvr>
-</p:notes>
-</file>
-
-<file path=ppt/notesSlides/notesSlide27.xml><?xml version="1.0" encoding="utf-8"?>
+<file path=ppt/notesSlides/notesSlide28.xml><?xml version="1.0" encoding="utf-8"?>
 <p:notes xmlns:a="http://schemas.openxmlformats.org/drawingml/2006/main" xmlns:r="http://schemas.openxmlformats.org/officeDocument/2006/relationships" xmlns:p="http://schemas.openxmlformats.org/presentationml/2006/main" showMasterSp="0" showMasterPhAnim="0">
   <p:cSld>
     <p:spTree>
@@ -14426,18 +14537,6 @@
               <a:t>)</a:t>
             </a:r>
           </a:p>
-          <a:p>
-            <a:pPr lvl="0"/>
-            <a:r>
-              <a:rPr lang="ru-RU" sz="3200" dirty="0" smtClean="0">
-                <a:solidFill>
-                  <a:schemeClr val="tx1"/>
-                </a:solidFill>
-              </a:rPr>
-              <a:t>Модули и пакеты</a:t>
-            </a:r>
-            <a:endParaRPr lang="ru-RU" dirty="0"/>
-          </a:p>
         </p:txBody>
       </p:sp>
     </p:spTree>
@@ -14541,19 +14640,7 @@
                 <a:cs typeface="Cabin"/>
                 <a:sym typeface="Cabin"/>
               </a:rPr>
-              <a:t>Глобальная и локальная области </a:t>
-            </a:r>
-            <a:r>
-              <a:rPr lang="ru-RU" sz="6600" dirty="0" smtClean="0">
-                <a:solidFill>
-                  <a:schemeClr val="bg2"/>
-                </a:solidFill>
-                <a:latin typeface="Cabin"/>
-                <a:ea typeface="Cabin"/>
-                <a:cs typeface="Cabin"/>
-                <a:sym typeface="Cabin"/>
-              </a:rPr>
-              <a:t>видимости</a:t>
+              <a:t>Глобальная и локальная области видимости</a:t>
             </a:r>
             <a:endParaRPr lang="en-US" sz="6600" dirty="0">
               <a:solidFill>
@@ -15755,19 +15842,7 @@
                 <a:cs typeface="Cabin"/>
                 <a:sym typeface="Cabin"/>
               </a:rPr>
-              <a:t>Глобальная и локальная области </a:t>
-            </a:r>
-            <a:r>
-              <a:rPr lang="ru-RU" sz="6600" dirty="0" smtClean="0">
-                <a:solidFill>
-                  <a:schemeClr val="bg2"/>
-                </a:solidFill>
-                <a:latin typeface="Cabin"/>
-                <a:ea typeface="Cabin"/>
-                <a:cs typeface="Cabin"/>
-                <a:sym typeface="Cabin"/>
-              </a:rPr>
-              <a:t>видимости</a:t>
+              <a:t>Глобальная и локальная области видимости</a:t>
             </a:r>
             <a:endParaRPr lang="en-US" sz="6600" dirty="0">
               <a:solidFill>
@@ -16992,7 +17067,7 @@
         </p:nvSpPr>
         <p:spPr>
           <a:xfrm>
-            <a:off x="1029750" y="2429529"/>
+            <a:off x="1029750" y="2686396"/>
             <a:ext cx="14476950" cy="954107"/>
           </a:xfrm>
           <a:prstGeom prst="rect">
@@ -18142,19 +18217,7 @@
                 <a:cs typeface="Cabin"/>
                 <a:sym typeface="Cabin"/>
               </a:rPr>
-              <a:t>Локальная области </a:t>
-            </a:r>
-            <a:r>
-              <a:rPr lang="ru-RU" sz="6600" dirty="0" smtClean="0">
-                <a:solidFill>
-                  <a:schemeClr val="bg2"/>
-                </a:solidFill>
-                <a:latin typeface="Cabin"/>
-                <a:ea typeface="Cabin"/>
-                <a:cs typeface="Cabin"/>
-                <a:sym typeface="Cabin"/>
-              </a:rPr>
-              <a:t>видимости</a:t>
+              <a:t>Локальная области видимости</a:t>
             </a:r>
             <a:endParaRPr lang="en-US" sz="6600" dirty="0">
               <a:solidFill>
@@ -21961,11 +22024,7 @@
             </a:pPr>
             <a:r>
               <a:rPr lang="ru-RU" sz="6600" dirty="0" smtClean="0"/>
-              <a:t>Написать функцию </a:t>
-            </a:r>
-            <a:r>
-              <a:rPr lang="ru-RU" sz="6600" dirty="0" smtClean="0"/>
-              <a:t>возвращаю сумму всех аргументов</a:t>
+              <a:t>Написать функцию возвращаю сумму всех аргументов</a:t>
             </a:r>
             <a:endParaRPr lang="en-US" sz="6600" dirty="0">
               <a:solidFill>
@@ -22270,16 +22329,7 @@
                 </a:highlight>
                 <a:latin typeface="Consolas"/>
               </a:rPr>
-              <a:t>&gt;&gt;&gt; </a:t>
-            </a:r>
-            <a:r>
-              <a:rPr lang="en-US" sz="2800" dirty="0" smtClean="0">
-                <a:highlight>
-                  <a:srgbClr val="FFFFFF"/>
-                </a:highlight>
-                <a:latin typeface="Consolas"/>
-              </a:rPr>
-              <a:t>sum</a:t>
+              <a:t>&gt;&gt;&gt; sum</a:t>
             </a:r>
             <a:r>
               <a:rPr lang="pt-BR" sz="2800" dirty="0" smtClean="0">
@@ -22624,11 +22674,7 @@
             </a:pPr>
             <a:r>
               <a:rPr lang="ru-RU" sz="6600" dirty="0" smtClean="0"/>
-              <a:t>Функция </a:t>
-            </a:r>
-            <a:r>
-              <a:rPr lang="ru-RU" sz="6600" dirty="0" smtClean="0"/>
-              <a:t>с переменным количеством аргументов</a:t>
+              <a:t>Функция с переменным количеством аргументов</a:t>
             </a:r>
             <a:endParaRPr lang="en-US" sz="6600" dirty="0">
               <a:solidFill>
@@ -23011,7 +23057,16 @@
                 </a:highlight>
                 <a:latin typeface="Consolas"/>
               </a:rPr>
-              <a:t>&gt;&gt;&gt; </a:t>
+              <a:t>&gt;&gt;&gt; sum</a:t>
+            </a:r>
+            <a:r>
+              <a:rPr lang="pt-BR" sz="2800" dirty="0" smtClean="0">
+                <a:highlight>
+                  <a:srgbClr val="FFFFFF"/>
+                </a:highlight>
+                <a:latin typeface="Consolas"/>
+              </a:rPr>
+              <a:t>_nums</a:t>
             </a:r>
             <a:r>
               <a:rPr lang="en-US" sz="2800" dirty="0" smtClean="0">
@@ -23020,6 +23075,46 @@
                 </a:highlight>
                 <a:latin typeface="Consolas"/>
               </a:rPr>
+              <a:t>(10</a:t>
+            </a:r>
+            <a:r>
+              <a:rPr lang="en-US" sz="2800" dirty="0">
+                <a:highlight>
+                  <a:srgbClr val="FFFFFF"/>
+                </a:highlight>
+                <a:latin typeface="Consolas"/>
+              </a:rPr>
+              <a:t>, 20, 30, 40, 50, 60)</a:t>
+            </a:r>
+          </a:p>
+          <a:p>
+            <a:r>
+              <a:rPr lang="ru-RU" sz="2800" dirty="0">
+                <a:highlight>
+                  <a:srgbClr val="FFFFFF"/>
+                </a:highlight>
+                <a:latin typeface="Consolas"/>
+              </a:rPr>
+              <a:t>210</a:t>
+            </a:r>
+          </a:p>
+          <a:p>
+            <a:r>
+              <a:rPr lang="en-US" sz="2800" dirty="0">
+                <a:highlight>
+                  <a:srgbClr val="FFFFFF"/>
+                </a:highlight>
+                <a:latin typeface="Consolas"/>
+              </a:rPr>
+              <a:t>&gt;&gt;&gt; </a:t>
+            </a:r>
+            <a:r>
+              <a:rPr lang="en-US" sz="2800" dirty="0" smtClean="0">
+                <a:highlight>
+                  <a:srgbClr val="FFFFFF"/>
+                </a:highlight>
+                <a:latin typeface="Consolas"/>
+              </a:rPr>
               <a:t>sum</a:t>
             </a:r>
             <a:r>
@@ -23047,29 +23142,7 @@
                 </a:highlight>
                 <a:latin typeface="Consolas"/>
               </a:rPr>
-              <a:t>, 20, 30, 40, 50, 60)</a:t>
-            </a:r>
-          </a:p>
-          <a:p>
-            <a:r>
-              <a:rPr lang="ru-RU" sz="2800" dirty="0">
-                <a:highlight>
-                  <a:srgbClr val="FFFFFF"/>
-                </a:highlight>
-                <a:latin typeface="Consolas"/>
-              </a:rPr>
-              <a:t>210</a:t>
-            </a:r>
-          </a:p>
-          <a:p>
-            <a:r>
-              <a:rPr lang="en-US" sz="2800" dirty="0">
-                <a:highlight>
-                  <a:srgbClr val="FFFFFF"/>
-                </a:highlight>
-                <a:latin typeface="Consolas"/>
-              </a:rPr>
-              <a:t>&gt;&gt;&gt; </a:t>
+              <a:t>, 20, 30, 40, 50, 60, 70</a:t>
             </a:r>
             <a:r>
               <a:rPr lang="en-US" sz="2800" dirty="0" smtClean="0">
@@ -23078,17 +23151,10 @@
                 </a:highlight>
                 <a:latin typeface="Consolas"/>
               </a:rPr>
-              <a:t>sum</a:t>
-            </a:r>
-            <a:r>
-              <a:rPr lang="pt-BR" sz="2800" dirty="0" smtClean="0">
-                <a:highlight>
-                  <a:srgbClr val="FFFFFF"/>
-                </a:highlight>
-                <a:latin typeface="Consolas"/>
-              </a:rPr>
-              <a:t>_nums</a:t>
-            </a:r>
+              <a:t>)</a:t>
+            </a:r>
+          </a:p>
+          <a:p>
             <a:r>
               <a:rPr lang="en-US" sz="2800" dirty="0" smtClean="0">
                 <a:highlight>
@@ -23096,43 +23162,8 @@
                 </a:highlight>
                 <a:latin typeface="Consolas"/>
               </a:rPr>
-              <a:t>(10</a:t>
-            </a:r>
-            <a:r>
-              <a:rPr lang="en-US" sz="2800" dirty="0">
-                <a:highlight>
-                  <a:srgbClr val="FFFFFF"/>
-                </a:highlight>
-                <a:latin typeface="Consolas"/>
-              </a:rPr>
-              <a:t>, 20, 30, 40, 50, 60, 70</a:t>
-            </a:r>
-            <a:r>
-              <a:rPr lang="en-US" sz="2800" dirty="0" smtClean="0">
-                <a:highlight>
-                  <a:srgbClr val="FFFFFF"/>
-                </a:highlight>
-                <a:latin typeface="Consolas"/>
-              </a:rPr>
-              <a:t>)</a:t>
-            </a:r>
-          </a:p>
-          <a:p>
-            <a:r>
-              <a:rPr lang="en-US" sz="2800" dirty="0" smtClean="0">
-                <a:highlight>
-                  <a:srgbClr val="FFFFFF"/>
-                </a:highlight>
-                <a:latin typeface="Consolas"/>
-              </a:rPr>
               <a:t>280</a:t>
             </a:r>
-            <a:endParaRPr lang="en-US" sz="2800" dirty="0" smtClean="0">
-              <a:highlight>
-                <a:srgbClr val="FFFFFF"/>
-              </a:highlight>
-              <a:latin typeface="Consolas"/>
-            </a:endParaRPr>
           </a:p>
           <a:p>
             <a:r>
@@ -24158,13 +24189,8 @@
             </a:pPr>
             <a:r>
               <a:rPr lang="ru-RU" sz="2800" dirty="0" smtClean="0"/>
-              <a:t>Что такое </a:t>
-            </a:r>
-            <a:r>
-              <a:rPr lang="ru-RU" sz="2800" dirty="0" smtClean="0"/>
-              <a:t>параметры функции?</a:t>
-            </a:r>
-            <a:endParaRPr lang="ru-RU" sz="2800" dirty="0" smtClean="0"/>
+              <a:t>Что такое параметры функции?</a:t>
+            </a:r>
           </a:p>
           <a:p>
             <a:pPr marL="1083056" indent="-514350">
@@ -25572,11 +25598,7 @@
             </a:pPr>
             <a:r>
               <a:rPr lang="ru-RU" sz="6600" dirty="0" smtClean="0"/>
-              <a:t>Переменное </a:t>
-            </a:r>
-            <a:r>
-              <a:rPr lang="ru-RU" sz="6600" dirty="0" smtClean="0"/>
-              <a:t>количество</a:t>
+              <a:t>Переменное количество</a:t>
             </a:r>
             <a:r>
               <a:rPr lang="en-US" sz="6600" dirty="0" smtClean="0"/>
@@ -25584,11 +25606,7 @@
             </a:r>
             <a:r>
               <a:rPr lang="ru-RU" sz="6600" dirty="0" smtClean="0"/>
-              <a:t>позиционных и </a:t>
-            </a:r>
-            <a:r>
-              <a:rPr lang="ru-RU" sz="6600" dirty="0" smtClean="0"/>
-              <a:t>именованных аргументов</a:t>
+              <a:t>позиционных и именованных аргументов</a:t>
             </a:r>
             <a:endParaRPr lang="en-US" sz="6600" dirty="0">
               <a:solidFill>
@@ -25717,7 +25735,7 @@
         <p:spPr>
           <a:xfrm>
             <a:off x="44450" y="3782109"/>
-            <a:ext cx="8128000" cy="4031873"/>
+            <a:ext cx="8128000" cy="4524315"/>
           </a:xfrm>
           <a:prstGeom prst="rect">
             <a:avLst/>
@@ -25842,7 +25860,20 @@
                 <a:latin typeface="Courier New" panose="02070309020205020404" pitchFamily="49" charset="0"/>
                 <a:cs typeface="Courier New" panose="02070309020205020404" pitchFamily="49" charset="0"/>
               </a:rPr>
-              <a:t>) &gt;&gt;&gt; </a:t>
+              <a:t>) </a:t>
+            </a:r>
+            <a:endParaRPr lang="en-US" sz="3200" dirty="0" smtClean="0">
+              <a:latin typeface="Courier New" panose="02070309020205020404" pitchFamily="49" charset="0"/>
+              <a:cs typeface="Courier New" panose="02070309020205020404" pitchFamily="49" charset="0"/>
+            </a:endParaRPr>
+          </a:p>
+          <a:p>
+            <a:r>
+              <a:rPr lang="en-US" sz="3200" dirty="0" smtClean="0">
+                <a:latin typeface="Courier New" panose="02070309020205020404" pitchFamily="49" charset="0"/>
+                <a:cs typeface="Courier New" panose="02070309020205020404" pitchFamily="49" charset="0"/>
+              </a:rPr>
+              <a:t>&gt;&gt;&gt; </a:t>
             </a:r>
             <a:r>
               <a:rPr lang="en-US" sz="3200" dirty="0">
@@ -26090,13 +26121,6 @@
               </a:rPr>
               <a:t>: positional argument follows keyword argument</a:t>
             </a:r>
-            <a:endParaRPr lang="en-US" sz="3200" dirty="0">
-              <a:solidFill>
-                <a:srgbClr val="FF0000"/>
-              </a:solidFill>
-              <a:latin typeface="Courier New" panose="02070309020205020404" pitchFamily="49" charset="0"/>
-              <a:cs typeface="Courier New" panose="02070309020205020404" pitchFamily="49" charset="0"/>
-            </a:endParaRPr>
           </a:p>
         </p:txBody>
       </p:sp>
@@ -26157,7 +26181,7 @@
         </p:nvSpPr>
         <p:spPr>
           <a:xfrm>
-            <a:off x="1155700" y="241300"/>
+            <a:off x="1126204" y="-319139"/>
             <a:ext cx="13931900" cy="2298699"/>
           </a:xfrm>
           <a:prstGeom prst="rect">
@@ -26174,44 +26198,11 @@
           </a:bodyPr>
           <a:lstStyle/>
           <a:p>
-            <a:pPr marL="0" marR="0" lvl="0" indent="0" algn="ctr" rtl="0">
-              <a:lnSpc>
-                <a:spcPct val="100000"/>
-              </a:lnSpc>
-              <a:spcBef>
-                <a:spcPts val="0"/>
-              </a:spcBef>
-              <a:spcAft>
-                <a:spcPts val="0"/>
-              </a:spcAft>
-              <a:buClr>
-                <a:schemeClr val="lt1"/>
-              </a:buClr>
-              <a:buSzPct val="25000"/>
-              <a:buFont typeface="Cabin"/>
-              <a:buNone/>
-            </a:pPr>
-            <a:r>
-              <a:rPr lang="ru-RU" sz="6600" dirty="0" smtClean="0">
-                <a:solidFill>
-                  <a:schemeClr val="bg2"/>
-                </a:solidFill>
-                <a:latin typeface="Cabin"/>
-                <a:ea typeface="Cabin"/>
-                <a:cs typeface="Cabin"/>
-                <a:sym typeface="Cabin"/>
-              </a:rPr>
-              <a:t>Функция как объект</a:t>
-            </a:r>
-            <a:endParaRPr lang="en-US" sz="6600" dirty="0">
-              <a:solidFill>
-                <a:schemeClr val="bg2"/>
-              </a:solidFill>
-              <a:latin typeface="Cabin"/>
-              <a:ea typeface="Cabin"/>
-              <a:cs typeface="Cabin"/>
-              <a:sym typeface="Cabin"/>
-            </a:endParaRPr>
+            <a:r>
+              <a:rPr lang="ru-RU" sz="6600" dirty="0" smtClean="0"/>
+              <a:t>Рекурсия</a:t>
+            </a:r>
+            <a:endParaRPr lang="ru-RU" sz="6600" dirty="0"/>
           </a:p>
         </p:txBody>
       </p:sp>
@@ -26272,10 +26263,622 @@
           </a:p>
         </p:txBody>
       </p:sp>
+      <p:sp>
+        <p:nvSpPr>
+          <p:cNvPr id="2" name="Rectangle 1"/>
+          <p:cNvSpPr>
+            <a:spLocks noChangeArrowheads="1"/>
+          </p:cNvSpPr>
+          <p:nvPr/>
+        </p:nvSpPr>
+        <p:spPr bwMode="auto">
+          <a:xfrm>
+            <a:off x="3539613" y="1625557"/>
+            <a:ext cx="8111614" cy="7048083"/>
+          </a:xfrm>
+          <a:prstGeom prst="rect">
+            <a:avLst/>
+          </a:prstGeom>
+          <a:noFill/>
+          <a:ln>
+            <a:noFill/>
+          </a:ln>
+          <a:effectLst/>
+          <a:extLst>
+            <a:ext uri="{909E8E84-426E-40DD-AFC4-6F175D3DCCD1}">
+              <a14:hiddenFill xmlns:a14="http://schemas.microsoft.com/office/drawing/2010/main">
+                <a:solidFill>
+                  <a:schemeClr val="accent1"/>
+                </a:solidFill>
+              </a14:hiddenFill>
+            </a:ext>
+            <a:ext uri="{91240B29-F687-4F45-9708-019B960494DF}">
+              <a14:hiddenLine xmlns:a14="http://schemas.microsoft.com/office/drawing/2010/main" w="9525">
+                <a:solidFill>
+                  <a:schemeClr val="tx1"/>
+                </a:solidFill>
+                <a:miter lim="800000"/>
+                <a:headEnd/>
+                <a:tailEnd/>
+              </a14:hiddenLine>
+            </a:ext>
+            <a:ext uri="{AF507438-7753-43E0-B8FC-AC1667EBCBE1}">
+              <a14:hiddenEffects xmlns:a14="http://schemas.microsoft.com/office/drawing/2010/main">
+                <a:effectLst>
+                  <a:outerShdw dist="35921" dir="2700000" algn="ctr" rotWithShape="0">
+                    <a:schemeClr val="bg2"/>
+                  </a:outerShdw>
+                </a:effectLst>
+              </a14:hiddenEffects>
+            </a:ext>
+          </a:extLst>
+        </p:spPr>
+        <p:txBody>
+          <a:bodyPr vert="horz" wrap="square" lIns="91440" tIns="45720" rIns="91440" bIns="45720" numCol="1" anchor="ctr" anchorCtr="0" compatLnSpc="1">
+            <a:prstTxWarp prst="textNoShape">
+              <a:avLst/>
+            </a:prstTxWarp>
+            <a:spAutoFit/>
+          </a:bodyPr>
+          <a:lstStyle/>
+          <a:p>
+            <a:pPr marL="0" marR="0" lvl="0" indent="0" algn="l" defTabSz="914400" rtl="0" eaLnBrk="0" fontAlgn="base" latinLnBrk="0" hangingPunct="0">
+              <a:lnSpc>
+                <a:spcPct val="100000"/>
+              </a:lnSpc>
+              <a:spcBef>
+                <a:spcPct val="0"/>
+              </a:spcBef>
+              <a:spcAft>
+                <a:spcPct val="0"/>
+              </a:spcAft>
+              <a:buClrTx/>
+              <a:buSzTx/>
+              <a:buFontTx/>
+              <a:buNone/>
+              <a:tabLst/>
+            </a:pPr>
+            <a:r>
+              <a:rPr kumimoji="0" lang="ru-RU" altLang="ru-RU" sz="3600" b="0" i="0" u="none" strike="noStrike" cap="none" normalizeH="0" baseline="0" dirty="0" smtClean="0">
+                <a:ln>
+                  <a:noFill/>
+                </a:ln>
+                <a:solidFill>
+                  <a:schemeClr val="tx1"/>
+                </a:solidFill>
+                <a:effectLst/>
+                <a:latin typeface="Arial" panose="020B0604020202020204" pitchFamily="34" charset="0"/>
+              </a:rPr>
+              <a:t>У попа была собака, он её любил,</a:t>
+            </a:r>
+            <a:br>
+              <a:rPr kumimoji="0" lang="ru-RU" altLang="ru-RU" sz="3600" b="0" i="0" u="none" strike="noStrike" cap="none" normalizeH="0" baseline="0" dirty="0" smtClean="0">
+                <a:ln>
+                  <a:noFill/>
+                </a:ln>
+                <a:solidFill>
+                  <a:schemeClr val="tx1"/>
+                </a:solidFill>
+                <a:effectLst/>
+                <a:latin typeface="Arial" panose="020B0604020202020204" pitchFamily="34" charset="0"/>
+              </a:rPr>
+            </a:br>
+            <a:r>
+              <a:rPr kumimoji="0" lang="ru-RU" altLang="ru-RU" sz="3600" b="0" i="0" u="none" strike="noStrike" cap="none" normalizeH="0" baseline="0" dirty="0" smtClean="0">
+                <a:ln>
+                  <a:noFill/>
+                </a:ln>
+                <a:solidFill>
+                  <a:schemeClr val="tx1"/>
+                </a:solidFill>
+                <a:effectLst/>
+                <a:latin typeface="Arial" panose="020B0604020202020204" pitchFamily="34" charset="0"/>
+              </a:rPr>
+              <a:t>Она съела кусок мяса, он её убил,</a:t>
+            </a:r>
+            <a:br>
+              <a:rPr kumimoji="0" lang="ru-RU" altLang="ru-RU" sz="3600" b="0" i="0" u="none" strike="noStrike" cap="none" normalizeH="0" baseline="0" dirty="0" smtClean="0">
+                <a:ln>
+                  <a:noFill/>
+                </a:ln>
+                <a:solidFill>
+                  <a:schemeClr val="tx1"/>
+                </a:solidFill>
+                <a:effectLst/>
+                <a:latin typeface="Arial" panose="020B0604020202020204" pitchFamily="34" charset="0"/>
+              </a:rPr>
+            </a:br>
+            <a:r>
+              <a:rPr kumimoji="0" lang="ru-RU" altLang="ru-RU" sz="3600" b="0" i="0" u="none" strike="noStrike" cap="none" normalizeH="0" baseline="0" dirty="0" smtClean="0">
+                <a:ln>
+                  <a:noFill/>
+                </a:ln>
+                <a:solidFill>
+                  <a:schemeClr val="tx1"/>
+                </a:solidFill>
+                <a:effectLst/>
+                <a:latin typeface="Arial" panose="020B0604020202020204" pitchFamily="34" charset="0"/>
+              </a:rPr>
+              <a:t>В землю закопал,</a:t>
+            </a:r>
+            <a:br>
+              <a:rPr kumimoji="0" lang="ru-RU" altLang="ru-RU" sz="3600" b="0" i="0" u="none" strike="noStrike" cap="none" normalizeH="0" baseline="0" dirty="0" smtClean="0">
+                <a:ln>
+                  <a:noFill/>
+                </a:ln>
+                <a:solidFill>
+                  <a:schemeClr val="tx1"/>
+                </a:solidFill>
+                <a:effectLst/>
+                <a:latin typeface="Arial" panose="020B0604020202020204" pitchFamily="34" charset="0"/>
+              </a:rPr>
+            </a:br>
+            <a:r>
+              <a:rPr kumimoji="0" lang="ru-RU" altLang="ru-RU" sz="3600" b="0" i="0" u="none" strike="noStrike" cap="none" normalizeH="0" baseline="0" dirty="0" smtClean="0">
+                <a:ln>
+                  <a:noFill/>
+                </a:ln>
+                <a:solidFill>
+                  <a:schemeClr val="tx1"/>
+                </a:solidFill>
+                <a:effectLst/>
+                <a:latin typeface="Arial" panose="020B0604020202020204" pitchFamily="34" charset="0"/>
+              </a:rPr>
+              <a:t>Надпись написал:</a:t>
+            </a:r>
+            <a:br>
+              <a:rPr kumimoji="0" lang="ru-RU" altLang="ru-RU" sz="3600" b="0" i="0" u="none" strike="noStrike" cap="none" normalizeH="0" baseline="0" dirty="0" smtClean="0">
+                <a:ln>
+                  <a:noFill/>
+                </a:ln>
+                <a:solidFill>
+                  <a:schemeClr val="tx1"/>
+                </a:solidFill>
+                <a:effectLst/>
+                <a:latin typeface="Arial" panose="020B0604020202020204" pitchFamily="34" charset="0"/>
+              </a:rPr>
+            </a:br>
+            <a:endParaRPr kumimoji="0" lang="ru-RU" altLang="ru-RU" sz="3600" b="0" i="0" u="none" strike="noStrike" cap="none" normalizeH="0" baseline="0" dirty="0" smtClean="0">
+              <a:ln>
+                <a:noFill/>
+              </a:ln>
+              <a:solidFill>
+                <a:schemeClr val="tx1"/>
+              </a:solidFill>
+              <a:effectLst/>
+              <a:latin typeface="Arial" panose="020B0604020202020204" pitchFamily="34" charset="0"/>
+            </a:endParaRPr>
+          </a:p>
+          <a:p>
+            <a:pPr marL="457200" marR="0" lvl="1" indent="0" algn="l" defTabSz="914400" rtl="0" eaLnBrk="0" fontAlgn="base" latinLnBrk="0" hangingPunct="0">
+              <a:lnSpc>
+                <a:spcPct val="100000"/>
+              </a:lnSpc>
+              <a:spcBef>
+                <a:spcPct val="0"/>
+              </a:spcBef>
+              <a:spcAft>
+                <a:spcPct val="0"/>
+              </a:spcAft>
+              <a:buClrTx/>
+              <a:buSzTx/>
+              <a:buFontTx/>
+              <a:buNone/>
+              <a:tabLst/>
+            </a:pPr>
+            <a:r>
+              <a:rPr kumimoji="0" lang="en-US" altLang="ru-RU" sz="3200" b="0" i="0" u="none" strike="noStrike" cap="none" normalizeH="0" baseline="0" dirty="0" smtClean="0">
+                <a:ln>
+                  <a:noFill/>
+                </a:ln>
+                <a:solidFill>
+                  <a:schemeClr val="tx1"/>
+                </a:solidFill>
+                <a:effectLst/>
+                <a:latin typeface="Arial" panose="020B0604020202020204" pitchFamily="34" charset="0"/>
+              </a:rPr>
+              <a:t>	</a:t>
+            </a:r>
+            <a:r>
+              <a:rPr kumimoji="0" lang="ru-RU" altLang="ru-RU" sz="3200" b="0" i="0" u="none" strike="noStrike" cap="none" normalizeH="0" baseline="0" dirty="0" smtClean="0">
+                <a:ln>
+                  <a:noFill/>
+                </a:ln>
+                <a:solidFill>
+                  <a:schemeClr val="tx1"/>
+                </a:solidFill>
+                <a:effectLst/>
+                <a:latin typeface="Arial" panose="020B0604020202020204" pitchFamily="34" charset="0"/>
+              </a:rPr>
+              <a:t>У </a:t>
+            </a:r>
+            <a:r>
+              <a:rPr kumimoji="0" lang="ru-RU" altLang="ru-RU" sz="3200" b="0" i="0" u="none" strike="noStrike" cap="none" normalizeH="0" baseline="0" dirty="0" smtClean="0">
+                <a:ln>
+                  <a:noFill/>
+                </a:ln>
+                <a:solidFill>
+                  <a:schemeClr val="tx1"/>
+                </a:solidFill>
+                <a:effectLst/>
+                <a:latin typeface="Arial" panose="020B0604020202020204" pitchFamily="34" charset="0"/>
+              </a:rPr>
+              <a:t>попа была собака, он её любил,</a:t>
+            </a:r>
+          </a:p>
+          <a:p>
+            <a:pPr marL="457200" marR="0" lvl="1" indent="0" algn="l" defTabSz="914400" rtl="0" eaLnBrk="0" fontAlgn="base" latinLnBrk="0" hangingPunct="0">
+              <a:lnSpc>
+                <a:spcPct val="100000"/>
+              </a:lnSpc>
+              <a:spcBef>
+                <a:spcPct val="0"/>
+              </a:spcBef>
+              <a:spcAft>
+                <a:spcPct val="0"/>
+              </a:spcAft>
+              <a:buClrTx/>
+              <a:buSzTx/>
+              <a:buFontTx/>
+              <a:buNone/>
+              <a:tabLst/>
+            </a:pPr>
+            <a:r>
+              <a:rPr kumimoji="0" lang="en-US" altLang="ru-RU" sz="3200" b="0" i="0" u="none" strike="noStrike" cap="none" normalizeH="0" baseline="0" dirty="0" smtClean="0">
+                <a:ln>
+                  <a:noFill/>
+                </a:ln>
+                <a:solidFill>
+                  <a:schemeClr val="tx1"/>
+                </a:solidFill>
+                <a:effectLst/>
+                <a:latin typeface="Arial" panose="020B0604020202020204" pitchFamily="34" charset="0"/>
+              </a:rPr>
+              <a:t>	</a:t>
+            </a:r>
+            <a:r>
+              <a:rPr kumimoji="0" lang="ru-RU" altLang="ru-RU" sz="3200" b="0" i="0" u="none" strike="noStrike" cap="none" normalizeH="0" baseline="0" dirty="0" smtClean="0">
+                <a:ln>
+                  <a:noFill/>
+                </a:ln>
+                <a:solidFill>
+                  <a:schemeClr val="tx1"/>
+                </a:solidFill>
+                <a:effectLst/>
+                <a:latin typeface="Arial" panose="020B0604020202020204" pitchFamily="34" charset="0"/>
+              </a:rPr>
+              <a:t>Она </a:t>
+            </a:r>
+            <a:r>
+              <a:rPr kumimoji="0" lang="ru-RU" altLang="ru-RU" sz="3200" b="0" i="0" u="none" strike="noStrike" cap="none" normalizeH="0" baseline="0" dirty="0" smtClean="0">
+                <a:ln>
+                  <a:noFill/>
+                </a:ln>
+                <a:solidFill>
+                  <a:schemeClr val="tx1"/>
+                </a:solidFill>
+                <a:effectLst/>
+                <a:latin typeface="Arial" panose="020B0604020202020204" pitchFamily="34" charset="0"/>
+              </a:rPr>
+              <a:t>съела кусок мяса, он её убил,</a:t>
+            </a:r>
+          </a:p>
+          <a:p>
+            <a:pPr marL="457200" marR="0" lvl="1" indent="0" algn="l" defTabSz="914400" rtl="0" eaLnBrk="0" fontAlgn="base" latinLnBrk="0" hangingPunct="0">
+              <a:lnSpc>
+                <a:spcPct val="100000"/>
+              </a:lnSpc>
+              <a:spcBef>
+                <a:spcPct val="0"/>
+              </a:spcBef>
+              <a:spcAft>
+                <a:spcPct val="0"/>
+              </a:spcAft>
+              <a:buClrTx/>
+              <a:buSzTx/>
+              <a:buFontTx/>
+              <a:buNone/>
+              <a:tabLst/>
+            </a:pPr>
+            <a:r>
+              <a:rPr kumimoji="0" lang="en-US" altLang="ru-RU" sz="3200" b="0" i="0" u="none" strike="noStrike" cap="none" normalizeH="0" baseline="0" dirty="0" smtClean="0">
+                <a:ln>
+                  <a:noFill/>
+                </a:ln>
+                <a:solidFill>
+                  <a:schemeClr val="tx1"/>
+                </a:solidFill>
+                <a:effectLst/>
+                <a:latin typeface="Arial" panose="020B0604020202020204" pitchFamily="34" charset="0"/>
+              </a:rPr>
+              <a:t>	</a:t>
+            </a:r>
+            <a:r>
+              <a:rPr kumimoji="0" lang="ru-RU" altLang="ru-RU" sz="3200" b="0" i="0" u="none" strike="noStrike" cap="none" normalizeH="0" baseline="0" dirty="0" smtClean="0">
+                <a:ln>
+                  <a:noFill/>
+                </a:ln>
+                <a:solidFill>
+                  <a:schemeClr val="tx1"/>
+                </a:solidFill>
+                <a:effectLst/>
+                <a:latin typeface="Arial" panose="020B0604020202020204" pitchFamily="34" charset="0"/>
+              </a:rPr>
+              <a:t>В </a:t>
+            </a:r>
+            <a:r>
+              <a:rPr kumimoji="0" lang="ru-RU" altLang="ru-RU" sz="3200" b="0" i="0" u="none" strike="noStrike" cap="none" normalizeH="0" baseline="0" dirty="0" smtClean="0">
+                <a:ln>
+                  <a:noFill/>
+                </a:ln>
+                <a:solidFill>
+                  <a:schemeClr val="tx1"/>
+                </a:solidFill>
+                <a:effectLst/>
+                <a:latin typeface="Arial" panose="020B0604020202020204" pitchFamily="34" charset="0"/>
+              </a:rPr>
+              <a:t>землю закопал,</a:t>
+            </a:r>
+          </a:p>
+          <a:p>
+            <a:pPr marL="457200" marR="0" lvl="1" indent="0" algn="l" defTabSz="914400" rtl="0" eaLnBrk="0" fontAlgn="base" latinLnBrk="0" hangingPunct="0">
+              <a:lnSpc>
+                <a:spcPct val="100000"/>
+              </a:lnSpc>
+              <a:spcBef>
+                <a:spcPct val="0"/>
+              </a:spcBef>
+              <a:spcAft>
+                <a:spcPct val="0"/>
+              </a:spcAft>
+              <a:buClrTx/>
+              <a:buSzTx/>
+              <a:buFontTx/>
+              <a:buNone/>
+              <a:tabLst/>
+            </a:pPr>
+            <a:r>
+              <a:rPr kumimoji="0" lang="en-US" altLang="ru-RU" sz="3200" b="0" i="0" u="none" strike="noStrike" cap="none" normalizeH="0" baseline="0" dirty="0" smtClean="0">
+                <a:ln>
+                  <a:noFill/>
+                </a:ln>
+                <a:solidFill>
+                  <a:schemeClr val="tx1"/>
+                </a:solidFill>
+                <a:effectLst/>
+                <a:latin typeface="Arial" panose="020B0604020202020204" pitchFamily="34" charset="0"/>
+              </a:rPr>
+              <a:t>	</a:t>
+            </a:r>
+            <a:r>
+              <a:rPr kumimoji="0" lang="ru-RU" altLang="ru-RU" sz="3200" b="0" i="0" u="none" strike="noStrike" cap="none" normalizeH="0" baseline="0" dirty="0" smtClean="0">
+                <a:ln>
+                  <a:noFill/>
+                </a:ln>
+                <a:solidFill>
+                  <a:schemeClr val="tx1"/>
+                </a:solidFill>
+                <a:effectLst/>
+                <a:latin typeface="Arial" panose="020B0604020202020204" pitchFamily="34" charset="0"/>
+              </a:rPr>
+              <a:t>Надпись </a:t>
+            </a:r>
+            <a:r>
+              <a:rPr kumimoji="0" lang="ru-RU" altLang="ru-RU" sz="3200" b="0" i="0" u="none" strike="noStrike" cap="none" normalizeH="0" baseline="0" dirty="0" smtClean="0">
+                <a:ln>
+                  <a:noFill/>
+                </a:ln>
+                <a:solidFill>
+                  <a:schemeClr val="tx1"/>
+                </a:solidFill>
+                <a:effectLst/>
+                <a:latin typeface="Arial" panose="020B0604020202020204" pitchFamily="34" charset="0"/>
+              </a:rPr>
+              <a:t>написал: </a:t>
+            </a:r>
+            <a:endParaRPr kumimoji="0" lang="en-US" altLang="ru-RU" sz="3200" b="0" i="0" u="none" strike="noStrike" cap="none" normalizeH="0" baseline="0" dirty="0" smtClean="0">
+              <a:ln>
+                <a:noFill/>
+              </a:ln>
+              <a:solidFill>
+                <a:schemeClr val="tx1"/>
+              </a:solidFill>
+              <a:effectLst/>
+              <a:latin typeface="Arial" panose="020B0604020202020204" pitchFamily="34" charset="0"/>
+            </a:endParaRPr>
+          </a:p>
+          <a:p>
+            <a:pPr marL="457200" marR="0" lvl="1" indent="0" algn="l" defTabSz="914400" rtl="0" eaLnBrk="0" fontAlgn="base" latinLnBrk="0" hangingPunct="0">
+              <a:lnSpc>
+                <a:spcPct val="100000"/>
+              </a:lnSpc>
+              <a:spcBef>
+                <a:spcPct val="0"/>
+              </a:spcBef>
+              <a:spcAft>
+                <a:spcPct val="0"/>
+              </a:spcAft>
+              <a:buClrTx/>
+              <a:buSzTx/>
+              <a:buFontTx/>
+              <a:buNone/>
+              <a:tabLst/>
+            </a:pPr>
+            <a:endParaRPr kumimoji="0" lang="en-US" altLang="ru-RU" sz="3200" b="0" i="0" u="none" strike="noStrike" cap="none" normalizeH="0" baseline="0" dirty="0" smtClean="0">
+              <a:ln>
+                <a:noFill/>
+              </a:ln>
+              <a:solidFill>
+                <a:schemeClr val="tx1"/>
+              </a:solidFill>
+              <a:effectLst/>
+              <a:latin typeface="Arial" panose="020B0604020202020204" pitchFamily="34" charset="0"/>
+            </a:endParaRPr>
+          </a:p>
+          <a:p>
+            <a:pPr marL="457200" lvl="5" eaLnBrk="0" fontAlgn="base" hangingPunct="0">
+              <a:spcBef>
+                <a:spcPct val="0"/>
+              </a:spcBef>
+              <a:spcAft>
+                <a:spcPct val="0"/>
+              </a:spcAft>
+            </a:pPr>
+            <a:r>
+              <a:rPr lang="en-US" altLang="ru-RU" sz="2800" dirty="0" smtClean="0">
+                <a:solidFill>
+                  <a:schemeClr val="tx1"/>
+                </a:solidFill>
+                <a:latin typeface="Arial" panose="020B0604020202020204" pitchFamily="34" charset="0"/>
+              </a:rPr>
+              <a:t>		</a:t>
+            </a:r>
+            <a:r>
+              <a:rPr lang="ru-RU" altLang="ru-RU" sz="2800" dirty="0" smtClean="0">
+                <a:solidFill>
+                  <a:schemeClr val="tx1"/>
+                </a:solidFill>
+                <a:latin typeface="Arial" panose="020B0604020202020204" pitchFamily="34" charset="0"/>
+              </a:rPr>
+              <a:t>У </a:t>
+            </a:r>
+            <a:r>
+              <a:rPr lang="ru-RU" altLang="ru-RU" sz="2800" dirty="0">
+                <a:solidFill>
+                  <a:schemeClr val="tx1"/>
+                </a:solidFill>
+                <a:latin typeface="Arial" panose="020B0604020202020204" pitchFamily="34" charset="0"/>
+              </a:rPr>
+              <a:t>попа была собака, он её любил,</a:t>
+            </a:r>
+          </a:p>
+          <a:p>
+            <a:pPr marL="457200" lvl="5" eaLnBrk="0" fontAlgn="base" hangingPunct="0">
+              <a:spcBef>
+                <a:spcPct val="0"/>
+              </a:spcBef>
+              <a:spcAft>
+                <a:spcPct val="0"/>
+              </a:spcAft>
+            </a:pPr>
+            <a:r>
+              <a:rPr lang="en-US" altLang="ru-RU" sz="2800" dirty="0" smtClean="0">
+                <a:solidFill>
+                  <a:schemeClr val="tx1"/>
+                </a:solidFill>
+                <a:latin typeface="Arial" panose="020B0604020202020204" pitchFamily="34" charset="0"/>
+              </a:rPr>
+              <a:t>		</a:t>
+            </a:r>
+            <a:r>
+              <a:rPr lang="ru-RU" altLang="ru-RU" sz="2800" dirty="0" smtClean="0">
+                <a:solidFill>
+                  <a:schemeClr val="tx1"/>
+                </a:solidFill>
+                <a:latin typeface="Arial" panose="020B0604020202020204" pitchFamily="34" charset="0"/>
+              </a:rPr>
+              <a:t>Она </a:t>
+            </a:r>
+            <a:r>
+              <a:rPr lang="ru-RU" altLang="ru-RU" sz="2800" dirty="0">
+                <a:solidFill>
+                  <a:schemeClr val="tx1"/>
+                </a:solidFill>
+                <a:latin typeface="Arial" panose="020B0604020202020204" pitchFamily="34" charset="0"/>
+              </a:rPr>
+              <a:t>съела кусок мяса, он её убил,</a:t>
+            </a:r>
+          </a:p>
+          <a:p>
+            <a:pPr marL="457200" lvl="5" eaLnBrk="0" fontAlgn="base" hangingPunct="0">
+              <a:spcBef>
+                <a:spcPct val="0"/>
+              </a:spcBef>
+              <a:spcAft>
+                <a:spcPct val="0"/>
+              </a:spcAft>
+            </a:pPr>
+            <a:r>
+              <a:rPr lang="en-US" altLang="ru-RU" sz="2800" dirty="0" smtClean="0">
+                <a:solidFill>
+                  <a:schemeClr val="tx1"/>
+                </a:solidFill>
+                <a:latin typeface="Arial" panose="020B0604020202020204" pitchFamily="34" charset="0"/>
+              </a:rPr>
+              <a:t>		</a:t>
+            </a:r>
+            <a:r>
+              <a:rPr lang="ru-RU" altLang="ru-RU" sz="2800" dirty="0" smtClean="0">
+                <a:solidFill>
+                  <a:schemeClr val="tx1"/>
+                </a:solidFill>
+                <a:latin typeface="Arial" panose="020B0604020202020204" pitchFamily="34" charset="0"/>
+              </a:rPr>
+              <a:t>В </a:t>
+            </a:r>
+            <a:r>
+              <a:rPr lang="ru-RU" altLang="ru-RU" sz="2800" dirty="0">
+                <a:solidFill>
+                  <a:schemeClr val="tx1"/>
+                </a:solidFill>
+                <a:latin typeface="Arial" panose="020B0604020202020204" pitchFamily="34" charset="0"/>
+              </a:rPr>
+              <a:t>землю закопал,</a:t>
+            </a:r>
+          </a:p>
+          <a:p>
+            <a:pPr marL="457200" lvl="5" eaLnBrk="0" fontAlgn="base" hangingPunct="0">
+              <a:spcBef>
+                <a:spcPct val="0"/>
+              </a:spcBef>
+              <a:spcAft>
+                <a:spcPct val="0"/>
+              </a:spcAft>
+            </a:pPr>
+            <a:r>
+              <a:rPr lang="en-US" altLang="ru-RU" sz="2800" dirty="0" smtClean="0">
+                <a:solidFill>
+                  <a:schemeClr val="tx1"/>
+                </a:solidFill>
+                <a:latin typeface="Arial" panose="020B0604020202020204" pitchFamily="34" charset="0"/>
+              </a:rPr>
+              <a:t>		</a:t>
+            </a:r>
+            <a:r>
+              <a:rPr lang="ru-RU" altLang="ru-RU" sz="2800" dirty="0" smtClean="0">
+                <a:solidFill>
+                  <a:schemeClr val="tx1"/>
+                </a:solidFill>
+                <a:latin typeface="Arial" panose="020B0604020202020204" pitchFamily="34" charset="0"/>
+              </a:rPr>
+              <a:t>Надпись </a:t>
+            </a:r>
+            <a:r>
+              <a:rPr lang="ru-RU" altLang="ru-RU" sz="2800" dirty="0">
+                <a:solidFill>
+                  <a:schemeClr val="tx1"/>
+                </a:solidFill>
+                <a:latin typeface="Arial" panose="020B0604020202020204" pitchFamily="34" charset="0"/>
+              </a:rPr>
+              <a:t>написал: </a:t>
+            </a:r>
+            <a:endParaRPr kumimoji="0" lang="ru-RU" altLang="ru-RU" sz="3600" b="0" i="0" u="none" strike="noStrike" cap="none" normalizeH="0" baseline="0" dirty="0" smtClean="0">
+              <a:ln>
+                <a:noFill/>
+              </a:ln>
+              <a:solidFill>
+                <a:schemeClr val="tx1"/>
+              </a:solidFill>
+              <a:effectLst/>
+              <a:latin typeface="Arial" panose="020B0604020202020204" pitchFamily="34" charset="0"/>
+            </a:endParaRPr>
+          </a:p>
+        </p:txBody>
+      </p:sp>
     </p:spTree>
     <p:extLst>
       <p:ext uri="{BB962C8B-B14F-4D97-AF65-F5344CB8AC3E}">
-        <p14:creationId xmlns:p14="http://schemas.microsoft.com/office/powerpoint/2010/main" val="3047442907"/>
+        <p14:creationId xmlns:p14="http://schemas.microsoft.com/office/powerpoint/2010/main" val="1839753206"/>
       </p:ext>
     </p:extLst>
   </p:cSld>
@@ -26285,7 +26888,363 @@
   <p:timing>
     <p:tnLst>
       <p:par>
-        <p:cTn id="1" dur="indefinite" restart="never" nodeType="tmRoot"/>
+        <p:cTn id="1" dur="indefinite" restart="never" nodeType="tmRoot">
+          <p:childTnLst>
+            <p:seq concurrent="1" nextAc="seek">
+              <p:cTn id="2" dur="indefinite" nodeType="mainSeq">
+                <p:childTnLst>
+                  <p:par>
+                    <p:cTn id="3" fill="hold">
+                      <p:stCondLst>
+                        <p:cond delay="indefinite"/>
+                      </p:stCondLst>
+                      <p:childTnLst>
+                        <p:par>
+                          <p:cTn id="4" fill="hold">
+                            <p:stCondLst>
+                              <p:cond delay="0"/>
+                            </p:stCondLst>
+                            <p:childTnLst>
+                              <p:par>
+                                <p:cTn id="5" presetID="1" presetClass="entr" presetSubtype="0" fill="hold" nodeType="clickEffect">
+                                  <p:stCondLst>
+                                    <p:cond delay="0"/>
+                                  </p:stCondLst>
+                                  <p:childTnLst>
+                                    <p:set>
+                                      <p:cBhvr>
+                                        <p:cTn id="6" dur="1" fill="hold">
+                                          <p:stCondLst>
+                                            <p:cond delay="0"/>
+                                          </p:stCondLst>
+                                        </p:cTn>
+                                        <p:tgtEl>
+                                          <p:spTgt spid="2">
+                                            <p:txEl>
+                                              <p:pRg st="0" end="0"/>
+                                            </p:txEl>
+                                          </p:spTgt>
+                                        </p:tgtEl>
+                                        <p:attrNameLst>
+                                          <p:attrName>style.visibility</p:attrName>
+                                        </p:attrNameLst>
+                                      </p:cBhvr>
+                                      <p:to>
+                                        <p:strVal val="visible"/>
+                                      </p:to>
+                                    </p:set>
+                                  </p:childTnLst>
+                                </p:cTn>
+                              </p:par>
+                            </p:childTnLst>
+                          </p:cTn>
+                        </p:par>
+                      </p:childTnLst>
+                    </p:cTn>
+                  </p:par>
+                  <p:par>
+                    <p:cTn id="7" fill="hold">
+                      <p:stCondLst>
+                        <p:cond delay="indefinite"/>
+                      </p:stCondLst>
+                      <p:childTnLst>
+                        <p:par>
+                          <p:cTn id="8" fill="hold">
+                            <p:stCondLst>
+                              <p:cond delay="0"/>
+                            </p:stCondLst>
+                            <p:childTnLst>
+                              <p:par>
+                                <p:cTn id="9" presetID="1" presetClass="entr" presetSubtype="0" fill="hold" nodeType="clickEffect">
+                                  <p:stCondLst>
+                                    <p:cond delay="0"/>
+                                  </p:stCondLst>
+                                  <p:childTnLst>
+                                    <p:set>
+                                      <p:cBhvr>
+                                        <p:cTn id="10" dur="1" fill="hold">
+                                          <p:stCondLst>
+                                            <p:cond delay="0"/>
+                                          </p:stCondLst>
+                                        </p:cTn>
+                                        <p:tgtEl>
+                                          <p:spTgt spid="2">
+                                            <p:txEl>
+                                              <p:pRg st="1" end="1"/>
+                                            </p:txEl>
+                                          </p:spTgt>
+                                        </p:tgtEl>
+                                        <p:attrNameLst>
+                                          <p:attrName>style.visibility</p:attrName>
+                                        </p:attrNameLst>
+                                      </p:cBhvr>
+                                      <p:to>
+                                        <p:strVal val="visible"/>
+                                      </p:to>
+                                    </p:set>
+                                  </p:childTnLst>
+                                </p:cTn>
+                              </p:par>
+                              <p:par>
+                                <p:cTn id="11" presetID="1" presetClass="entr" presetSubtype="0" fill="hold" nodeType="withEffect">
+                                  <p:stCondLst>
+                                    <p:cond delay="0"/>
+                                  </p:stCondLst>
+                                  <p:childTnLst>
+                                    <p:set>
+                                      <p:cBhvr>
+                                        <p:cTn id="12" dur="1" fill="hold">
+                                          <p:stCondLst>
+                                            <p:cond delay="0"/>
+                                          </p:stCondLst>
+                                        </p:cTn>
+                                        <p:tgtEl>
+                                          <p:spTgt spid="2">
+                                            <p:txEl>
+                                              <p:pRg st="2" end="2"/>
+                                            </p:txEl>
+                                          </p:spTgt>
+                                        </p:tgtEl>
+                                        <p:attrNameLst>
+                                          <p:attrName>style.visibility</p:attrName>
+                                        </p:attrNameLst>
+                                      </p:cBhvr>
+                                      <p:to>
+                                        <p:strVal val="visible"/>
+                                      </p:to>
+                                    </p:set>
+                                  </p:childTnLst>
+                                </p:cTn>
+                              </p:par>
+                              <p:par>
+                                <p:cTn id="13" presetID="1" presetClass="entr" presetSubtype="0" fill="hold" nodeType="withEffect">
+                                  <p:stCondLst>
+                                    <p:cond delay="0"/>
+                                  </p:stCondLst>
+                                  <p:childTnLst>
+                                    <p:set>
+                                      <p:cBhvr>
+                                        <p:cTn id="14" dur="1" fill="hold">
+                                          <p:stCondLst>
+                                            <p:cond delay="0"/>
+                                          </p:stCondLst>
+                                        </p:cTn>
+                                        <p:tgtEl>
+                                          <p:spTgt spid="2">
+                                            <p:txEl>
+                                              <p:pRg st="3" end="3"/>
+                                            </p:txEl>
+                                          </p:spTgt>
+                                        </p:tgtEl>
+                                        <p:attrNameLst>
+                                          <p:attrName>style.visibility</p:attrName>
+                                        </p:attrNameLst>
+                                      </p:cBhvr>
+                                      <p:to>
+                                        <p:strVal val="visible"/>
+                                      </p:to>
+                                    </p:set>
+                                  </p:childTnLst>
+                                </p:cTn>
+                              </p:par>
+                              <p:par>
+                                <p:cTn id="15" presetID="1" presetClass="entr" presetSubtype="0" fill="hold" nodeType="withEffect">
+                                  <p:stCondLst>
+                                    <p:cond delay="0"/>
+                                  </p:stCondLst>
+                                  <p:childTnLst>
+                                    <p:set>
+                                      <p:cBhvr>
+                                        <p:cTn id="16" dur="1" fill="hold">
+                                          <p:stCondLst>
+                                            <p:cond delay="0"/>
+                                          </p:stCondLst>
+                                        </p:cTn>
+                                        <p:tgtEl>
+                                          <p:spTgt spid="2">
+                                            <p:txEl>
+                                              <p:pRg st="4" end="4"/>
+                                            </p:txEl>
+                                          </p:spTgt>
+                                        </p:tgtEl>
+                                        <p:attrNameLst>
+                                          <p:attrName>style.visibility</p:attrName>
+                                        </p:attrNameLst>
+                                      </p:cBhvr>
+                                      <p:to>
+                                        <p:strVal val="visible"/>
+                                      </p:to>
+                                    </p:set>
+                                  </p:childTnLst>
+                                </p:cTn>
+                              </p:par>
+                            </p:childTnLst>
+                          </p:cTn>
+                        </p:par>
+                      </p:childTnLst>
+                    </p:cTn>
+                  </p:par>
+                  <p:par>
+                    <p:cTn id="17" fill="hold">
+                      <p:stCondLst>
+                        <p:cond delay="indefinite"/>
+                      </p:stCondLst>
+                      <p:childTnLst>
+                        <p:par>
+                          <p:cTn id="18" fill="hold">
+                            <p:stCondLst>
+                              <p:cond delay="0"/>
+                            </p:stCondLst>
+                            <p:childTnLst>
+                              <p:par>
+                                <p:cTn id="19" presetID="1" presetClass="entr" presetSubtype="0" fill="hold" nodeType="clickEffect">
+                                  <p:stCondLst>
+                                    <p:cond delay="0"/>
+                                  </p:stCondLst>
+                                  <p:childTnLst>
+                                    <p:set>
+                                      <p:cBhvr>
+                                        <p:cTn id="20" dur="1" fill="hold">
+                                          <p:stCondLst>
+                                            <p:cond delay="0"/>
+                                          </p:stCondLst>
+                                        </p:cTn>
+                                        <p:tgtEl>
+                                          <p:spTgt spid="2">
+                                            <p:txEl>
+                                              <p:pRg st="6" end="6"/>
+                                            </p:txEl>
+                                          </p:spTgt>
+                                        </p:tgtEl>
+                                        <p:attrNameLst>
+                                          <p:attrName>style.visibility</p:attrName>
+                                        </p:attrNameLst>
+                                      </p:cBhvr>
+                                      <p:to>
+                                        <p:strVal val="visible"/>
+                                      </p:to>
+                                    </p:set>
+                                  </p:childTnLst>
+                                </p:cTn>
+                              </p:par>
+                              <p:par>
+                                <p:cTn id="21" presetID="1" presetClass="entr" presetSubtype="0" fill="hold" nodeType="withEffect">
+                                  <p:stCondLst>
+                                    <p:cond delay="0"/>
+                                  </p:stCondLst>
+                                  <p:childTnLst>
+                                    <p:set>
+                                      <p:cBhvr>
+                                        <p:cTn id="22" dur="1" fill="hold">
+                                          <p:stCondLst>
+                                            <p:cond delay="0"/>
+                                          </p:stCondLst>
+                                        </p:cTn>
+                                        <p:tgtEl>
+                                          <p:spTgt spid="2">
+                                            <p:txEl>
+                                              <p:pRg st="7" end="7"/>
+                                            </p:txEl>
+                                          </p:spTgt>
+                                        </p:tgtEl>
+                                        <p:attrNameLst>
+                                          <p:attrName>style.visibility</p:attrName>
+                                        </p:attrNameLst>
+                                      </p:cBhvr>
+                                      <p:to>
+                                        <p:strVal val="visible"/>
+                                      </p:to>
+                                    </p:set>
+                                  </p:childTnLst>
+                                </p:cTn>
+                              </p:par>
+                              <p:par>
+                                <p:cTn id="23" presetID="1" presetClass="entr" presetSubtype="0" fill="hold" nodeType="withEffect">
+                                  <p:stCondLst>
+                                    <p:cond delay="0"/>
+                                  </p:stCondLst>
+                                  <p:childTnLst>
+                                    <p:set>
+                                      <p:cBhvr>
+                                        <p:cTn id="24" dur="1" fill="hold">
+                                          <p:stCondLst>
+                                            <p:cond delay="0"/>
+                                          </p:stCondLst>
+                                        </p:cTn>
+                                        <p:tgtEl>
+                                          <p:spTgt spid="2">
+                                            <p:txEl>
+                                              <p:pRg st="8" end="8"/>
+                                            </p:txEl>
+                                          </p:spTgt>
+                                        </p:tgtEl>
+                                        <p:attrNameLst>
+                                          <p:attrName>style.visibility</p:attrName>
+                                        </p:attrNameLst>
+                                      </p:cBhvr>
+                                      <p:to>
+                                        <p:strVal val="visible"/>
+                                      </p:to>
+                                    </p:set>
+                                  </p:childTnLst>
+                                </p:cTn>
+                              </p:par>
+                              <p:par>
+                                <p:cTn id="25" presetID="1" presetClass="entr" presetSubtype="0" fill="hold" nodeType="withEffect">
+                                  <p:stCondLst>
+                                    <p:cond delay="0"/>
+                                  </p:stCondLst>
+                                  <p:childTnLst>
+                                    <p:set>
+                                      <p:cBhvr>
+                                        <p:cTn id="26" dur="1" fill="hold">
+                                          <p:stCondLst>
+                                            <p:cond delay="0"/>
+                                          </p:stCondLst>
+                                        </p:cTn>
+                                        <p:tgtEl>
+                                          <p:spTgt spid="2">
+                                            <p:txEl>
+                                              <p:pRg st="9" end="9"/>
+                                            </p:txEl>
+                                          </p:spTgt>
+                                        </p:tgtEl>
+                                        <p:attrNameLst>
+                                          <p:attrName>style.visibility</p:attrName>
+                                        </p:attrNameLst>
+                                      </p:cBhvr>
+                                      <p:to>
+                                        <p:strVal val="visible"/>
+                                      </p:to>
+                                    </p:set>
+                                  </p:childTnLst>
+                                </p:cTn>
+                              </p:par>
+                            </p:childTnLst>
+                          </p:cTn>
+                        </p:par>
+                      </p:childTnLst>
+                    </p:cTn>
+                  </p:par>
+                </p:childTnLst>
+              </p:cTn>
+              <p:prevCondLst>
+                <p:cond evt="onPrev" delay="0">
+                  <p:tgtEl>
+                    <p:sldTgt/>
+                  </p:tgtEl>
+                </p:cond>
+              </p:prevCondLst>
+              <p:nextCondLst>
+                <p:cond evt="onNext" delay="0">
+                  <p:tgtEl>
+                    <p:sldTgt/>
+                  </p:tgtEl>
+                </p:cond>
+              </p:nextCondLst>
+            </p:seq>
+          </p:childTnLst>
+        </p:cTn>
       </p:par>
     </p:tnLst>
   </p:timing>
@@ -26346,1214 +27305,6 @@
           </a:bodyPr>
           <a:lstStyle/>
           <a:p>
-            <a:pPr marL="0" marR="0" lvl="0" indent="0" algn="ctr" rtl="0">
-              <a:lnSpc>
-                <a:spcPct val="100000"/>
-              </a:lnSpc>
-              <a:spcBef>
-                <a:spcPts val="0"/>
-              </a:spcBef>
-              <a:spcAft>
-                <a:spcPts val="0"/>
-              </a:spcAft>
-              <a:buClr>
-                <a:schemeClr val="lt1"/>
-              </a:buClr>
-              <a:buSzPct val="25000"/>
-              <a:buFont typeface="Cabin"/>
-              <a:buNone/>
-            </a:pPr>
-            <a:r>
-              <a:rPr lang="ru-RU" sz="6600" dirty="0" smtClean="0">
-                <a:solidFill>
-                  <a:schemeClr val="bg2"/>
-                </a:solidFill>
-                <a:latin typeface="Cabin"/>
-                <a:ea typeface="Cabin"/>
-                <a:cs typeface="Cabin"/>
-                <a:sym typeface="Cabin"/>
-              </a:rPr>
-              <a:t>Передача функции в другую функцию</a:t>
-            </a:r>
-            <a:endParaRPr lang="en-US" sz="6600" dirty="0">
-              <a:solidFill>
-                <a:schemeClr val="bg2"/>
-              </a:solidFill>
-              <a:latin typeface="Cabin"/>
-              <a:ea typeface="Cabin"/>
-              <a:cs typeface="Cabin"/>
-              <a:sym typeface="Cabin"/>
-            </a:endParaRPr>
-          </a:p>
-        </p:txBody>
-      </p:sp>
-      <p:sp>
-        <p:nvSpPr>
-          <p:cNvPr id="229" name="Shape 229"/>
-          <p:cNvSpPr txBox="1"/>
-          <p:nvPr/>
-        </p:nvSpPr>
-        <p:spPr>
-          <a:xfrm>
-            <a:off x="5038725" y="2997200"/>
-            <a:ext cx="1409700" cy="622299"/>
-          </a:xfrm>
-          <a:prstGeom prst="rect">
-            <a:avLst/>
-          </a:prstGeom>
-          <a:noFill/>
-          <a:ln>
-            <a:noFill/>
-          </a:ln>
-        </p:spPr>
-        <p:txBody>
-          <a:bodyPr lIns="0" tIns="0" rIns="0" bIns="0" anchor="ctr" anchorCtr="0">
-            <a:noAutofit/>
-          </a:bodyPr>
-          <a:lstStyle/>
-          <a:p>
-            <a:pPr marL="0" marR="0" lvl="0" indent="0" algn="ctr" rtl="0">
-              <a:lnSpc>
-                <a:spcPct val="100000"/>
-              </a:lnSpc>
-              <a:spcBef>
-                <a:spcPts val="0"/>
-              </a:spcBef>
-              <a:spcAft>
-                <a:spcPts val="0"/>
-              </a:spcAft>
-              <a:buClr>
-                <a:schemeClr val="lt1"/>
-              </a:buClr>
-              <a:buSzPct val="25000"/>
-              <a:buFont typeface="Cabin"/>
-              <a:buNone/>
-            </a:pPr>
-            <a:r>
-              <a:rPr lang="en-US" sz="3600" b="0" i="0" u="none" strike="noStrike" cap="none">
-                <a:solidFill>
-                  <a:schemeClr val="lt1"/>
-                </a:solidFill>
-                <a:latin typeface="Cabin"/>
-                <a:ea typeface="Cabin"/>
-                <a:cs typeface="Cabin"/>
-                <a:sym typeface="Cabin"/>
-              </a:rPr>
-              <a:t>hello():</a:t>
-            </a:r>
-          </a:p>
-        </p:txBody>
-      </p:sp>
-    </p:spTree>
-    <p:extLst>
-      <p:ext uri="{BB962C8B-B14F-4D97-AF65-F5344CB8AC3E}">
-        <p14:creationId xmlns:p14="http://schemas.microsoft.com/office/powerpoint/2010/main" val="1115284895"/>
-      </p:ext>
-    </p:extLst>
-  </p:cSld>
-  <p:clrMapOvr>
-    <a:masterClrMapping/>
-  </p:clrMapOvr>
-  <p:timing>
-    <p:tnLst>
-      <p:par>
-        <p:cTn id="1" dur="indefinite" restart="never" nodeType="tmRoot"/>
-      </p:par>
-    </p:tnLst>
-  </p:timing>
-</p:sld>
-</file>
-
-<file path=ppt/slides/slide24.xml><?xml version="1.0" encoding="utf-8"?>
-<p:sld xmlns:a="http://schemas.openxmlformats.org/drawingml/2006/main" xmlns:r="http://schemas.openxmlformats.org/officeDocument/2006/relationships" xmlns:p="http://schemas.openxmlformats.org/presentationml/2006/main">
-  <p:cSld>
-    <p:bg>
-      <p:bgPr>
-        <a:solidFill>
-          <a:schemeClr val="bg1"/>
-        </a:solidFill>
-        <a:effectLst/>
-      </p:bgPr>
-    </p:bg>
-    <p:spTree>
-      <p:nvGrpSpPr>
-        <p:cNvPr id="1" name="Shape 212"/>
-        <p:cNvGrpSpPr/>
-        <p:nvPr/>
-      </p:nvGrpSpPr>
-      <p:grpSpPr>
-        <a:xfrm>
-          <a:off x="0" y="0"/>
-          <a:ext cx="0" cy="0"/>
-          <a:chOff x="0" y="0"/>
-          <a:chExt cx="0" cy="0"/>
-        </a:xfrm>
-      </p:grpSpPr>
-      <p:sp>
-        <p:nvSpPr>
-          <p:cNvPr id="213" name="Shape 213"/>
-          <p:cNvSpPr txBox="1">
-            <a:spLocks noGrp="1"/>
-          </p:cNvSpPr>
-          <p:nvPr>
-            <p:ph type="title"/>
-          </p:nvPr>
-        </p:nvSpPr>
-        <p:spPr>
-          <a:xfrm>
-            <a:off x="1155700" y="241300"/>
-            <a:ext cx="13931900" cy="2298699"/>
-          </a:xfrm>
-          <a:prstGeom prst="rect">
-            <a:avLst/>
-          </a:prstGeom>
-          <a:noFill/>
-          <a:ln>
-            <a:noFill/>
-          </a:ln>
-        </p:spPr>
-        <p:txBody>
-          <a:bodyPr lIns="38100" tIns="38100" rIns="38100" bIns="38100" anchor="ctr" anchorCtr="0">
-            <a:noAutofit/>
-          </a:bodyPr>
-          <a:lstStyle/>
-          <a:p>
-            <a:pPr lvl="0">
-              <a:buClr>
-                <a:schemeClr val="lt1"/>
-              </a:buClr>
-              <a:buSzPct val="25000"/>
-            </a:pPr>
-            <a:r>
-              <a:rPr lang="ru-RU" sz="6600" dirty="0" smtClean="0">
-                <a:solidFill>
-                  <a:schemeClr val="bg2"/>
-                </a:solidFill>
-                <a:latin typeface="Cabin"/>
-                <a:ea typeface="Cabin"/>
-                <a:cs typeface="Cabin"/>
-                <a:sym typeface="Cabin"/>
-              </a:rPr>
-              <a:t>Лямбда выражения</a:t>
-            </a:r>
-            <a:endParaRPr lang="en-US" sz="6600" dirty="0">
-              <a:solidFill>
-                <a:schemeClr val="bg2"/>
-              </a:solidFill>
-              <a:latin typeface="Cabin"/>
-              <a:ea typeface="Cabin"/>
-              <a:cs typeface="Cabin"/>
-              <a:sym typeface="Cabin"/>
-            </a:endParaRPr>
-          </a:p>
-        </p:txBody>
-      </p:sp>
-      <p:sp>
-        <p:nvSpPr>
-          <p:cNvPr id="229" name="Shape 229"/>
-          <p:cNvSpPr txBox="1"/>
-          <p:nvPr/>
-        </p:nvSpPr>
-        <p:spPr>
-          <a:xfrm>
-            <a:off x="5038725" y="2997200"/>
-            <a:ext cx="1409700" cy="622299"/>
-          </a:xfrm>
-          <a:prstGeom prst="rect">
-            <a:avLst/>
-          </a:prstGeom>
-          <a:noFill/>
-          <a:ln>
-            <a:noFill/>
-          </a:ln>
-        </p:spPr>
-        <p:txBody>
-          <a:bodyPr lIns="0" tIns="0" rIns="0" bIns="0" anchor="ctr" anchorCtr="0">
-            <a:noAutofit/>
-          </a:bodyPr>
-          <a:lstStyle/>
-          <a:p>
-            <a:pPr marL="0" marR="0" lvl="0" indent="0" algn="ctr" rtl="0">
-              <a:lnSpc>
-                <a:spcPct val="100000"/>
-              </a:lnSpc>
-              <a:spcBef>
-                <a:spcPts val="0"/>
-              </a:spcBef>
-              <a:spcAft>
-                <a:spcPts val="0"/>
-              </a:spcAft>
-              <a:buClr>
-                <a:schemeClr val="lt1"/>
-              </a:buClr>
-              <a:buSzPct val="25000"/>
-              <a:buFont typeface="Cabin"/>
-              <a:buNone/>
-            </a:pPr>
-            <a:r>
-              <a:rPr lang="en-US" sz="3600" b="0" i="0" u="none" strike="noStrike" cap="none">
-                <a:solidFill>
-                  <a:schemeClr val="lt1"/>
-                </a:solidFill>
-                <a:latin typeface="Cabin"/>
-                <a:ea typeface="Cabin"/>
-                <a:cs typeface="Cabin"/>
-                <a:sym typeface="Cabin"/>
-              </a:rPr>
-              <a:t>hello():</a:t>
-            </a:r>
-          </a:p>
-        </p:txBody>
-      </p:sp>
-      <p:sp>
-        <p:nvSpPr>
-          <p:cNvPr id="2" name="Прямоугольник 1"/>
-          <p:cNvSpPr/>
-          <p:nvPr/>
-        </p:nvSpPr>
-        <p:spPr>
-          <a:xfrm>
-            <a:off x="1155700" y="2547049"/>
-            <a:ext cx="14046200" cy="1938992"/>
-          </a:xfrm>
-          <a:prstGeom prst="rect">
-            <a:avLst/>
-          </a:prstGeom>
-        </p:spPr>
-        <p:txBody>
-          <a:bodyPr wrap="square">
-            <a:spAutoFit/>
-          </a:bodyPr>
-          <a:lstStyle/>
-          <a:p>
-            <a:r>
-              <a:rPr lang="ru-RU" sz="4000" dirty="0">
-                <a:solidFill>
-                  <a:srgbClr val="00B050"/>
-                </a:solidFill>
-              </a:rPr>
-              <a:t>Лямбда-выражение</a:t>
-            </a:r>
-            <a:r>
-              <a:rPr lang="ru-RU" sz="4000" dirty="0"/>
-              <a:t> в программировании — специальный синтаксис для определения функциональных объектов, заимствованный из </a:t>
-            </a:r>
-            <a:r>
-              <a:rPr lang="ru-RU" sz="4000" dirty="0">
-                <a:solidFill>
-                  <a:srgbClr val="00B050"/>
-                </a:solidFill>
-              </a:rPr>
-              <a:t>λ</a:t>
-            </a:r>
-            <a:r>
-              <a:rPr lang="ru-RU" sz="4000" dirty="0"/>
-              <a:t>-исчисления.</a:t>
-            </a:r>
-          </a:p>
-        </p:txBody>
-      </p:sp>
-      <p:sp>
-        <p:nvSpPr>
-          <p:cNvPr id="3" name="Прямоугольник 2"/>
-          <p:cNvSpPr/>
-          <p:nvPr/>
-        </p:nvSpPr>
-        <p:spPr>
-          <a:xfrm>
-            <a:off x="1155700" y="5415662"/>
-            <a:ext cx="13830300" cy="1815882"/>
-          </a:xfrm>
-          <a:prstGeom prst="rect">
-            <a:avLst/>
-          </a:prstGeom>
-        </p:spPr>
-        <p:txBody>
-          <a:bodyPr wrap="square">
-            <a:spAutoFit/>
-          </a:bodyPr>
-          <a:lstStyle/>
-          <a:p>
-            <a:r>
-              <a:rPr lang="ru-RU" sz="3600" dirty="0" err="1">
-                <a:solidFill>
-                  <a:srgbClr val="00B050"/>
-                </a:solidFill>
-              </a:rPr>
-              <a:t>Ля́мбда-исчисле́ние</a:t>
-            </a:r>
-            <a:r>
-              <a:rPr lang="ru-RU" sz="3600" dirty="0"/>
-              <a:t> (</a:t>
-            </a:r>
-            <a:r>
-              <a:rPr lang="ru-RU" sz="4000" dirty="0">
-                <a:solidFill>
-                  <a:srgbClr val="00B050"/>
-                </a:solidFill>
-              </a:rPr>
-              <a:t>λ</a:t>
-            </a:r>
-            <a:r>
-              <a:rPr lang="ru-RU" sz="4000" dirty="0"/>
-              <a:t>-исчисление</a:t>
-            </a:r>
-            <a:r>
-              <a:rPr lang="ru-RU" sz="3600" dirty="0"/>
-              <a:t>) — формальная система, разработанная американским математиком </a:t>
-            </a:r>
-            <a:r>
-              <a:rPr lang="ru-RU" sz="3600" dirty="0" err="1">
-                <a:solidFill>
-                  <a:srgbClr val="0070C0"/>
-                </a:solidFill>
-              </a:rPr>
-              <a:t>Алонзо</a:t>
-            </a:r>
-            <a:r>
-              <a:rPr lang="ru-RU" sz="3600" dirty="0">
-                <a:solidFill>
-                  <a:srgbClr val="0070C0"/>
-                </a:solidFill>
-              </a:rPr>
-              <a:t> </a:t>
-            </a:r>
-            <a:r>
-              <a:rPr lang="ru-RU" sz="3600" dirty="0" err="1">
-                <a:solidFill>
-                  <a:srgbClr val="0070C0"/>
-                </a:solidFill>
-              </a:rPr>
-              <a:t>Чёрчем</a:t>
-            </a:r>
-            <a:r>
-              <a:rPr lang="ru-RU" sz="3600" dirty="0"/>
-              <a:t>, для формализации и анализа понятия вычислимости.</a:t>
-            </a:r>
-          </a:p>
-        </p:txBody>
-      </p:sp>
-      <p:sp>
-        <p:nvSpPr>
-          <p:cNvPr id="4" name="Прямоугольник 3"/>
-          <p:cNvSpPr/>
-          <p:nvPr/>
-        </p:nvSpPr>
-        <p:spPr>
-          <a:xfrm>
-            <a:off x="9026327" y="8177312"/>
-            <a:ext cx="6579045" cy="400110"/>
-          </a:xfrm>
-          <a:prstGeom prst="rect">
-            <a:avLst/>
-          </a:prstGeom>
-        </p:spPr>
-        <p:txBody>
-          <a:bodyPr wrap="none">
-            <a:spAutoFit/>
-          </a:bodyPr>
-          <a:lstStyle/>
-          <a:p>
-            <a:r>
-              <a:rPr lang="ru-RU" sz="2000" i="1" dirty="0"/>
-              <a:t>Материал</a:t>
-            </a:r>
-            <a:r>
-              <a:rPr lang="ru-RU" sz="2000" dirty="0"/>
-              <a:t> из Википедии — свободной энциклопедии</a:t>
-            </a:r>
-          </a:p>
-        </p:txBody>
-      </p:sp>
-    </p:spTree>
-    <p:extLst>
-      <p:ext uri="{BB962C8B-B14F-4D97-AF65-F5344CB8AC3E}">
-        <p14:creationId xmlns:p14="http://schemas.microsoft.com/office/powerpoint/2010/main" val="3151857553"/>
-      </p:ext>
-    </p:extLst>
-  </p:cSld>
-  <p:clrMapOvr>
-    <a:masterClrMapping/>
-  </p:clrMapOvr>
-  <p:timing>
-    <p:tnLst>
-      <p:par>
-        <p:cTn id="1" dur="indefinite" restart="never" nodeType="tmRoot"/>
-      </p:par>
-    </p:tnLst>
-  </p:timing>
-</p:sld>
-</file>
-
-<file path=ppt/slides/slide25.xml><?xml version="1.0" encoding="utf-8"?>
-<p:sld xmlns:a="http://schemas.openxmlformats.org/drawingml/2006/main" xmlns:r="http://schemas.openxmlformats.org/officeDocument/2006/relationships" xmlns:p="http://schemas.openxmlformats.org/presentationml/2006/main">
-  <p:cSld>
-    <p:bg>
-      <p:bgPr>
-        <a:solidFill>
-          <a:schemeClr val="bg1"/>
-        </a:solidFill>
-        <a:effectLst/>
-      </p:bgPr>
-    </p:bg>
-    <p:spTree>
-      <p:nvGrpSpPr>
-        <p:cNvPr id="1" name="Shape 212"/>
-        <p:cNvGrpSpPr/>
-        <p:nvPr/>
-      </p:nvGrpSpPr>
-      <p:grpSpPr>
-        <a:xfrm>
-          <a:off x="0" y="0"/>
-          <a:ext cx="0" cy="0"/>
-          <a:chOff x="0" y="0"/>
-          <a:chExt cx="0" cy="0"/>
-        </a:xfrm>
-      </p:grpSpPr>
-      <p:sp>
-        <p:nvSpPr>
-          <p:cNvPr id="213" name="Shape 213"/>
-          <p:cNvSpPr txBox="1">
-            <a:spLocks noGrp="1"/>
-          </p:cNvSpPr>
-          <p:nvPr>
-            <p:ph type="title"/>
-          </p:nvPr>
-        </p:nvSpPr>
-        <p:spPr>
-          <a:xfrm>
-            <a:off x="1155700" y="241300"/>
-            <a:ext cx="13931900" cy="2298699"/>
-          </a:xfrm>
-          <a:prstGeom prst="rect">
-            <a:avLst/>
-          </a:prstGeom>
-          <a:noFill/>
-          <a:ln>
-            <a:noFill/>
-          </a:ln>
-        </p:spPr>
-        <p:txBody>
-          <a:bodyPr lIns="38100" tIns="38100" rIns="38100" bIns="38100" anchor="ctr" anchorCtr="0">
-            <a:noAutofit/>
-          </a:bodyPr>
-          <a:lstStyle/>
-          <a:p>
-            <a:pPr lvl="0">
-              <a:buClr>
-                <a:schemeClr val="lt1"/>
-              </a:buClr>
-              <a:buSzPct val="25000"/>
-            </a:pPr>
-            <a:r>
-              <a:rPr lang="ru-RU" sz="6600" dirty="0" smtClean="0">
-                <a:solidFill>
-                  <a:schemeClr val="bg2"/>
-                </a:solidFill>
-                <a:latin typeface="Cabin"/>
-                <a:ea typeface="Cabin"/>
-                <a:cs typeface="Cabin"/>
-                <a:sym typeface="Cabin"/>
-              </a:rPr>
-              <a:t>Лямбда выражения</a:t>
-            </a:r>
-            <a:endParaRPr lang="en-US" sz="6600" dirty="0">
-              <a:solidFill>
-                <a:schemeClr val="bg2"/>
-              </a:solidFill>
-              <a:latin typeface="Cabin"/>
-              <a:ea typeface="Cabin"/>
-              <a:cs typeface="Cabin"/>
-              <a:sym typeface="Cabin"/>
-            </a:endParaRPr>
-          </a:p>
-        </p:txBody>
-      </p:sp>
-      <p:sp>
-        <p:nvSpPr>
-          <p:cNvPr id="229" name="Shape 229"/>
-          <p:cNvSpPr txBox="1"/>
-          <p:nvPr/>
-        </p:nvSpPr>
-        <p:spPr>
-          <a:xfrm>
-            <a:off x="5038725" y="2997200"/>
-            <a:ext cx="1409700" cy="622299"/>
-          </a:xfrm>
-          <a:prstGeom prst="rect">
-            <a:avLst/>
-          </a:prstGeom>
-          <a:noFill/>
-          <a:ln>
-            <a:noFill/>
-          </a:ln>
-        </p:spPr>
-        <p:txBody>
-          <a:bodyPr lIns="0" tIns="0" rIns="0" bIns="0" anchor="ctr" anchorCtr="0">
-            <a:noAutofit/>
-          </a:bodyPr>
-          <a:lstStyle/>
-          <a:p>
-            <a:pPr marL="0" marR="0" lvl="0" indent="0" algn="ctr" rtl="0">
-              <a:lnSpc>
-                <a:spcPct val="100000"/>
-              </a:lnSpc>
-              <a:spcBef>
-                <a:spcPts val="0"/>
-              </a:spcBef>
-              <a:spcAft>
-                <a:spcPts val="0"/>
-              </a:spcAft>
-              <a:buClr>
-                <a:schemeClr val="lt1"/>
-              </a:buClr>
-              <a:buSzPct val="25000"/>
-              <a:buFont typeface="Cabin"/>
-              <a:buNone/>
-            </a:pPr>
-            <a:r>
-              <a:rPr lang="en-US" sz="3600" b="0" i="0" u="none" strike="noStrike" cap="none">
-                <a:solidFill>
-                  <a:schemeClr val="lt1"/>
-                </a:solidFill>
-                <a:latin typeface="Cabin"/>
-                <a:ea typeface="Cabin"/>
-                <a:cs typeface="Cabin"/>
-                <a:sym typeface="Cabin"/>
-              </a:rPr>
-              <a:t>hello():</a:t>
-            </a:r>
-          </a:p>
-        </p:txBody>
-      </p:sp>
-      <p:sp>
-        <p:nvSpPr>
-          <p:cNvPr id="5" name="Прямоугольник 4"/>
-          <p:cNvSpPr/>
-          <p:nvPr/>
-        </p:nvSpPr>
-        <p:spPr>
-          <a:xfrm>
-            <a:off x="965200" y="2539999"/>
-            <a:ext cx="14782800" cy="5078313"/>
-          </a:xfrm>
-          <a:prstGeom prst="rect">
-            <a:avLst/>
-          </a:prstGeom>
-        </p:spPr>
-        <p:txBody>
-          <a:bodyPr wrap="square">
-            <a:spAutoFit/>
-          </a:bodyPr>
-          <a:lstStyle/>
-          <a:p>
-            <a:r>
-              <a:rPr lang="ru-RU" sz="3600" dirty="0"/>
-              <a:t> Используя зарезервированное слово </a:t>
-            </a:r>
-            <a:r>
-              <a:rPr lang="ru-RU" sz="3600" b="1" dirty="0" err="1">
-                <a:solidFill>
-                  <a:schemeClr val="accent1">
-                    <a:lumMod val="60000"/>
-                    <a:lumOff val="40000"/>
-                  </a:schemeClr>
-                </a:solidFill>
-              </a:rPr>
-              <a:t>lambda</a:t>
-            </a:r>
-            <a:r>
-              <a:rPr lang="ru-RU" sz="3600" dirty="0"/>
-              <a:t>, вы можете создать небольшую безымянную функцию. Например, функцию, которая возвращает сумму двух своих аргументов, можно записать так: </a:t>
-            </a:r>
-            <a:r>
-              <a:rPr lang="ru-RU" sz="3600" dirty="0" err="1"/>
-              <a:t>lambda</a:t>
-            </a:r>
-            <a:r>
-              <a:rPr lang="ru-RU" sz="3600" dirty="0"/>
-              <a:t> a, b: </a:t>
-            </a:r>
-            <a:r>
-              <a:rPr lang="ru-RU" sz="3600" dirty="0" err="1"/>
-              <a:t>a+b</a:t>
-            </a:r>
-            <a:r>
-              <a:rPr lang="ru-RU" sz="3600" dirty="0"/>
-              <a:t>. Формы </a:t>
-            </a:r>
-            <a:r>
-              <a:rPr lang="ru-RU" sz="3600" dirty="0" err="1"/>
-              <a:t>lambda</a:t>
-            </a:r>
-            <a:r>
-              <a:rPr lang="ru-RU" sz="3600" dirty="0"/>
-              <a:t> могут быть использованы в любом месте где требуется объект функции. При этом они синтаксически ограничены одним выражением. Семантически, они лишь «синтаксический сахар» для обычного определения функции. Как и определения вложенных функций, </a:t>
-            </a:r>
-            <a:r>
-              <a:rPr lang="ru-RU" sz="3600" dirty="0" err="1"/>
-              <a:t>lambda</a:t>
-            </a:r>
-            <a:r>
-              <a:rPr lang="ru-RU" sz="3600" dirty="0"/>
-              <a:t>-формы могут ссылаться на переменные из содержащей их области видимости:</a:t>
-            </a:r>
-          </a:p>
-        </p:txBody>
-      </p:sp>
-    </p:spTree>
-    <p:extLst>
-      <p:ext uri="{BB962C8B-B14F-4D97-AF65-F5344CB8AC3E}">
-        <p14:creationId xmlns:p14="http://schemas.microsoft.com/office/powerpoint/2010/main" val="1704945636"/>
-      </p:ext>
-    </p:extLst>
-  </p:cSld>
-  <p:clrMapOvr>
-    <a:masterClrMapping/>
-  </p:clrMapOvr>
-  <p:timing>
-    <p:tnLst>
-      <p:par>
-        <p:cTn id="1" dur="indefinite" restart="never" nodeType="tmRoot"/>
-      </p:par>
-    </p:tnLst>
-  </p:timing>
-</p:sld>
-</file>
-
-<file path=ppt/slides/slide26.xml><?xml version="1.0" encoding="utf-8"?>
-<p:sld xmlns:a="http://schemas.openxmlformats.org/drawingml/2006/main" xmlns:r="http://schemas.openxmlformats.org/officeDocument/2006/relationships" xmlns:p="http://schemas.openxmlformats.org/presentationml/2006/main">
-  <p:cSld>
-    <p:bg>
-      <p:bgPr>
-        <a:solidFill>
-          <a:schemeClr val="bg1"/>
-        </a:solidFill>
-        <a:effectLst/>
-      </p:bgPr>
-    </p:bg>
-    <p:spTree>
-      <p:nvGrpSpPr>
-        <p:cNvPr id="1" name="Shape 212"/>
-        <p:cNvGrpSpPr/>
-        <p:nvPr/>
-      </p:nvGrpSpPr>
-      <p:grpSpPr>
-        <a:xfrm>
-          <a:off x="0" y="0"/>
-          <a:ext cx="0" cy="0"/>
-          <a:chOff x="0" y="0"/>
-          <a:chExt cx="0" cy="0"/>
-        </a:xfrm>
-      </p:grpSpPr>
-      <p:sp>
-        <p:nvSpPr>
-          <p:cNvPr id="213" name="Shape 213"/>
-          <p:cNvSpPr txBox="1">
-            <a:spLocks noGrp="1"/>
-          </p:cNvSpPr>
-          <p:nvPr>
-            <p:ph type="title"/>
-          </p:nvPr>
-        </p:nvSpPr>
-        <p:spPr>
-          <a:xfrm>
-            <a:off x="1155700" y="241300"/>
-            <a:ext cx="13931900" cy="2298699"/>
-          </a:xfrm>
-          <a:prstGeom prst="rect">
-            <a:avLst/>
-          </a:prstGeom>
-          <a:noFill/>
-          <a:ln>
-            <a:noFill/>
-          </a:ln>
-        </p:spPr>
-        <p:txBody>
-          <a:bodyPr lIns="38100" tIns="38100" rIns="38100" bIns="38100" anchor="ctr" anchorCtr="0">
-            <a:noAutofit/>
-          </a:bodyPr>
-          <a:lstStyle/>
-          <a:p>
-            <a:r>
-              <a:rPr lang="ru-RU" sz="6600" dirty="0" smtClean="0"/>
-              <a:t>Рекурсия</a:t>
-            </a:r>
-            <a:endParaRPr lang="ru-RU" sz="6600" dirty="0"/>
-          </a:p>
-        </p:txBody>
-      </p:sp>
-      <p:sp>
-        <p:nvSpPr>
-          <p:cNvPr id="229" name="Shape 229"/>
-          <p:cNvSpPr txBox="1"/>
-          <p:nvPr/>
-        </p:nvSpPr>
-        <p:spPr>
-          <a:xfrm>
-            <a:off x="5038725" y="2997200"/>
-            <a:ext cx="1409700" cy="622299"/>
-          </a:xfrm>
-          <a:prstGeom prst="rect">
-            <a:avLst/>
-          </a:prstGeom>
-          <a:noFill/>
-          <a:ln>
-            <a:noFill/>
-          </a:ln>
-        </p:spPr>
-        <p:txBody>
-          <a:bodyPr lIns="0" tIns="0" rIns="0" bIns="0" anchor="ctr" anchorCtr="0">
-            <a:noAutofit/>
-          </a:bodyPr>
-          <a:lstStyle/>
-          <a:p>
-            <a:pPr marL="0" marR="0" lvl="0" indent="0" algn="ctr" rtl="0">
-              <a:lnSpc>
-                <a:spcPct val="100000"/>
-              </a:lnSpc>
-              <a:spcBef>
-                <a:spcPts val="0"/>
-              </a:spcBef>
-              <a:spcAft>
-                <a:spcPts val="0"/>
-              </a:spcAft>
-              <a:buClr>
-                <a:schemeClr val="lt1"/>
-              </a:buClr>
-              <a:buSzPct val="25000"/>
-              <a:buFont typeface="Cabin"/>
-              <a:buNone/>
-            </a:pPr>
-            <a:r>
-              <a:rPr lang="en-US" sz="3600" b="0" i="0" u="none" strike="noStrike" cap="none">
-                <a:solidFill>
-                  <a:schemeClr val="lt1"/>
-                </a:solidFill>
-                <a:latin typeface="Cabin"/>
-                <a:ea typeface="Cabin"/>
-                <a:cs typeface="Cabin"/>
-                <a:sym typeface="Cabin"/>
-              </a:rPr>
-              <a:t>hello():</a:t>
-            </a:r>
-          </a:p>
-        </p:txBody>
-      </p:sp>
-      <p:sp>
-        <p:nvSpPr>
-          <p:cNvPr id="2" name="Rectangle 1"/>
-          <p:cNvSpPr>
-            <a:spLocks noChangeArrowheads="1"/>
-          </p:cNvSpPr>
-          <p:nvPr/>
-        </p:nvSpPr>
-        <p:spPr bwMode="auto">
-          <a:xfrm>
-            <a:off x="4572000" y="2672656"/>
-            <a:ext cx="9347200" cy="5632311"/>
-          </a:xfrm>
-          <a:prstGeom prst="rect">
-            <a:avLst/>
-          </a:prstGeom>
-          <a:noFill/>
-          <a:ln>
-            <a:noFill/>
-          </a:ln>
-          <a:effectLst/>
-          <a:extLst>
-            <a:ext uri="{909E8E84-426E-40DD-AFC4-6F175D3DCCD1}">
-              <a14:hiddenFill xmlns:a14="http://schemas.microsoft.com/office/drawing/2010/main">
-                <a:solidFill>
-                  <a:schemeClr val="accent1"/>
-                </a:solidFill>
-              </a14:hiddenFill>
-            </a:ext>
-            <a:ext uri="{91240B29-F687-4F45-9708-019B960494DF}">
-              <a14:hiddenLine xmlns:a14="http://schemas.microsoft.com/office/drawing/2010/main" w="9525">
-                <a:solidFill>
-                  <a:schemeClr val="tx1"/>
-                </a:solidFill>
-                <a:miter lim="800000"/>
-                <a:headEnd/>
-                <a:tailEnd/>
-              </a14:hiddenLine>
-            </a:ext>
-            <a:ext uri="{AF507438-7753-43E0-B8FC-AC1667EBCBE1}">
-              <a14:hiddenEffects xmlns:a14="http://schemas.microsoft.com/office/drawing/2010/main">
-                <a:effectLst>
-                  <a:outerShdw dist="35921" dir="2700000" algn="ctr" rotWithShape="0">
-                    <a:schemeClr val="bg2"/>
-                  </a:outerShdw>
-                </a:effectLst>
-              </a14:hiddenEffects>
-            </a:ext>
-          </a:extLst>
-        </p:spPr>
-        <p:txBody>
-          <a:bodyPr vert="horz" wrap="square" lIns="91440" tIns="45720" rIns="91440" bIns="45720" numCol="1" anchor="ctr" anchorCtr="0" compatLnSpc="1">
-            <a:prstTxWarp prst="textNoShape">
-              <a:avLst/>
-            </a:prstTxWarp>
-            <a:spAutoFit/>
-          </a:bodyPr>
-          <a:lstStyle/>
-          <a:p>
-            <a:pPr marL="0" marR="0" lvl="0" indent="0" algn="l" defTabSz="914400" rtl="0" eaLnBrk="0" fontAlgn="base" latinLnBrk="0" hangingPunct="0">
-              <a:lnSpc>
-                <a:spcPct val="100000"/>
-              </a:lnSpc>
-              <a:spcBef>
-                <a:spcPct val="0"/>
-              </a:spcBef>
-              <a:spcAft>
-                <a:spcPct val="0"/>
-              </a:spcAft>
-              <a:buClrTx/>
-              <a:buSzTx/>
-              <a:buFontTx/>
-              <a:buNone/>
-              <a:tabLst/>
-            </a:pPr>
-            <a:r>
-              <a:rPr kumimoji="0" lang="ru-RU" altLang="ru-RU" sz="3600" b="0" i="0" u="none" strike="noStrike" cap="none" normalizeH="0" baseline="0" dirty="0" smtClean="0">
-                <a:ln>
-                  <a:noFill/>
-                </a:ln>
-                <a:solidFill>
-                  <a:schemeClr val="tx1"/>
-                </a:solidFill>
-                <a:effectLst/>
-                <a:latin typeface="Arial" panose="020B0604020202020204" pitchFamily="34" charset="0"/>
-              </a:rPr>
-              <a:t>У попа была собака, он её любил,</a:t>
-            </a:r>
-            <a:br>
-              <a:rPr kumimoji="0" lang="ru-RU" altLang="ru-RU" sz="3600" b="0" i="0" u="none" strike="noStrike" cap="none" normalizeH="0" baseline="0" dirty="0" smtClean="0">
-                <a:ln>
-                  <a:noFill/>
-                </a:ln>
-                <a:solidFill>
-                  <a:schemeClr val="tx1"/>
-                </a:solidFill>
-                <a:effectLst/>
-                <a:latin typeface="Arial" panose="020B0604020202020204" pitchFamily="34" charset="0"/>
-              </a:rPr>
-            </a:br>
-            <a:r>
-              <a:rPr kumimoji="0" lang="ru-RU" altLang="ru-RU" sz="3600" b="0" i="0" u="none" strike="noStrike" cap="none" normalizeH="0" baseline="0" dirty="0" smtClean="0">
-                <a:ln>
-                  <a:noFill/>
-                </a:ln>
-                <a:solidFill>
-                  <a:schemeClr val="tx1"/>
-                </a:solidFill>
-                <a:effectLst/>
-                <a:latin typeface="Arial" panose="020B0604020202020204" pitchFamily="34" charset="0"/>
-              </a:rPr>
-              <a:t>Она съела кусок мяса, он её убил,</a:t>
-            </a:r>
-            <a:br>
-              <a:rPr kumimoji="0" lang="ru-RU" altLang="ru-RU" sz="3600" b="0" i="0" u="none" strike="noStrike" cap="none" normalizeH="0" baseline="0" dirty="0" smtClean="0">
-                <a:ln>
-                  <a:noFill/>
-                </a:ln>
-                <a:solidFill>
-                  <a:schemeClr val="tx1"/>
-                </a:solidFill>
-                <a:effectLst/>
-                <a:latin typeface="Arial" panose="020B0604020202020204" pitchFamily="34" charset="0"/>
-              </a:rPr>
-            </a:br>
-            <a:r>
-              <a:rPr kumimoji="0" lang="ru-RU" altLang="ru-RU" sz="3600" b="0" i="0" u="none" strike="noStrike" cap="none" normalizeH="0" baseline="0" dirty="0" smtClean="0">
-                <a:ln>
-                  <a:noFill/>
-                </a:ln>
-                <a:solidFill>
-                  <a:schemeClr val="tx1"/>
-                </a:solidFill>
-                <a:effectLst/>
-                <a:latin typeface="Arial" panose="020B0604020202020204" pitchFamily="34" charset="0"/>
-              </a:rPr>
-              <a:t>В землю закопал,</a:t>
-            </a:r>
-            <a:br>
-              <a:rPr kumimoji="0" lang="ru-RU" altLang="ru-RU" sz="3600" b="0" i="0" u="none" strike="noStrike" cap="none" normalizeH="0" baseline="0" dirty="0" smtClean="0">
-                <a:ln>
-                  <a:noFill/>
-                </a:ln>
-                <a:solidFill>
-                  <a:schemeClr val="tx1"/>
-                </a:solidFill>
-                <a:effectLst/>
-                <a:latin typeface="Arial" panose="020B0604020202020204" pitchFamily="34" charset="0"/>
-              </a:rPr>
-            </a:br>
-            <a:r>
-              <a:rPr kumimoji="0" lang="ru-RU" altLang="ru-RU" sz="3600" b="0" i="0" u="none" strike="noStrike" cap="none" normalizeH="0" baseline="0" dirty="0" smtClean="0">
-                <a:ln>
-                  <a:noFill/>
-                </a:ln>
-                <a:solidFill>
-                  <a:schemeClr val="tx1"/>
-                </a:solidFill>
-                <a:effectLst/>
-                <a:latin typeface="Arial" panose="020B0604020202020204" pitchFamily="34" charset="0"/>
-              </a:rPr>
-              <a:t>Надпись написал:</a:t>
-            </a:r>
-            <a:br>
-              <a:rPr kumimoji="0" lang="ru-RU" altLang="ru-RU" sz="3600" b="0" i="0" u="none" strike="noStrike" cap="none" normalizeH="0" baseline="0" dirty="0" smtClean="0">
-                <a:ln>
-                  <a:noFill/>
-                </a:ln>
-                <a:solidFill>
-                  <a:schemeClr val="tx1"/>
-                </a:solidFill>
-                <a:effectLst/>
-                <a:latin typeface="Arial" panose="020B0604020202020204" pitchFamily="34" charset="0"/>
-              </a:rPr>
-            </a:br>
-            <a:endParaRPr kumimoji="0" lang="ru-RU" altLang="ru-RU" sz="3600" b="0" i="0" u="none" strike="noStrike" cap="none" normalizeH="0" baseline="0" dirty="0" smtClean="0">
-              <a:ln>
-                <a:noFill/>
-              </a:ln>
-              <a:solidFill>
-                <a:schemeClr val="tx1"/>
-              </a:solidFill>
-              <a:effectLst/>
-              <a:latin typeface="Arial" panose="020B0604020202020204" pitchFamily="34" charset="0"/>
-            </a:endParaRPr>
-          </a:p>
-          <a:p>
-            <a:pPr marL="457200" marR="0" lvl="1" indent="0" algn="l" defTabSz="914400" rtl="0" eaLnBrk="0" fontAlgn="base" latinLnBrk="0" hangingPunct="0">
-              <a:lnSpc>
-                <a:spcPct val="100000"/>
-              </a:lnSpc>
-              <a:spcBef>
-                <a:spcPct val="0"/>
-              </a:spcBef>
-              <a:spcAft>
-                <a:spcPct val="0"/>
-              </a:spcAft>
-              <a:buClrTx/>
-              <a:buSzTx/>
-              <a:buFontTx/>
-              <a:buNone/>
-              <a:tabLst/>
-            </a:pPr>
-            <a:r>
-              <a:rPr kumimoji="0" lang="ru-RU" altLang="ru-RU" sz="3600" b="0" i="0" u="none" strike="noStrike" cap="none" normalizeH="0" baseline="0" dirty="0" smtClean="0">
-                <a:ln>
-                  <a:noFill/>
-                </a:ln>
-                <a:solidFill>
-                  <a:schemeClr val="tx1"/>
-                </a:solidFill>
-                <a:effectLst/>
-                <a:latin typeface="Arial" panose="020B0604020202020204" pitchFamily="34" charset="0"/>
-              </a:rPr>
-              <a:t>"У попа была собака, он её любил,</a:t>
-            </a:r>
-          </a:p>
-          <a:p>
-            <a:pPr marL="457200" marR="0" lvl="1" indent="0" algn="l" defTabSz="914400" rtl="0" eaLnBrk="0" fontAlgn="base" latinLnBrk="0" hangingPunct="0">
-              <a:lnSpc>
-                <a:spcPct val="100000"/>
-              </a:lnSpc>
-              <a:spcBef>
-                <a:spcPct val="0"/>
-              </a:spcBef>
-              <a:spcAft>
-                <a:spcPct val="0"/>
-              </a:spcAft>
-              <a:buClrTx/>
-              <a:buSzTx/>
-              <a:buFontTx/>
-              <a:buNone/>
-              <a:tabLst/>
-            </a:pPr>
-            <a:r>
-              <a:rPr kumimoji="0" lang="ru-RU" altLang="ru-RU" sz="3600" b="0" i="0" u="none" strike="noStrike" cap="none" normalizeH="0" baseline="0" dirty="0" smtClean="0">
-                <a:ln>
-                  <a:noFill/>
-                </a:ln>
-                <a:solidFill>
-                  <a:schemeClr val="tx1"/>
-                </a:solidFill>
-                <a:effectLst/>
-                <a:latin typeface="Arial" panose="020B0604020202020204" pitchFamily="34" charset="0"/>
-              </a:rPr>
-              <a:t>Она съела кусок мяса, он её убил,</a:t>
-            </a:r>
-          </a:p>
-          <a:p>
-            <a:pPr marL="457200" marR="0" lvl="1" indent="0" algn="l" defTabSz="914400" rtl="0" eaLnBrk="0" fontAlgn="base" latinLnBrk="0" hangingPunct="0">
-              <a:lnSpc>
-                <a:spcPct val="100000"/>
-              </a:lnSpc>
-              <a:spcBef>
-                <a:spcPct val="0"/>
-              </a:spcBef>
-              <a:spcAft>
-                <a:spcPct val="0"/>
-              </a:spcAft>
-              <a:buClrTx/>
-              <a:buSzTx/>
-              <a:buFontTx/>
-              <a:buNone/>
-              <a:tabLst/>
-            </a:pPr>
-            <a:r>
-              <a:rPr kumimoji="0" lang="ru-RU" altLang="ru-RU" sz="3600" b="0" i="0" u="none" strike="noStrike" cap="none" normalizeH="0" baseline="0" dirty="0" smtClean="0">
-                <a:ln>
-                  <a:noFill/>
-                </a:ln>
-                <a:solidFill>
-                  <a:schemeClr val="tx1"/>
-                </a:solidFill>
-                <a:effectLst/>
-                <a:latin typeface="Arial" panose="020B0604020202020204" pitchFamily="34" charset="0"/>
-              </a:rPr>
-              <a:t>В землю закопал,</a:t>
-            </a:r>
-          </a:p>
-          <a:p>
-            <a:pPr marL="457200" marR="0" lvl="1" indent="0" algn="l" defTabSz="914400" rtl="0" eaLnBrk="0" fontAlgn="base" latinLnBrk="0" hangingPunct="0">
-              <a:lnSpc>
-                <a:spcPct val="100000"/>
-              </a:lnSpc>
-              <a:spcBef>
-                <a:spcPct val="0"/>
-              </a:spcBef>
-              <a:spcAft>
-                <a:spcPct val="0"/>
-              </a:spcAft>
-              <a:buClrTx/>
-              <a:buSzTx/>
-              <a:buFontTx/>
-              <a:buNone/>
-              <a:tabLst/>
-            </a:pPr>
-            <a:r>
-              <a:rPr kumimoji="0" lang="ru-RU" altLang="ru-RU" sz="3600" b="0" i="0" u="none" strike="noStrike" cap="none" normalizeH="0" baseline="0" dirty="0" smtClean="0">
-                <a:ln>
-                  <a:noFill/>
-                </a:ln>
-                <a:solidFill>
-                  <a:schemeClr val="tx1"/>
-                </a:solidFill>
-                <a:effectLst/>
-                <a:latin typeface="Arial" panose="020B0604020202020204" pitchFamily="34" charset="0"/>
-              </a:rPr>
-              <a:t>Надпись написал: </a:t>
-            </a:r>
-          </a:p>
-          <a:p>
-            <a:pPr marL="0" marR="0" lvl="0" indent="0" algn="l" defTabSz="914400" rtl="0" eaLnBrk="0" fontAlgn="base" latinLnBrk="0" hangingPunct="0">
-              <a:lnSpc>
-                <a:spcPct val="100000"/>
-              </a:lnSpc>
-              <a:spcBef>
-                <a:spcPct val="0"/>
-              </a:spcBef>
-              <a:spcAft>
-                <a:spcPct val="0"/>
-              </a:spcAft>
-              <a:buClrTx/>
-              <a:buSzTx/>
-              <a:buFontTx/>
-              <a:buNone/>
-              <a:tabLst/>
-            </a:pPr>
-            <a:endParaRPr kumimoji="0" lang="ru-RU" altLang="ru-RU" sz="3600" b="0" i="0" u="none" strike="noStrike" cap="none" normalizeH="0" baseline="0" dirty="0" smtClean="0">
-              <a:ln>
-                <a:noFill/>
-              </a:ln>
-              <a:solidFill>
-                <a:schemeClr val="tx1"/>
-              </a:solidFill>
-              <a:effectLst/>
-              <a:latin typeface="Arial" panose="020B0604020202020204" pitchFamily="34" charset="0"/>
-            </a:endParaRPr>
-          </a:p>
-        </p:txBody>
-      </p:sp>
-    </p:spTree>
-    <p:extLst>
-      <p:ext uri="{BB962C8B-B14F-4D97-AF65-F5344CB8AC3E}">
-        <p14:creationId xmlns:p14="http://schemas.microsoft.com/office/powerpoint/2010/main" val="1839753206"/>
-      </p:ext>
-    </p:extLst>
-  </p:cSld>
-  <p:clrMapOvr>
-    <a:masterClrMapping/>
-  </p:clrMapOvr>
-  <p:timing>
-    <p:tnLst>
-      <p:par>
-        <p:cTn id="1" dur="indefinite" restart="never" nodeType="tmRoot"/>
-      </p:par>
-    </p:tnLst>
-  </p:timing>
-</p:sld>
-</file>
-
-<file path=ppt/slides/slide27.xml><?xml version="1.0" encoding="utf-8"?>
-<p:sld xmlns:a="http://schemas.openxmlformats.org/drawingml/2006/main" xmlns:r="http://schemas.openxmlformats.org/officeDocument/2006/relationships" xmlns:p="http://schemas.openxmlformats.org/presentationml/2006/main">
-  <p:cSld>
-    <p:bg>
-      <p:bgPr>
-        <a:solidFill>
-          <a:schemeClr val="bg1"/>
-        </a:solidFill>
-        <a:effectLst/>
-      </p:bgPr>
-    </p:bg>
-    <p:spTree>
-      <p:nvGrpSpPr>
-        <p:cNvPr id="1" name="Shape 212"/>
-        <p:cNvGrpSpPr/>
-        <p:nvPr/>
-      </p:nvGrpSpPr>
-      <p:grpSpPr>
-        <a:xfrm>
-          <a:off x="0" y="0"/>
-          <a:ext cx="0" cy="0"/>
-          <a:chOff x="0" y="0"/>
-          <a:chExt cx="0" cy="0"/>
-        </a:xfrm>
-      </p:grpSpPr>
-      <p:sp>
-        <p:nvSpPr>
-          <p:cNvPr id="213" name="Shape 213"/>
-          <p:cNvSpPr txBox="1">
-            <a:spLocks noGrp="1"/>
-          </p:cNvSpPr>
-          <p:nvPr>
-            <p:ph type="title"/>
-          </p:nvPr>
-        </p:nvSpPr>
-        <p:spPr>
-          <a:xfrm>
-            <a:off x="1155700" y="241300"/>
-            <a:ext cx="13931900" cy="2298699"/>
-          </a:xfrm>
-          <a:prstGeom prst="rect">
-            <a:avLst/>
-          </a:prstGeom>
-          <a:noFill/>
-          <a:ln>
-            <a:noFill/>
-          </a:ln>
-        </p:spPr>
-        <p:txBody>
-          <a:bodyPr lIns="38100" tIns="38100" rIns="38100" bIns="38100" anchor="ctr" anchorCtr="0">
-            <a:noAutofit/>
-          </a:bodyPr>
-          <a:lstStyle/>
-          <a:p>
             <a:r>
               <a:rPr lang="ru-RU" sz="6600" dirty="0" smtClean="0"/>
               <a:t>Рекурсия</a:t>
@@ -27585,6 +27336,9 @@
           <a:p>
             <a:r>
               <a:rPr lang="ru-RU" sz="3200" dirty="0" err="1">
+                <a:solidFill>
+                  <a:schemeClr val="accent2"/>
+                </a:solidFill>
                 <a:latin typeface="Courier New" panose="02070309020205020404" pitchFamily="49" charset="0"/>
                 <a:cs typeface="Courier New" panose="02070309020205020404" pitchFamily="49" charset="0"/>
               </a:rPr>
@@ -27592,6 +27346,9 @@
             </a:r>
             <a:r>
               <a:rPr lang="ru-RU" sz="3200" dirty="0">
+                <a:solidFill>
+                  <a:schemeClr val="accent2"/>
+                </a:solidFill>
                 <a:latin typeface="Courier New" panose="02070309020205020404" pitchFamily="49" charset="0"/>
                 <a:cs typeface="Courier New" panose="02070309020205020404" pitchFamily="49" charset="0"/>
               </a:rPr>
@@ -27599,6 +27356,9 @@
             </a:r>
             <a:r>
               <a:rPr lang="ru-RU" sz="3200" dirty="0" err="1">
+                <a:solidFill>
+                  <a:srgbClr val="00B050"/>
+                </a:solidFill>
                 <a:latin typeface="Courier New" panose="02070309020205020404" pitchFamily="49" charset="0"/>
                 <a:cs typeface="Courier New" panose="02070309020205020404" pitchFamily="49" charset="0"/>
               </a:rPr>
@@ -27698,18 +27458,55 @@
             </a:r>
             <a:r>
               <a:rPr lang="ru-RU" sz="3200" dirty="0" err="1" smtClean="0">
+                <a:solidFill>
+                  <a:srgbClr val="00B050"/>
+                </a:solidFill>
                 <a:latin typeface="Courier New" panose="02070309020205020404" pitchFamily="49" charset="0"/>
                 <a:cs typeface="Courier New" panose="02070309020205020404" pitchFamily="49" charset="0"/>
               </a:rPr>
               <a:t>ShortStory</a:t>
             </a:r>
             <a:r>
-              <a:rPr lang="ru-RU" sz="3200" dirty="0">
+              <a:rPr lang="ru-RU" sz="3200" dirty="0" smtClean="0">
                 <a:latin typeface="Courier New" panose="02070309020205020404" pitchFamily="49" charset="0"/>
                 <a:cs typeface="Courier New" panose="02070309020205020404" pitchFamily="49" charset="0"/>
               </a:rPr>
               <a:t>()</a:t>
             </a:r>
+            <a:r>
+              <a:rPr lang="en-US" sz="3200" dirty="0" smtClean="0">
+                <a:latin typeface="Courier New" panose="02070309020205020404" pitchFamily="49" charset="0"/>
+                <a:cs typeface="Courier New" panose="02070309020205020404" pitchFamily="49" charset="0"/>
+              </a:rPr>
+              <a:t> </a:t>
+            </a:r>
+            <a:r>
+              <a:rPr lang="en-US" sz="3200" dirty="0" smtClean="0">
+                <a:solidFill>
+                  <a:schemeClr val="tx1"/>
+                </a:solidFill>
+                <a:latin typeface="Courier New" panose="02070309020205020404" pitchFamily="49" charset="0"/>
+                <a:cs typeface="Courier New" panose="02070309020205020404" pitchFamily="49" charset="0"/>
+              </a:rPr>
+              <a:t># </a:t>
+            </a:r>
+            <a:r>
+              <a:rPr lang="ru-RU" sz="3200" dirty="0" smtClean="0">
+                <a:solidFill>
+                  <a:schemeClr val="tx1"/>
+                </a:solidFill>
+                <a:latin typeface="Courier New" panose="02070309020205020404" pitchFamily="49" charset="0"/>
+                <a:cs typeface="Courier New" panose="02070309020205020404" pitchFamily="49" charset="0"/>
+              </a:rPr>
+              <a:t>рекурсия</a:t>
+            </a:r>
+            <a:endParaRPr lang="ru-RU" sz="3200" dirty="0">
+              <a:solidFill>
+                <a:schemeClr val="tx1"/>
+              </a:solidFill>
+              <a:latin typeface="Courier New" panose="02070309020205020404" pitchFamily="49" charset="0"/>
+              <a:cs typeface="Courier New" panose="02070309020205020404" pitchFamily="49" charset="0"/>
+            </a:endParaRPr>
           </a:p>
         </p:txBody>
       </p:sp>
@@ -27851,6 +27648,55 @@
                       </p:childTnLst>
                     </p:cTn>
                   </p:par>
+                  <p:par>
+                    <p:cTn id="11" fill="hold">
+                      <p:stCondLst>
+                        <p:cond delay="indefinite"/>
+                      </p:stCondLst>
+                      <p:childTnLst>
+                        <p:par>
+                          <p:cTn id="12" fill="hold">
+                            <p:stCondLst>
+                              <p:cond delay="0"/>
+                            </p:stCondLst>
+                            <p:childTnLst>
+                              <p:par>
+                                <p:cTn id="13" presetID="1" presetClass="entr" presetSubtype="0" fill="hold" nodeType="clickEffect">
+                                  <p:stCondLst>
+                                    <p:cond delay="0"/>
+                                  </p:stCondLst>
+                                  <p:childTnLst>
+                                    <p:set>
+                                      <p:cBhvr>
+                                        <p:cTn id="14" dur="1" fill="hold">
+                                          <p:stCondLst>
+                                            <p:cond delay="0"/>
+                                          </p:stCondLst>
+                                        </p:cTn>
+                                        <p:tgtEl>
+                                          <p:spTgt spid="3">
+                                            <p:txEl>
+                                              <p:pRg st="4" end="4"/>
+                                            </p:txEl>
+                                          </p:spTgt>
+                                        </p:tgtEl>
+                                        <p:attrNameLst>
+                                          <p:attrName>style.visibility</p:attrName>
+                                        </p:attrNameLst>
+                                      </p:cBhvr>
+                                      <p:to>
+                                        <p:strVal val="visible"/>
+                                      </p:to>
+                                    </p:set>
+                                  </p:childTnLst>
+                                </p:cTn>
+                              </p:par>
+                            </p:childTnLst>
+                          </p:cTn>
+                        </p:par>
+                      </p:childTnLst>
+                    </p:cTn>
+                  </p:par>
                 </p:childTnLst>
               </p:cTn>
               <p:prevCondLst>
@@ -27880,7 +27726,7 @@
 </p:sld>
 </file>
 
-<file path=ppt/slides/slide28.xml><?xml version="1.0" encoding="utf-8"?>
+<file path=ppt/slides/slide24.xml><?xml version="1.0" encoding="utf-8"?>
 <p:sld xmlns:a="http://schemas.openxmlformats.org/drawingml/2006/main" xmlns:r="http://schemas.openxmlformats.org/officeDocument/2006/relationships" xmlns:p="http://schemas.openxmlformats.org/presentationml/2006/main">
   <p:cSld>
     <p:bg>
@@ -27942,6 +27788,551 @@
           </a:p>
         </p:txBody>
       </p:sp>
+      <p:sp>
+        <p:nvSpPr>
+          <p:cNvPr id="2" name="Прямоугольник 1"/>
+          <p:cNvSpPr/>
+          <p:nvPr/>
+        </p:nvSpPr>
+        <p:spPr>
+          <a:xfrm>
+            <a:off x="707677" y="3323403"/>
+            <a:ext cx="5384754" cy="4524315"/>
+          </a:xfrm>
+          <a:prstGeom prst="rect">
+            <a:avLst/>
+          </a:prstGeom>
+        </p:spPr>
+        <p:txBody>
+          <a:bodyPr wrap="square">
+            <a:spAutoFit/>
+          </a:bodyPr>
+          <a:lstStyle/>
+          <a:p>
+            <a:r>
+              <a:rPr lang="pt-BR" sz="3200" dirty="0">
+                <a:latin typeface="Courier New" panose="02070309020205020404" pitchFamily="49" charset="0"/>
+                <a:cs typeface="Courier New" panose="02070309020205020404" pitchFamily="49" charset="0"/>
+              </a:rPr>
+              <a:t>&gt;&gt;&gt; </a:t>
+            </a:r>
+            <a:r>
+              <a:rPr lang="pt-BR" sz="3200" dirty="0">
+                <a:solidFill>
+                  <a:schemeClr val="accent2"/>
+                </a:solidFill>
+                <a:latin typeface="Courier New" panose="02070309020205020404" pitchFamily="49" charset="0"/>
+                <a:cs typeface="Courier New" panose="02070309020205020404" pitchFamily="49" charset="0"/>
+              </a:rPr>
+              <a:t>def</a:t>
+            </a:r>
+            <a:r>
+              <a:rPr lang="pt-BR" sz="3200" dirty="0">
+                <a:latin typeface="Courier New" panose="02070309020205020404" pitchFamily="49" charset="0"/>
+                <a:cs typeface="Courier New" panose="02070309020205020404" pitchFamily="49" charset="0"/>
+              </a:rPr>
+              <a:t> sum_nums(</a:t>
+            </a:r>
+            <a:r>
+              <a:rPr lang="pt-BR" sz="3200" dirty="0">
+                <a:solidFill>
+                  <a:srgbClr val="00B050"/>
+                </a:solidFill>
+                <a:latin typeface="Courier New" panose="02070309020205020404" pitchFamily="49" charset="0"/>
+                <a:cs typeface="Courier New" panose="02070309020205020404" pitchFamily="49" charset="0"/>
+              </a:rPr>
+              <a:t>n</a:t>
+            </a:r>
+            <a:r>
+              <a:rPr lang="pt-BR" sz="3200" dirty="0">
+                <a:latin typeface="Courier New" panose="02070309020205020404" pitchFamily="49" charset="0"/>
+                <a:cs typeface="Courier New" panose="02070309020205020404" pitchFamily="49" charset="0"/>
+              </a:rPr>
+              <a:t>):</a:t>
+            </a:r>
+          </a:p>
+          <a:p>
+            <a:r>
+              <a:rPr lang="pt-BR" sz="3200" dirty="0" smtClean="0">
+                <a:latin typeface="Courier New" panose="02070309020205020404" pitchFamily="49" charset="0"/>
+                <a:cs typeface="Courier New" panose="02070309020205020404" pitchFamily="49" charset="0"/>
+              </a:rPr>
+              <a:t>...	</a:t>
+            </a:r>
+            <a:r>
+              <a:rPr lang="pt-BR" sz="3200" dirty="0">
+                <a:latin typeface="Courier New" panose="02070309020205020404" pitchFamily="49" charset="0"/>
+                <a:cs typeface="Courier New" panose="02070309020205020404" pitchFamily="49" charset="0"/>
+              </a:rPr>
+              <a:t>	</a:t>
+            </a:r>
+            <a:r>
+              <a:rPr lang="pt-BR" sz="3200" dirty="0">
+                <a:solidFill>
+                  <a:srgbClr val="00B0F0"/>
+                </a:solidFill>
+                <a:latin typeface="Courier New" panose="02070309020205020404" pitchFamily="49" charset="0"/>
+                <a:cs typeface="Courier New" panose="02070309020205020404" pitchFamily="49" charset="0"/>
+              </a:rPr>
+              <a:t>s</a:t>
+            </a:r>
+            <a:r>
+              <a:rPr lang="pt-BR" sz="3200" dirty="0">
+                <a:latin typeface="Courier New" panose="02070309020205020404" pitchFamily="49" charset="0"/>
+                <a:cs typeface="Courier New" panose="02070309020205020404" pitchFamily="49" charset="0"/>
+              </a:rPr>
+              <a:t> = 0</a:t>
+            </a:r>
+          </a:p>
+          <a:p>
+            <a:r>
+              <a:rPr lang="pt-BR" sz="3200" dirty="0" smtClean="0">
+                <a:latin typeface="Courier New" panose="02070309020205020404" pitchFamily="49" charset="0"/>
+                <a:cs typeface="Courier New" panose="02070309020205020404" pitchFamily="49" charset="0"/>
+              </a:rPr>
+              <a:t>...	</a:t>
+            </a:r>
+            <a:r>
+              <a:rPr lang="pt-BR" sz="3200" dirty="0">
+                <a:latin typeface="Courier New" panose="02070309020205020404" pitchFamily="49" charset="0"/>
+                <a:cs typeface="Courier New" panose="02070309020205020404" pitchFamily="49" charset="0"/>
+              </a:rPr>
+              <a:t>	while(</a:t>
+            </a:r>
+            <a:r>
+              <a:rPr lang="pt-BR" sz="3200" dirty="0">
+                <a:solidFill>
+                  <a:srgbClr val="00B050"/>
+                </a:solidFill>
+                <a:latin typeface="Courier New" panose="02070309020205020404" pitchFamily="49" charset="0"/>
+                <a:cs typeface="Courier New" panose="02070309020205020404" pitchFamily="49" charset="0"/>
+              </a:rPr>
+              <a:t>n</a:t>
+            </a:r>
+            <a:r>
+              <a:rPr lang="pt-BR" sz="3200" dirty="0">
+                <a:latin typeface="Courier New" panose="02070309020205020404" pitchFamily="49" charset="0"/>
+                <a:cs typeface="Courier New" panose="02070309020205020404" pitchFamily="49" charset="0"/>
+              </a:rPr>
+              <a:t>):</a:t>
+            </a:r>
+          </a:p>
+          <a:p>
+            <a:r>
+              <a:rPr lang="pt-BR" sz="3200" dirty="0" smtClean="0">
+                <a:latin typeface="Courier New" panose="02070309020205020404" pitchFamily="49" charset="0"/>
+                <a:cs typeface="Courier New" panose="02070309020205020404" pitchFamily="49" charset="0"/>
+              </a:rPr>
+              <a:t>...	</a:t>
+            </a:r>
+            <a:r>
+              <a:rPr lang="pt-BR" sz="3200" dirty="0">
+                <a:latin typeface="Courier New" panose="02070309020205020404" pitchFamily="49" charset="0"/>
+                <a:cs typeface="Courier New" panose="02070309020205020404" pitchFamily="49" charset="0"/>
+              </a:rPr>
+              <a:t>		</a:t>
+            </a:r>
+            <a:r>
+              <a:rPr lang="pt-BR" sz="3200" dirty="0">
+                <a:solidFill>
+                  <a:srgbClr val="00B0F0"/>
+                </a:solidFill>
+                <a:latin typeface="Courier New" panose="02070309020205020404" pitchFamily="49" charset="0"/>
+                <a:cs typeface="Courier New" panose="02070309020205020404" pitchFamily="49" charset="0"/>
+              </a:rPr>
+              <a:t>s</a:t>
+            </a:r>
+            <a:r>
+              <a:rPr lang="pt-BR" sz="3200" dirty="0">
+                <a:latin typeface="Courier New" panose="02070309020205020404" pitchFamily="49" charset="0"/>
+                <a:cs typeface="Courier New" panose="02070309020205020404" pitchFamily="49" charset="0"/>
+              </a:rPr>
+              <a:t> += </a:t>
+            </a:r>
+            <a:r>
+              <a:rPr lang="pt-BR" sz="3200" dirty="0">
+                <a:solidFill>
+                  <a:srgbClr val="00B050"/>
+                </a:solidFill>
+                <a:latin typeface="Courier New" panose="02070309020205020404" pitchFamily="49" charset="0"/>
+                <a:cs typeface="Courier New" panose="02070309020205020404" pitchFamily="49" charset="0"/>
+              </a:rPr>
+              <a:t>n</a:t>
+            </a:r>
+          </a:p>
+          <a:p>
+            <a:r>
+              <a:rPr lang="pt-BR" sz="3200" dirty="0" smtClean="0">
+                <a:latin typeface="Courier New" panose="02070309020205020404" pitchFamily="49" charset="0"/>
+                <a:cs typeface="Courier New" panose="02070309020205020404" pitchFamily="49" charset="0"/>
+              </a:rPr>
+              <a:t>...	</a:t>
+            </a:r>
+            <a:r>
+              <a:rPr lang="pt-BR" sz="3200" dirty="0">
+                <a:latin typeface="Courier New" panose="02070309020205020404" pitchFamily="49" charset="0"/>
+                <a:cs typeface="Courier New" panose="02070309020205020404" pitchFamily="49" charset="0"/>
+              </a:rPr>
+              <a:t>		</a:t>
+            </a:r>
+            <a:r>
+              <a:rPr lang="pt-BR" sz="3200" dirty="0">
+                <a:solidFill>
+                  <a:srgbClr val="00B050"/>
+                </a:solidFill>
+                <a:latin typeface="Courier New" panose="02070309020205020404" pitchFamily="49" charset="0"/>
+                <a:cs typeface="Courier New" panose="02070309020205020404" pitchFamily="49" charset="0"/>
+              </a:rPr>
+              <a:t>n</a:t>
+            </a:r>
+            <a:r>
+              <a:rPr lang="pt-BR" sz="3200" dirty="0">
+                <a:latin typeface="Courier New" panose="02070309020205020404" pitchFamily="49" charset="0"/>
+                <a:cs typeface="Courier New" panose="02070309020205020404" pitchFamily="49" charset="0"/>
+              </a:rPr>
+              <a:t>-=1</a:t>
+            </a:r>
+          </a:p>
+          <a:p>
+            <a:r>
+              <a:rPr lang="pt-BR" sz="3200" dirty="0" smtClean="0">
+                <a:latin typeface="Courier New" panose="02070309020205020404" pitchFamily="49" charset="0"/>
+                <a:cs typeface="Courier New" panose="02070309020205020404" pitchFamily="49" charset="0"/>
+              </a:rPr>
+              <a:t>...	</a:t>
+            </a:r>
+            <a:r>
+              <a:rPr lang="pt-BR" sz="3200" dirty="0">
+                <a:latin typeface="Courier New" panose="02070309020205020404" pitchFamily="49" charset="0"/>
+                <a:cs typeface="Courier New" panose="02070309020205020404" pitchFamily="49" charset="0"/>
+              </a:rPr>
+              <a:t>	return </a:t>
+            </a:r>
+            <a:r>
+              <a:rPr lang="pt-BR" sz="3200" dirty="0">
+                <a:solidFill>
+                  <a:srgbClr val="00B0F0"/>
+                </a:solidFill>
+                <a:latin typeface="Courier New" panose="02070309020205020404" pitchFamily="49" charset="0"/>
+                <a:cs typeface="Courier New" panose="02070309020205020404" pitchFamily="49" charset="0"/>
+              </a:rPr>
+              <a:t>s</a:t>
+            </a:r>
+          </a:p>
+          <a:p>
+            <a:endParaRPr lang="pt-BR" sz="3200" dirty="0">
+              <a:latin typeface="Courier New" panose="02070309020205020404" pitchFamily="49" charset="0"/>
+              <a:cs typeface="Courier New" panose="02070309020205020404" pitchFamily="49" charset="0"/>
+            </a:endParaRPr>
+          </a:p>
+          <a:p>
+            <a:r>
+              <a:rPr lang="pt-BR" sz="3200" dirty="0">
+                <a:latin typeface="Courier New" panose="02070309020205020404" pitchFamily="49" charset="0"/>
+                <a:cs typeface="Courier New" panose="02070309020205020404" pitchFamily="49" charset="0"/>
+              </a:rPr>
+              <a:t>&gt;&gt;&gt; sum_nums(5)</a:t>
+            </a:r>
+          </a:p>
+          <a:p>
+            <a:r>
+              <a:rPr lang="pt-BR" sz="3200" dirty="0">
+                <a:latin typeface="Courier New" panose="02070309020205020404" pitchFamily="49" charset="0"/>
+                <a:cs typeface="Courier New" panose="02070309020205020404" pitchFamily="49" charset="0"/>
+              </a:rPr>
+              <a:t>15</a:t>
+            </a:r>
+            <a:endParaRPr lang="ru-RU" sz="3200" dirty="0">
+              <a:latin typeface="Courier New" panose="02070309020205020404" pitchFamily="49" charset="0"/>
+              <a:cs typeface="Courier New" panose="02070309020205020404" pitchFamily="49" charset="0"/>
+            </a:endParaRPr>
+          </a:p>
+        </p:txBody>
+      </p:sp>
+      <p:sp>
+        <p:nvSpPr>
+          <p:cNvPr id="3" name="Прямоугольник 2"/>
+          <p:cNvSpPr/>
+          <p:nvPr/>
+        </p:nvSpPr>
+        <p:spPr>
+          <a:xfrm>
+            <a:off x="6828503" y="3328419"/>
+            <a:ext cx="9247240" cy="4524315"/>
+          </a:xfrm>
+          <a:prstGeom prst="rect">
+            <a:avLst/>
+          </a:prstGeom>
+        </p:spPr>
+        <p:txBody>
+          <a:bodyPr wrap="square">
+            <a:spAutoFit/>
+          </a:bodyPr>
+          <a:lstStyle/>
+          <a:p>
+            <a:r>
+              <a:rPr lang="pt-BR" sz="3200" dirty="0">
+                <a:latin typeface="Courier New" panose="02070309020205020404" pitchFamily="49" charset="0"/>
+                <a:cs typeface="Courier New" panose="02070309020205020404" pitchFamily="49" charset="0"/>
+              </a:rPr>
+              <a:t>&gt;&gt;&gt; </a:t>
+            </a:r>
+            <a:r>
+              <a:rPr lang="pt-BR" sz="3200" dirty="0">
+                <a:solidFill>
+                  <a:schemeClr val="accent2"/>
+                </a:solidFill>
+                <a:latin typeface="Courier New" panose="02070309020205020404" pitchFamily="49" charset="0"/>
+                <a:cs typeface="Courier New" panose="02070309020205020404" pitchFamily="49" charset="0"/>
+              </a:rPr>
+              <a:t>def</a:t>
+            </a:r>
+            <a:r>
+              <a:rPr lang="pt-BR" sz="3200" dirty="0">
+                <a:latin typeface="Courier New" panose="02070309020205020404" pitchFamily="49" charset="0"/>
+                <a:cs typeface="Courier New" panose="02070309020205020404" pitchFamily="49" charset="0"/>
+              </a:rPr>
+              <a:t> rsum_nums(</a:t>
+            </a:r>
+            <a:r>
+              <a:rPr lang="pt-BR" sz="3200" dirty="0">
+                <a:solidFill>
+                  <a:srgbClr val="00B050"/>
+                </a:solidFill>
+                <a:latin typeface="Courier New" panose="02070309020205020404" pitchFamily="49" charset="0"/>
+                <a:cs typeface="Courier New" panose="02070309020205020404" pitchFamily="49" charset="0"/>
+              </a:rPr>
+              <a:t>n</a:t>
+            </a:r>
+            <a:r>
+              <a:rPr lang="pt-BR" sz="3200" dirty="0">
+                <a:latin typeface="Courier New" panose="02070309020205020404" pitchFamily="49" charset="0"/>
+                <a:cs typeface="Courier New" panose="02070309020205020404" pitchFamily="49" charset="0"/>
+              </a:rPr>
+              <a:t>):</a:t>
+            </a:r>
+          </a:p>
+          <a:p>
+            <a:r>
+              <a:rPr lang="pt-BR" sz="3200" dirty="0" smtClean="0">
+                <a:latin typeface="Courier New" panose="02070309020205020404" pitchFamily="49" charset="0"/>
+                <a:cs typeface="Courier New" panose="02070309020205020404" pitchFamily="49" charset="0"/>
+              </a:rPr>
+              <a:t>...	</a:t>
+            </a:r>
+            <a:r>
+              <a:rPr lang="pt-BR" sz="3200" dirty="0">
+                <a:latin typeface="Courier New" panose="02070309020205020404" pitchFamily="49" charset="0"/>
+                <a:cs typeface="Courier New" panose="02070309020205020404" pitchFamily="49" charset="0"/>
+              </a:rPr>
+              <a:t>	if </a:t>
+            </a:r>
+            <a:r>
+              <a:rPr lang="pt-BR" sz="3200" dirty="0">
+                <a:solidFill>
+                  <a:srgbClr val="00B050"/>
+                </a:solidFill>
+                <a:latin typeface="Courier New" panose="02070309020205020404" pitchFamily="49" charset="0"/>
+                <a:cs typeface="Courier New" panose="02070309020205020404" pitchFamily="49" charset="0"/>
+              </a:rPr>
+              <a:t>n</a:t>
+            </a:r>
+            <a:r>
+              <a:rPr lang="pt-BR" sz="3200" dirty="0">
+                <a:latin typeface="Courier New" panose="02070309020205020404" pitchFamily="49" charset="0"/>
+                <a:cs typeface="Courier New" panose="02070309020205020404" pitchFamily="49" charset="0"/>
+              </a:rPr>
+              <a:t>:</a:t>
+            </a:r>
+          </a:p>
+          <a:p>
+            <a:r>
+              <a:rPr lang="pt-BR" sz="3200" dirty="0" smtClean="0">
+                <a:latin typeface="Courier New" panose="02070309020205020404" pitchFamily="49" charset="0"/>
+                <a:cs typeface="Courier New" panose="02070309020205020404" pitchFamily="49" charset="0"/>
+              </a:rPr>
+              <a:t>...	</a:t>
+            </a:r>
+            <a:r>
+              <a:rPr lang="pt-BR" sz="3200" dirty="0">
+                <a:latin typeface="Courier New" panose="02070309020205020404" pitchFamily="49" charset="0"/>
+                <a:cs typeface="Courier New" panose="02070309020205020404" pitchFamily="49" charset="0"/>
+              </a:rPr>
+              <a:t>		return </a:t>
+            </a:r>
+            <a:r>
+              <a:rPr lang="pt-BR" sz="3200" dirty="0">
+                <a:solidFill>
+                  <a:srgbClr val="00B050"/>
+                </a:solidFill>
+                <a:latin typeface="Courier New" panose="02070309020205020404" pitchFamily="49" charset="0"/>
+                <a:cs typeface="Courier New" panose="02070309020205020404" pitchFamily="49" charset="0"/>
+              </a:rPr>
+              <a:t>n</a:t>
+            </a:r>
+            <a:r>
+              <a:rPr lang="pt-BR" sz="3200" dirty="0">
+                <a:latin typeface="Courier New" panose="02070309020205020404" pitchFamily="49" charset="0"/>
+                <a:cs typeface="Courier New" panose="02070309020205020404" pitchFamily="49" charset="0"/>
+              </a:rPr>
+              <a:t> + rsum_nums(</a:t>
+            </a:r>
+            <a:r>
+              <a:rPr lang="pt-BR" sz="3200" dirty="0">
+                <a:solidFill>
+                  <a:srgbClr val="00B050"/>
+                </a:solidFill>
+                <a:latin typeface="Courier New" panose="02070309020205020404" pitchFamily="49" charset="0"/>
+                <a:cs typeface="Courier New" panose="02070309020205020404" pitchFamily="49" charset="0"/>
+              </a:rPr>
+              <a:t>n</a:t>
+            </a:r>
+            <a:r>
+              <a:rPr lang="pt-BR" sz="3200" dirty="0">
+                <a:latin typeface="Courier New" panose="02070309020205020404" pitchFamily="49" charset="0"/>
+                <a:cs typeface="Courier New" panose="02070309020205020404" pitchFamily="49" charset="0"/>
+              </a:rPr>
+              <a:t>-1)</a:t>
+            </a:r>
+          </a:p>
+          <a:p>
+            <a:r>
+              <a:rPr lang="pt-BR" sz="3200" dirty="0" smtClean="0">
+                <a:latin typeface="Courier New" panose="02070309020205020404" pitchFamily="49" charset="0"/>
+                <a:cs typeface="Courier New" panose="02070309020205020404" pitchFamily="49" charset="0"/>
+              </a:rPr>
+              <a:t>...	</a:t>
+            </a:r>
+            <a:r>
+              <a:rPr lang="pt-BR" sz="3200" dirty="0">
+                <a:latin typeface="Courier New" panose="02070309020205020404" pitchFamily="49" charset="0"/>
+                <a:cs typeface="Courier New" panose="02070309020205020404" pitchFamily="49" charset="0"/>
+              </a:rPr>
+              <a:t>	else:</a:t>
+            </a:r>
+          </a:p>
+          <a:p>
+            <a:r>
+              <a:rPr lang="pt-BR" sz="3200" dirty="0" smtClean="0">
+                <a:latin typeface="Courier New" panose="02070309020205020404" pitchFamily="49" charset="0"/>
+                <a:cs typeface="Courier New" panose="02070309020205020404" pitchFamily="49" charset="0"/>
+              </a:rPr>
+              <a:t>...	</a:t>
+            </a:r>
+            <a:r>
+              <a:rPr lang="pt-BR" sz="3200" dirty="0">
+                <a:latin typeface="Courier New" panose="02070309020205020404" pitchFamily="49" charset="0"/>
+                <a:cs typeface="Courier New" panose="02070309020205020404" pitchFamily="49" charset="0"/>
+              </a:rPr>
+              <a:t>		return 0</a:t>
+            </a:r>
+          </a:p>
+          <a:p>
+            <a:r>
+              <a:rPr lang="pt-BR" sz="3200" dirty="0" smtClean="0">
+                <a:latin typeface="Courier New" panose="02070309020205020404" pitchFamily="49" charset="0"/>
+                <a:cs typeface="Courier New" panose="02070309020205020404" pitchFamily="49" charset="0"/>
+              </a:rPr>
+              <a:t>...</a:t>
+            </a:r>
+            <a:endParaRPr lang="pt-BR" sz="3200" dirty="0">
+              <a:latin typeface="Courier New" panose="02070309020205020404" pitchFamily="49" charset="0"/>
+              <a:cs typeface="Courier New" panose="02070309020205020404" pitchFamily="49" charset="0"/>
+            </a:endParaRPr>
+          </a:p>
+          <a:p>
+            <a:r>
+              <a:rPr lang="pt-BR" sz="3200" dirty="0">
+                <a:latin typeface="Courier New" panose="02070309020205020404" pitchFamily="49" charset="0"/>
+                <a:cs typeface="Courier New" panose="02070309020205020404" pitchFamily="49" charset="0"/>
+              </a:rPr>
+              <a:t>	</a:t>
+            </a:r>
+          </a:p>
+          <a:p>
+            <a:r>
+              <a:rPr lang="pt-BR" sz="3200" dirty="0">
+                <a:latin typeface="Courier New" panose="02070309020205020404" pitchFamily="49" charset="0"/>
+                <a:cs typeface="Courier New" panose="02070309020205020404" pitchFamily="49" charset="0"/>
+              </a:rPr>
+              <a:t>&gt;&gt;&gt; rsum_nums(5)</a:t>
+            </a:r>
+          </a:p>
+          <a:p>
+            <a:r>
+              <a:rPr lang="pt-BR" sz="3200" dirty="0">
+                <a:latin typeface="Courier New" panose="02070309020205020404" pitchFamily="49" charset="0"/>
+                <a:cs typeface="Courier New" panose="02070309020205020404" pitchFamily="49" charset="0"/>
+              </a:rPr>
+              <a:t>15</a:t>
+            </a:r>
+            <a:endParaRPr lang="ru-RU" sz="3200" dirty="0">
+              <a:latin typeface="Courier New" panose="02070309020205020404" pitchFamily="49" charset="0"/>
+              <a:cs typeface="Courier New" panose="02070309020205020404" pitchFamily="49" charset="0"/>
+            </a:endParaRPr>
+          </a:p>
+        </p:txBody>
+      </p:sp>
+      <p:sp>
+        <p:nvSpPr>
+          <p:cNvPr id="4" name="TextBox 3"/>
+          <p:cNvSpPr txBox="1"/>
+          <p:nvPr/>
+        </p:nvSpPr>
+        <p:spPr>
+          <a:xfrm>
+            <a:off x="707677" y="2319960"/>
+            <a:ext cx="4763729" cy="584775"/>
+          </a:xfrm>
+          <a:prstGeom prst="rect">
+            <a:avLst/>
+          </a:prstGeom>
+          <a:noFill/>
+        </p:spPr>
+        <p:txBody>
+          <a:bodyPr wrap="square" rtlCol="0">
+            <a:spAutoFit/>
+          </a:bodyPr>
+          <a:lstStyle/>
+          <a:p>
+            <a:r>
+              <a:rPr lang="ru-RU" sz="3200" dirty="0" smtClean="0"/>
+              <a:t>Итеративное решение</a:t>
+            </a:r>
+            <a:endParaRPr lang="ru-RU" sz="3200" dirty="0"/>
+          </a:p>
+        </p:txBody>
+      </p:sp>
+      <p:sp>
+        <p:nvSpPr>
+          <p:cNvPr id="5" name="TextBox 4"/>
+          <p:cNvSpPr txBox="1"/>
+          <p:nvPr/>
+        </p:nvSpPr>
+        <p:spPr>
+          <a:xfrm>
+            <a:off x="6990736" y="2319960"/>
+            <a:ext cx="4807974" cy="584775"/>
+          </a:xfrm>
+          <a:prstGeom prst="rect">
+            <a:avLst/>
+          </a:prstGeom>
+          <a:noFill/>
+        </p:spPr>
+        <p:txBody>
+          <a:bodyPr wrap="square" rtlCol="0">
+            <a:spAutoFit/>
+          </a:bodyPr>
+          <a:lstStyle/>
+          <a:p>
+            <a:r>
+              <a:rPr lang="ru-RU" sz="3200" dirty="0" smtClean="0"/>
+              <a:t>Рекурсивное решение</a:t>
+            </a:r>
+            <a:endParaRPr lang="ru-RU" sz="3200" dirty="0"/>
+          </a:p>
+        </p:txBody>
+      </p:sp>
     </p:spTree>
     <p:extLst>
       <p:ext uri="{BB962C8B-B14F-4D97-AF65-F5344CB8AC3E}">
@@ -27955,14 +28346,131 @@
   <p:timing>
     <p:tnLst>
       <p:par>
-        <p:cTn id="1" dur="indefinite" restart="never" nodeType="tmRoot"/>
+        <p:cTn id="1" dur="indefinite" restart="never" nodeType="tmRoot">
+          <p:childTnLst>
+            <p:seq concurrent="1" nextAc="seek">
+              <p:cTn id="2" dur="indefinite" nodeType="mainSeq">
+                <p:childTnLst>
+                  <p:par>
+                    <p:cTn id="3" fill="hold">
+                      <p:stCondLst>
+                        <p:cond delay="indefinite"/>
+                      </p:stCondLst>
+                      <p:childTnLst>
+                        <p:par>
+                          <p:cTn id="4" fill="hold">
+                            <p:stCondLst>
+                              <p:cond delay="0"/>
+                            </p:stCondLst>
+                            <p:childTnLst>
+                              <p:par>
+                                <p:cTn id="5" presetID="1" presetClass="entr" presetSubtype="0" fill="hold" grpId="0" nodeType="clickEffect">
+                                  <p:stCondLst>
+                                    <p:cond delay="0"/>
+                                  </p:stCondLst>
+                                  <p:childTnLst>
+                                    <p:set>
+                                      <p:cBhvr>
+                                        <p:cTn id="6" dur="1" fill="hold">
+                                          <p:stCondLst>
+                                            <p:cond delay="0"/>
+                                          </p:stCondLst>
+                                        </p:cTn>
+                                        <p:tgtEl>
+                                          <p:spTgt spid="2"/>
+                                        </p:tgtEl>
+                                        <p:attrNameLst>
+                                          <p:attrName>style.visibility</p:attrName>
+                                        </p:attrNameLst>
+                                      </p:cBhvr>
+                                      <p:to>
+                                        <p:strVal val="visible"/>
+                                      </p:to>
+                                    </p:set>
+                                  </p:childTnLst>
+                                </p:cTn>
+                              </p:par>
+                            </p:childTnLst>
+                          </p:cTn>
+                        </p:par>
+                      </p:childTnLst>
+                    </p:cTn>
+                  </p:par>
+                  <p:par>
+                    <p:cTn id="7" fill="hold">
+                      <p:stCondLst>
+                        <p:cond delay="indefinite"/>
+                      </p:stCondLst>
+                      <p:childTnLst>
+                        <p:par>
+                          <p:cTn id="8" fill="hold">
+                            <p:stCondLst>
+                              <p:cond delay="0"/>
+                            </p:stCondLst>
+                            <p:childTnLst>
+                              <p:par>
+                                <p:cTn id="9" presetID="1" presetClass="entr" presetSubtype="0" fill="hold" grpId="0" nodeType="clickEffect">
+                                  <p:stCondLst>
+                                    <p:cond delay="0"/>
+                                  </p:stCondLst>
+                                  <p:childTnLst>
+                                    <p:set>
+                                      <p:cBhvr>
+                                        <p:cTn id="10" dur="1" fill="hold">
+                                          <p:stCondLst>
+                                            <p:cond delay="0"/>
+                                          </p:stCondLst>
+                                        </p:cTn>
+                                        <p:tgtEl>
+                                          <p:spTgt spid="3"/>
+                                        </p:tgtEl>
+                                        <p:attrNameLst>
+                                          <p:attrName>style.visibility</p:attrName>
+                                        </p:attrNameLst>
+                                      </p:cBhvr>
+                                      <p:to>
+                                        <p:strVal val="visible"/>
+                                      </p:to>
+                                    </p:set>
+                                  </p:childTnLst>
+                                </p:cTn>
+                              </p:par>
+                            </p:childTnLst>
+                          </p:cTn>
+                        </p:par>
+                      </p:childTnLst>
+                    </p:cTn>
+                  </p:par>
+                </p:childTnLst>
+              </p:cTn>
+              <p:prevCondLst>
+                <p:cond evt="onPrev" delay="0">
+                  <p:tgtEl>
+                    <p:sldTgt/>
+                  </p:tgtEl>
+                </p:cond>
+              </p:prevCondLst>
+              <p:nextCondLst>
+                <p:cond evt="onNext" delay="0">
+                  <p:tgtEl>
+                    <p:sldTgt/>
+                  </p:tgtEl>
+                </p:cond>
+              </p:nextCondLst>
+            </p:seq>
+          </p:childTnLst>
+        </p:cTn>
       </p:par>
     </p:tnLst>
+    <p:bldLst>
+      <p:bldP spid="2" grpId="0"/>
+      <p:bldP spid="3" grpId="0"/>
+    </p:bldLst>
   </p:timing>
 </p:sld>
 </file>
 
-<file path=ppt/slides/slide29.xml><?xml version="1.0" encoding="utf-8"?>
+<file path=ppt/slides/slide25.xml><?xml version="1.0" encoding="utf-8"?>
 <p:sld xmlns:a="http://schemas.openxmlformats.org/drawingml/2006/main" xmlns:r="http://schemas.openxmlformats.org/officeDocument/2006/relationships" xmlns:p="http://schemas.openxmlformats.org/presentationml/2006/main">
   <p:cSld>
     <p:spTree>
@@ -28032,6 +28540,984 @@
     <p:extLst>
       <p:ext uri="{BB962C8B-B14F-4D97-AF65-F5344CB8AC3E}">
         <p14:creationId xmlns:p14="http://schemas.microsoft.com/office/powerpoint/2010/main" val="3280500415"/>
+      </p:ext>
+    </p:extLst>
+  </p:cSld>
+  <p:clrMapOvr>
+    <a:masterClrMapping/>
+  </p:clrMapOvr>
+  <p:timing>
+    <p:tnLst>
+      <p:par>
+        <p:cTn id="1" dur="indefinite" restart="never" nodeType="tmRoot"/>
+      </p:par>
+    </p:tnLst>
+  </p:timing>
+</p:sld>
+</file>
+
+<file path=ppt/slides/slide26.xml><?xml version="1.0" encoding="utf-8"?>
+<p:sld xmlns:a="http://schemas.openxmlformats.org/drawingml/2006/main" xmlns:r="http://schemas.openxmlformats.org/officeDocument/2006/relationships" xmlns:p="http://schemas.openxmlformats.org/presentationml/2006/main">
+  <p:cSld>
+    <p:spTree>
+      <p:nvGrpSpPr>
+        <p:cNvPr id="1" name="Shape 212"/>
+        <p:cNvGrpSpPr/>
+        <p:nvPr/>
+      </p:nvGrpSpPr>
+      <p:grpSpPr>
+        <a:xfrm>
+          <a:off x="0" y="0"/>
+          <a:ext cx="0" cy="0"/>
+          <a:chOff x="0" y="0"/>
+          <a:chExt cx="0" cy="0"/>
+        </a:xfrm>
+      </p:grpSpPr>
+      <p:sp>
+        <p:nvSpPr>
+          <p:cNvPr id="213" name="Shape 213"/>
+          <p:cNvSpPr txBox="1">
+            <a:spLocks noGrp="1"/>
+          </p:cNvSpPr>
+          <p:nvPr>
+            <p:ph type="title"/>
+          </p:nvPr>
+        </p:nvSpPr>
+        <p:spPr>
+          <a:xfrm>
+            <a:off x="1155700" y="241300"/>
+            <a:ext cx="13931900" cy="2298699"/>
+          </a:xfrm>
+          <a:prstGeom prst="rect">
+            <a:avLst/>
+          </a:prstGeom>
+          <a:noFill/>
+          <a:ln>
+            <a:noFill/>
+          </a:ln>
+        </p:spPr>
+        <p:txBody>
+          <a:bodyPr lIns="38100" tIns="38100" rIns="38100" bIns="38100" anchor="ctr" anchorCtr="0">
+            <a:noAutofit/>
+          </a:bodyPr>
+          <a:lstStyle/>
+          <a:p>
+            <a:pPr lvl="0">
+              <a:buClr>
+                <a:schemeClr val="lt1"/>
+              </a:buClr>
+              <a:buSzPct val="25000"/>
+            </a:pPr>
+            <a:r>
+              <a:rPr lang="ru-RU" sz="6600" dirty="0" smtClean="0">
+                <a:solidFill>
+                  <a:schemeClr val="bg2"/>
+                </a:solidFill>
+                <a:latin typeface="Cabin"/>
+                <a:ea typeface="Cabin"/>
+                <a:cs typeface="Cabin"/>
+                <a:sym typeface="Cabin"/>
+              </a:rPr>
+              <a:t>Лямбда выражения</a:t>
+            </a:r>
+            <a:endParaRPr lang="en-US" sz="6600" dirty="0">
+              <a:solidFill>
+                <a:schemeClr val="bg2"/>
+              </a:solidFill>
+              <a:latin typeface="Cabin"/>
+              <a:ea typeface="Cabin"/>
+              <a:cs typeface="Cabin"/>
+              <a:sym typeface="Cabin"/>
+            </a:endParaRPr>
+          </a:p>
+        </p:txBody>
+      </p:sp>
+      <p:sp>
+        <p:nvSpPr>
+          <p:cNvPr id="229" name="Shape 229"/>
+          <p:cNvSpPr txBox="1"/>
+          <p:nvPr/>
+        </p:nvSpPr>
+        <p:spPr>
+          <a:xfrm>
+            <a:off x="5038725" y="2997200"/>
+            <a:ext cx="1409700" cy="622299"/>
+          </a:xfrm>
+          <a:prstGeom prst="rect">
+            <a:avLst/>
+          </a:prstGeom>
+          <a:noFill/>
+          <a:ln>
+            <a:noFill/>
+          </a:ln>
+        </p:spPr>
+        <p:txBody>
+          <a:bodyPr lIns="0" tIns="0" rIns="0" bIns="0" anchor="ctr" anchorCtr="0">
+            <a:noAutofit/>
+          </a:bodyPr>
+          <a:lstStyle/>
+          <a:p>
+            <a:pPr marL="0" marR="0" lvl="0" indent="0" algn="ctr" rtl="0">
+              <a:lnSpc>
+                <a:spcPct val="100000"/>
+              </a:lnSpc>
+              <a:spcBef>
+                <a:spcPts val="0"/>
+              </a:spcBef>
+              <a:spcAft>
+                <a:spcPts val="0"/>
+              </a:spcAft>
+              <a:buClr>
+                <a:schemeClr val="lt1"/>
+              </a:buClr>
+              <a:buSzPct val="25000"/>
+              <a:buFont typeface="Cabin"/>
+              <a:buNone/>
+            </a:pPr>
+            <a:r>
+              <a:rPr lang="en-US" sz="3600" b="0" i="0" u="none" strike="noStrike" cap="none">
+                <a:solidFill>
+                  <a:schemeClr val="lt1"/>
+                </a:solidFill>
+                <a:latin typeface="Cabin"/>
+                <a:ea typeface="Cabin"/>
+                <a:cs typeface="Cabin"/>
+                <a:sym typeface="Cabin"/>
+              </a:rPr>
+              <a:t>hello():</a:t>
+            </a:r>
+          </a:p>
+        </p:txBody>
+      </p:sp>
+      <p:sp>
+        <p:nvSpPr>
+          <p:cNvPr id="2" name="Прямоугольник 1"/>
+          <p:cNvSpPr/>
+          <p:nvPr/>
+        </p:nvSpPr>
+        <p:spPr>
+          <a:xfrm>
+            <a:off x="1155700" y="2547049"/>
+            <a:ext cx="14046200" cy="1938992"/>
+          </a:xfrm>
+          <a:prstGeom prst="rect">
+            <a:avLst/>
+          </a:prstGeom>
+        </p:spPr>
+        <p:txBody>
+          <a:bodyPr wrap="square">
+            <a:spAutoFit/>
+          </a:bodyPr>
+          <a:lstStyle/>
+          <a:p>
+            <a:r>
+              <a:rPr lang="ru-RU" sz="4000" dirty="0">
+                <a:solidFill>
+                  <a:srgbClr val="00B050"/>
+                </a:solidFill>
+              </a:rPr>
+              <a:t>Лямбда-выражение</a:t>
+            </a:r>
+            <a:r>
+              <a:rPr lang="ru-RU" sz="4000" dirty="0"/>
+              <a:t> в программировании — специальный синтаксис для определения функциональных объектов, заимствованный из </a:t>
+            </a:r>
+            <a:r>
+              <a:rPr lang="ru-RU" sz="4000" dirty="0">
+                <a:solidFill>
+                  <a:srgbClr val="00B050"/>
+                </a:solidFill>
+              </a:rPr>
+              <a:t>λ</a:t>
+            </a:r>
+            <a:r>
+              <a:rPr lang="ru-RU" sz="4000" dirty="0"/>
+              <a:t>-исчисления.</a:t>
+            </a:r>
+          </a:p>
+        </p:txBody>
+      </p:sp>
+      <p:sp>
+        <p:nvSpPr>
+          <p:cNvPr id="3" name="Прямоугольник 2"/>
+          <p:cNvSpPr/>
+          <p:nvPr/>
+        </p:nvSpPr>
+        <p:spPr>
+          <a:xfrm>
+            <a:off x="1155700" y="5415662"/>
+            <a:ext cx="13830300" cy="1815882"/>
+          </a:xfrm>
+          <a:prstGeom prst="rect">
+            <a:avLst/>
+          </a:prstGeom>
+        </p:spPr>
+        <p:txBody>
+          <a:bodyPr wrap="square">
+            <a:spAutoFit/>
+          </a:bodyPr>
+          <a:lstStyle/>
+          <a:p>
+            <a:r>
+              <a:rPr lang="ru-RU" sz="3600" dirty="0" err="1">
+                <a:solidFill>
+                  <a:srgbClr val="00B050"/>
+                </a:solidFill>
+              </a:rPr>
+              <a:t>Ля́мбда-исчисле́ние</a:t>
+            </a:r>
+            <a:r>
+              <a:rPr lang="ru-RU" sz="3600" dirty="0"/>
+              <a:t> (</a:t>
+            </a:r>
+            <a:r>
+              <a:rPr lang="ru-RU" sz="4000" dirty="0">
+                <a:solidFill>
+                  <a:srgbClr val="00B050"/>
+                </a:solidFill>
+              </a:rPr>
+              <a:t>λ</a:t>
+            </a:r>
+            <a:r>
+              <a:rPr lang="ru-RU" sz="4000" dirty="0"/>
+              <a:t>-исчисление</a:t>
+            </a:r>
+            <a:r>
+              <a:rPr lang="ru-RU" sz="3600" dirty="0"/>
+              <a:t>) — формальная система, разработанная американским математиком </a:t>
+            </a:r>
+            <a:r>
+              <a:rPr lang="ru-RU" sz="3600" dirty="0" err="1">
+                <a:solidFill>
+                  <a:srgbClr val="0070C0"/>
+                </a:solidFill>
+              </a:rPr>
+              <a:t>Алонзо</a:t>
+            </a:r>
+            <a:r>
+              <a:rPr lang="ru-RU" sz="3600" dirty="0">
+                <a:solidFill>
+                  <a:srgbClr val="0070C0"/>
+                </a:solidFill>
+              </a:rPr>
+              <a:t> </a:t>
+            </a:r>
+            <a:r>
+              <a:rPr lang="ru-RU" sz="3600" dirty="0" err="1">
+                <a:solidFill>
+                  <a:srgbClr val="0070C0"/>
+                </a:solidFill>
+              </a:rPr>
+              <a:t>Чёрчем</a:t>
+            </a:r>
+            <a:r>
+              <a:rPr lang="ru-RU" sz="3600" dirty="0"/>
+              <a:t>, для формализации и анализа понятия вычислимости.</a:t>
+            </a:r>
+          </a:p>
+        </p:txBody>
+      </p:sp>
+      <p:sp>
+        <p:nvSpPr>
+          <p:cNvPr id="4" name="Прямоугольник 3"/>
+          <p:cNvSpPr/>
+          <p:nvPr/>
+        </p:nvSpPr>
+        <p:spPr>
+          <a:xfrm>
+            <a:off x="9026327" y="8177312"/>
+            <a:ext cx="6579045" cy="400110"/>
+          </a:xfrm>
+          <a:prstGeom prst="rect">
+            <a:avLst/>
+          </a:prstGeom>
+        </p:spPr>
+        <p:txBody>
+          <a:bodyPr wrap="none">
+            <a:spAutoFit/>
+          </a:bodyPr>
+          <a:lstStyle/>
+          <a:p>
+            <a:r>
+              <a:rPr lang="ru-RU" sz="2000" i="1" dirty="0"/>
+              <a:t>Материал</a:t>
+            </a:r>
+            <a:r>
+              <a:rPr lang="ru-RU" sz="2000" dirty="0"/>
+              <a:t> из Википедии — свободной энциклопедии</a:t>
+            </a:r>
+          </a:p>
+        </p:txBody>
+      </p:sp>
+    </p:spTree>
+    <p:extLst>
+      <p:ext uri="{BB962C8B-B14F-4D97-AF65-F5344CB8AC3E}">
+        <p14:creationId xmlns:p14="http://schemas.microsoft.com/office/powerpoint/2010/main" val="3981985594"/>
+      </p:ext>
+    </p:extLst>
+  </p:cSld>
+  <p:clrMapOvr>
+    <a:masterClrMapping/>
+  </p:clrMapOvr>
+  <p:timing>
+    <p:tnLst>
+      <p:par>
+        <p:cTn id="1" dur="indefinite" restart="never" nodeType="tmRoot"/>
+      </p:par>
+    </p:tnLst>
+  </p:timing>
+</p:sld>
+</file>
+
+<file path=ppt/slides/slide27.xml><?xml version="1.0" encoding="utf-8"?>
+<p:sld xmlns:a="http://schemas.openxmlformats.org/drawingml/2006/main" xmlns:r="http://schemas.openxmlformats.org/officeDocument/2006/relationships" xmlns:p="http://schemas.openxmlformats.org/presentationml/2006/main">
+  <p:cSld>
+    <p:spTree>
+      <p:nvGrpSpPr>
+        <p:cNvPr id="1" name="Shape 212"/>
+        <p:cNvGrpSpPr/>
+        <p:nvPr/>
+      </p:nvGrpSpPr>
+      <p:grpSpPr>
+        <a:xfrm>
+          <a:off x="0" y="0"/>
+          <a:ext cx="0" cy="0"/>
+          <a:chOff x="0" y="0"/>
+          <a:chExt cx="0" cy="0"/>
+        </a:xfrm>
+      </p:grpSpPr>
+      <p:sp>
+        <p:nvSpPr>
+          <p:cNvPr id="213" name="Shape 213"/>
+          <p:cNvSpPr txBox="1">
+            <a:spLocks noGrp="1"/>
+          </p:cNvSpPr>
+          <p:nvPr>
+            <p:ph type="title"/>
+          </p:nvPr>
+        </p:nvSpPr>
+        <p:spPr>
+          <a:xfrm>
+            <a:off x="1155700" y="241300"/>
+            <a:ext cx="13931900" cy="2298699"/>
+          </a:xfrm>
+          <a:prstGeom prst="rect">
+            <a:avLst/>
+          </a:prstGeom>
+          <a:noFill/>
+          <a:ln>
+            <a:noFill/>
+          </a:ln>
+        </p:spPr>
+        <p:txBody>
+          <a:bodyPr lIns="38100" tIns="38100" rIns="38100" bIns="38100" anchor="ctr" anchorCtr="0">
+            <a:noAutofit/>
+          </a:bodyPr>
+          <a:lstStyle/>
+          <a:p>
+            <a:pPr lvl="0">
+              <a:buClr>
+                <a:schemeClr val="lt1"/>
+              </a:buClr>
+              <a:buSzPct val="25000"/>
+            </a:pPr>
+            <a:r>
+              <a:rPr lang="ru-RU" sz="6600" dirty="0" smtClean="0">
+                <a:solidFill>
+                  <a:schemeClr val="bg2"/>
+                </a:solidFill>
+                <a:latin typeface="Cabin"/>
+                <a:ea typeface="Cabin"/>
+                <a:cs typeface="Cabin"/>
+                <a:sym typeface="Cabin"/>
+              </a:rPr>
+              <a:t>Лямбда выражения</a:t>
+            </a:r>
+            <a:endParaRPr lang="en-US" sz="6600" dirty="0">
+              <a:solidFill>
+                <a:schemeClr val="bg2"/>
+              </a:solidFill>
+              <a:latin typeface="Cabin"/>
+              <a:ea typeface="Cabin"/>
+              <a:cs typeface="Cabin"/>
+              <a:sym typeface="Cabin"/>
+            </a:endParaRPr>
+          </a:p>
+        </p:txBody>
+      </p:sp>
+      <p:sp>
+        <p:nvSpPr>
+          <p:cNvPr id="229" name="Shape 229"/>
+          <p:cNvSpPr txBox="1"/>
+          <p:nvPr/>
+        </p:nvSpPr>
+        <p:spPr>
+          <a:xfrm>
+            <a:off x="5038725" y="2997200"/>
+            <a:ext cx="1409700" cy="622299"/>
+          </a:xfrm>
+          <a:prstGeom prst="rect">
+            <a:avLst/>
+          </a:prstGeom>
+          <a:noFill/>
+          <a:ln>
+            <a:noFill/>
+          </a:ln>
+        </p:spPr>
+        <p:txBody>
+          <a:bodyPr lIns="0" tIns="0" rIns="0" bIns="0" anchor="ctr" anchorCtr="0">
+            <a:noAutofit/>
+          </a:bodyPr>
+          <a:lstStyle/>
+          <a:p>
+            <a:pPr marL="0" marR="0" lvl="0" indent="0" algn="ctr" rtl="0">
+              <a:lnSpc>
+                <a:spcPct val="100000"/>
+              </a:lnSpc>
+              <a:spcBef>
+                <a:spcPts val="0"/>
+              </a:spcBef>
+              <a:spcAft>
+                <a:spcPts val="0"/>
+              </a:spcAft>
+              <a:buClr>
+                <a:schemeClr val="lt1"/>
+              </a:buClr>
+              <a:buSzPct val="25000"/>
+              <a:buFont typeface="Cabin"/>
+              <a:buNone/>
+            </a:pPr>
+            <a:r>
+              <a:rPr lang="en-US" sz="3600" b="0" i="0" u="none" strike="noStrike" cap="none">
+                <a:solidFill>
+                  <a:schemeClr val="lt1"/>
+                </a:solidFill>
+                <a:latin typeface="Cabin"/>
+                <a:ea typeface="Cabin"/>
+                <a:cs typeface="Cabin"/>
+                <a:sym typeface="Cabin"/>
+              </a:rPr>
+              <a:t>hello():</a:t>
+            </a:r>
+          </a:p>
+        </p:txBody>
+      </p:sp>
+      <p:sp>
+        <p:nvSpPr>
+          <p:cNvPr id="5" name="Прямоугольник 4"/>
+          <p:cNvSpPr/>
+          <p:nvPr/>
+        </p:nvSpPr>
+        <p:spPr>
+          <a:xfrm>
+            <a:off x="965200" y="2539999"/>
+            <a:ext cx="14782800" cy="5078313"/>
+          </a:xfrm>
+          <a:prstGeom prst="rect">
+            <a:avLst/>
+          </a:prstGeom>
+        </p:spPr>
+        <p:txBody>
+          <a:bodyPr wrap="square">
+            <a:spAutoFit/>
+          </a:bodyPr>
+          <a:lstStyle/>
+          <a:p>
+            <a:r>
+              <a:rPr lang="ru-RU" sz="3600" dirty="0"/>
+              <a:t>Выражение </a:t>
+            </a:r>
+            <a:r>
+              <a:rPr lang="ru-RU" sz="3600" dirty="0" err="1">
+                <a:solidFill>
+                  <a:schemeClr val="accent1"/>
+                </a:solidFill>
+              </a:rPr>
+              <a:t>lambda</a:t>
+            </a:r>
+            <a:r>
+              <a:rPr lang="ru-RU" sz="3600" dirty="0">
+                <a:solidFill>
+                  <a:schemeClr val="accent1"/>
+                </a:solidFill>
+              </a:rPr>
+              <a:t> </a:t>
+            </a:r>
+            <a:r>
+              <a:rPr lang="ru-RU" sz="3600" dirty="0"/>
+              <a:t>создает функцию, которая будет вызываться позднее, но в отличие от инструкции </a:t>
+            </a:r>
+            <a:r>
+              <a:rPr lang="ru-RU" sz="3600" dirty="0" err="1">
+                <a:solidFill>
+                  <a:schemeClr val="accent2"/>
+                </a:solidFill>
+              </a:rPr>
+              <a:t>def</a:t>
+            </a:r>
+            <a:r>
+              <a:rPr lang="ru-RU" sz="3600" dirty="0"/>
+              <a:t>, выражение </a:t>
+            </a:r>
+            <a:r>
+              <a:rPr lang="ru-RU" sz="3600" u="sng" dirty="0"/>
+              <a:t>возвращает</a:t>
+            </a:r>
+            <a:r>
+              <a:rPr lang="ru-RU" sz="3600" dirty="0"/>
+              <a:t> функцию, а не связывает ее с именем</a:t>
+            </a:r>
+            <a:r>
+              <a:rPr lang="ru-RU" sz="3600" dirty="0" smtClean="0"/>
+              <a:t>.</a:t>
+            </a:r>
+            <a:endParaRPr lang="en-US" sz="3600" dirty="0" smtClean="0"/>
+          </a:p>
+          <a:p>
+            <a:endParaRPr lang="en-US" sz="3600" dirty="0"/>
+          </a:p>
+          <a:p>
+            <a:endParaRPr lang="en-US" sz="3600" dirty="0" smtClean="0"/>
+          </a:p>
+          <a:p>
+            <a:endParaRPr lang="en-US" sz="3600" dirty="0"/>
+          </a:p>
+          <a:p>
+            <a:r>
+              <a:rPr lang="ru-RU" sz="3600" dirty="0" err="1">
+                <a:solidFill>
+                  <a:schemeClr val="accent1"/>
+                </a:solidFill>
+              </a:rPr>
+              <a:t>lambda</a:t>
+            </a:r>
+            <a:r>
+              <a:rPr lang="ru-RU" sz="3600" dirty="0"/>
+              <a:t> - анонимны, то есть без имени. На практике они часто используются, как способ получить встроенную функцию  или отложить выполнение  фрагмента программного кода.</a:t>
+            </a:r>
+            <a:endParaRPr lang="ru-RU" sz="3600" dirty="0"/>
+          </a:p>
+        </p:txBody>
+      </p:sp>
+    </p:spTree>
+    <p:extLst>
+      <p:ext uri="{BB962C8B-B14F-4D97-AF65-F5344CB8AC3E}">
+        <p14:creationId xmlns:p14="http://schemas.microsoft.com/office/powerpoint/2010/main" val="2378133284"/>
+      </p:ext>
+    </p:extLst>
+  </p:cSld>
+  <p:clrMapOvr>
+    <a:masterClrMapping/>
+  </p:clrMapOvr>
+  <p:timing>
+    <p:tnLst>
+      <p:par>
+        <p:cTn id="1" dur="indefinite" restart="never" nodeType="tmRoot"/>
+      </p:par>
+    </p:tnLst>
+  </p:timing>
+</p:sld>
+</file>
+
+<file path=ppt/slides/slide28.xml><?xml version="1.0" encoding="utf-8"?>
+<p:sld xmlns:a="http://schemas.openxmlformats.org/drawingml/2006/main" xmlns:r="http://schemas.openxmlformats.org/officeDocument/2006/relationships" xmlns:p="http://schemas.openxmlformats.org/presentationml/2006/main">
+  <p:cSld>
+    <p:spTree>
+      <p:nvGrpSpPr>
+        <p:cNvPr id="1" name="Shape 212"/>
+        <p:cNvGrpSpPr/>
+        <p:nvPr/>
+      </p:nvGrpSpPr>
+      <p:grpSpPr>
+        <a:xfrm>
+          <a:off x="0" y="0"/>
+          <a:ext cx="0" cy="0"/>
+          <a:chOff x="0" y="0"/>
+          <a:chExt cx="0" cy="0"/>
+        </a:xfrm>
+      </p:grpSpPr>
+      <p:sp>
+        <p:nvSpPr>
+          <p:cNvPr id="213" name="Shape 213"/>
+          <p:cNvSpPr txBox="1">
+            <a:spLocks noGrp="1"/>
+          </p:cNvSpPr>
+          <p:nvPr>
+            <p:ph type="title"/>
+          </p:nvPr>
+        </p:nvSpPr>
+        <p:spPr>
+          <a:xfrm>
+            <a:off x="1155700" y="241300"/>
+            <a:ext cx="13931900" cy="2298699"/>
+          </a:xfrm>
+          <a:prstGeom prst="rect">
+            <a:avLst/>
+          </a:prstGeom>
+          <a:noFill/>
+          <a:ln>
+            <a:noFill/>
+          </a:ln>
+        </p:spPr>
+        <p:txBody>
+          <a:bodyPr lIns="38100" tIns="38100" rIns="38100" bIns="38100" anchor="ctr" anchorCtr="0">
+            <a:noAutofit/>
+          </a:bodyPr>
+          <a:lstStyle/>
+          <a:p>
+            <a:r>
+              <a:rPr lang="ru-RU" sz="6600" dirty="0"/>
+              <a:t>Различия </a:t>
+            </a:r>
+            <a:r>
+              <a:rPr lang="ru-RU" sz="6600" dirty="0" err="1"/>
+              <a:t>lambda</a:t>
+            </a:r>
+            <a:r>
+              <a:rPr lang="ru-RU" sz="6600" dirty="0"/>
+              <a:t> от </a:t>
+            </a:r>
+            <a:r>
+              <a:rPr lang="ru-RU" sz="6600" dirty="0" err="1" smtClean="0"/>
+              <a:t>def</a:t>
+            </a:r>
+            <a:endParaRPr lang="ru-RU" sz="6600" dirty="0"/>
+          </a:p>
+        </p:txBody>
+      </p:sp>
+      <p:sp>
+        <p:nvSpPr>
+          <p:cNvPr id="229" name="Shape 229"/>
+          <p:cNvSpPr txBox="1"/>
+          <p:nvPr/>
+        </p:nvSpPr>
+        <p:spPr>
+          <a:xfrm>
+            <a:off x="5038725" y="2997200"/>
+            <a:ext cx="1409700" cy="622299"/>
+          </a:xfrm>
+          <a:prstGeom prst="rect">
+            <a:avLst/>
+          </a:prstGeom>
+          <a:noFill/>
+          <a:ln>
+            <a:noFill/>
+          </a:ln>
+        </p:spPr>
+        <p:txBody>
+          <a:bodyPr lIns="0" tIns="0" rIns="0" bIns="0" anchor="ctr" anchorCtr="0">
+            <a:noAutofit/>
+          </a:bodyPr>
+          <a:lstStyle/>
+          <a:p>
+            <a:pPr marL="0" marR="0" lvl="0" indent="0" algn="ctr" rtl="0">
+              <a:lnSpc>
+                <a:spcPct val="100000"/>
+              </a:lnSpc>
+              <a:spcBef>
+                <a:spcPts val="0"/>
+              </a:spcBef>
+              <a:spcAft>
+                <a:spcPts val="0"/>
+              </a:spcAft>
+              <a:buClr>
+                <a:schemeClr val="lt1"/>
+              </a:buClr>
+              <a:buSzPct val="25000"/>
+              <a:buFont typeface="Cabin"/>
+              <a:buNone/>
+            </a:pPr>
+            <a:r>
+              <a:rPr lang="en-US" sz="3600" b="0" i="0" u="none" strike="noStrike" cap="none">
+                <a:solidFill>
+                  <a:schemeClr val="lt1"/>
+                </a:solidFill>
+                <a:latin typeface="Cabin"/>
+                <a:ea typeface="Cabin"/>
+                <a:cs typeface="Cabin"/>
+                <a:sym typeface="Cabin"/>
+              </a:rPr>
+              <a:t>hello():</a:t>
+            </a:r>
+          </a:p>
+        </p:txBody>
+      </p:sp>
+      <p:sp>
+        <p:nvSpPr>
+          <p:cNvPr id="5" name="Прямоугольник 4"/>
+          <p:cNvSpPr/>
+          <p:nvPr/>
+        </p:nvSpPr>
+        <p:spPr>
+          <a:xfrm>
+            <a:off x="965200" y="2539999"/>
+            <a:ext cx="14782800" cy="5632311"/>
+          </a:xfrm>
+          <a:prstGeom prst="rect">
+            <a:avLst/>
+          </a:prstGeom>
+        </p:spPr>
+        <p:txBody>
+          <a:bodyPr wrap="square">
+            <a:spAutoFit/>
+          </a:bodyPr>
+          <a:lstStyle/>
+          <a:p>
+            <a:r>
+              <a:rPr lang="ru-RU" sz="3600" dirty="0" err="1" smtClean="0"/>
+              <a:t>lambda</a:t>
+            </a:r>
+            <a:r>
+              <a:rPr lang="ru-RU" sz="3600" dirty="0" smtClean="0"/>
+              <a:t> </a:t>
+            </a:r>
+            <a:r>
+              <a:rPr lang="ru-RU" sz="3600" dirty="0"/>
+              <a:t>– это выражение, а не инструкция. По этой причине ключевое слово </a:t>
+            </a:r>
+            <a:r>
+              <a:rPr lang="ru-RU" sz="3600" dirty="0" err="1"/>
+              <a:t>lambda</a:t>
+            </a:r>
+            <a:r>
+              <a:rPr lang="ru-RU" sz="3600" dirty="0"/>
+              <a:t>  может  появляться там, где синтаксис  языка  </a:t>
+            </a:r>
+            <a:r>
+              <a:rPr lang="ru-RU" sz="3600" dirty="0" err="1"/>
+              <a:t>Python</a:t>
+            </a:r>
+            <a:r>
+              <a:rPr lang="ru-RU" sz="3600" dirty="0"/>
+              <a:t> не позволяет использовать инструкцию </a:t>
+            </a:r>
+            <a:r>
+              <a:rPr lang="ru-RU" sz="3600" dirty="0" err="1"/>
+              <a:t>def</a:t>
+            </a:r>
+            <a:r>
+              <a:rPr lang="ru-RU" sz="3600" dirty="0"/>
+              <a:t>, – внутри литералов или в вызовах функций, например.</a:t>
+            </a:r>
+          </a:p>
+          <a:p>
+            <a:endParaRPr lang="ru-RU" sz="3600" dirty="0"/>
+          </a:p>
+          <a:p>
+            <a:r>
+              <a:rPr lang="en-US" sz="3600" dirty="0" smtClean="0"/>
+              <a:t>T</a:t>
+            </a:r>
+            <a:r>
+              <a:rPr lang="ru-RU" sz="3600" dirty="0" smtClean="0"/>
+              <a:t>ело  </a:t>
+            </a:r>
+            <a:r>
+              <a:rPr lang="ru-RU" sz="3600" dirty="0" err="1"/>
+              <a:t>lambda</a:t>
+            </a:r>
+            <a:r>
+              <a:rPr lang="ru-RU" sz="3600" dirty="0"/>
+              <a:t> – это не блок инструкций, а единственное выражение.  Тело</a:t>
+            </a:r>
+          </a:p>
+          <a:p>
+            <a:r>
+              <a:rPr lang="ru-RU" sz="3600" dirty="0" err="1"/>
+              <a:t>lambda</a:t>
+            </a:r>
+            <a:r>
+              <a:rPr lang="ru-RU" sz="3600" dirty="0"/>
+              <a:t>-выражения сродни тому, что вы помещаете в инструкцию </a:t>
+            </a:r>
+            <a:r>
+              <a:rPr lang="ru-RU" sz="3600" dirty="0" err="1"/>
+              <a:t>return</a:t>
+            </a:r>
+            <a:r>
+              <a:rPr lang="ru-RU" sz="3600" dirty="0"/>
+              <a:t> внутри определения </a:t>
+            </a:r>
+            <a:r>
+              <a:rPr lang="ru-RU" sz="3600" dirty="0" err="1"/>
+              <a:t>def</a:t>
+            </a:r>
+            <a:r>
+              <a:rPr lang="ru-RU" sz="3600" dirty="0"/>
+              <a:t>, – вы просто вводите результат в виде выражения вместо  его явного  возврата.</a:t>
+            </a:r>
+            <a:endParaRPr lang="ru-RU" sz="3600" dirty="0"/>
+          </a:p>
+        </p:txBody>
+      </p:sp>
+    </p:spTree>
+    <p:extLst>
+      <p:ext uri="{BB962C8B-B14F-4D97-AF65-F5344CB8AC3E}">
+        <p14:creationId xmlns:p14="http://schemas.microsoft.com/office/powerpoint/2010/main" val="2415922804"/>
+      </p:ext>
+    </p:extLst>
+  </p:cSld>
+  <p:clrMapOvr>
+    <a:masterClrMapping/>
+  </p:clrMapOvr>
+  <p:timing>
+    <p:tnLst>
+      <p:par>
+        <p:cTn id="1" dur="indefinite" restart="never" nodeType="tmRoot"/>
+      </p:par>
+    </p:tnLst>
+  </p:timing>
+</p:sld>
+</file>
+
+<file path=ppt/slides/slide29.xml><?xml version="1.0" encoding="utf-8"?>
+<p:sld xmlns:a="http://schemas.openxmlformats.org/drawingml/2006/main" xmlns:r="http://schemas.openxmlformats.org/officeDocument/2006/relationships" xmlns:p="http://schemas.openxmlformats.org/presentationml/2006/main">
+  <p:cSld>
+    <p:spTree>
+      <p:nvGrpSpPr>
+        <p:cNvPr id="1" name="Shape 212"/>
+        <p:cNvGrpSpPr/>
+        <p:nvPr/>
+      </p:nvGrpSpPr>
+      <p:grpSpPr>
+        <a:xfrm>
+          <a:off x="0" y="0"/>
+          <a:ext cx="0" cy="0"/>
+          <a:chOff x="0" y="0"/>
+          <a:chExt cx="0" cy="0"/>
+        </a:xfrm>
+      </p:grpSpPr>
+      <p:sp>
+        <p:nvSpPr>
+          <p:cNvPr id="213" name="Shape 213"/>
+          <p:cNvSpPr txBox="1">
+            <a:spLocks noGrp="1"/>
+          </p:cNvSpPr>
+          <p:nvPr>
+            <p:ph type="title"/>
+          </p:nvPr>
+        </p:nvSpPr>
+        <p:spPr>
+          <a:xfrm>
+            <a:off x="1155700" y="241300"/>
+            <a:ext cx="13931900" cy="2298699"/>
+          </a:xfrm>
+          <a:prstGeom prst="rect">
+            <a:avLst/>
+          </a:prstGeom>
+          <a:noFill/>
+          <a:ln>
+            <a:noFill/>
+          </a:ln>
+        </p:spPr>
+        <p:txBody>
+          <a:bodyPr lIns="38100" tIns="38100" rIns="38100" bIns="38100" anchor="ctr" anchorCtr="0">
+            <a:noAutofit/>
+          </a:bodyPr>
+          <a:lstStyle/>
+          <a:p>
+            <a:pPr marL="0" marR="0" lvl="0" indent="0" algn="ctr" rtl="0">
+              <a:lnSpc>
+                <a:spcPct val="100000"/>
+              </a:lnSpc>
+              <a:spcBef>
+                <a:spcPts val="0"/>
+              </a:spcBef>
+              <a:spcAft>
+                <a:spcPts val="0"/>
+              </a:spcAft>
+              <a:buClr>
+                <a:schemeClr val="lt1"/>
+              </a:buClr>
+              <a:buSzPct val="25000"/>
+              <a:buFont typeface="Cabin"/>
+              <a:buNone/>
+            </a:pPr>
+            <a:r>
+              <a:rPr lang="ru-RU" sz="6600" dirty="0" smtClean="0">
+                <a:solidFill>
+                  <a:schemeClr val="bg2"/>
+                </a:solidFill>
+                <a:latin typeface="Cabin"/>
+                <a:ea typeface="Cabin"/>
+                <a:cs typeface="Cabin"/>
+                <a:sym typeface="Cabin"/>
+              </a:rPr>
+              <a:t>Функция как объект</a:t>
+            </a:r>
+            <a:endParaRPr lang="en-US" sz="6600" dirty="0">
+              <a:solidFill>
+                <a:schemeClr val="bg2"/>
+              </a:solidFill>
+              <a:latin typeface="Cabin"/>
+              <a:ea typeface="Cabin"/>
+              <a:cs typeface="Cabin"/>
+              <a:sym typeface="Cabin"/>
+            </a:endParaRPr>
+          </a:p>
+        </p:txBody>
+      </p:sp>
+      <p:sp>
+        <p:nvSpPr>
+          <p:cNvPr id="229" name="Shape 229"/>
+          <p:cNvSpPr txBox="1"/>
+          <p:nvPr/>
+        </p:nvSpPr>
+        <p:spPr>
+          <a:xfrm>
+            <a:off x="5038725" y="2997200"/>
+            <a:ext cx="1409700" cy="622299"/>
+          </a:xfrm>
+          <a:prstGeom prst="rect">
+            <a:avLst/>
+          </a:prstGeom>
+          <a:noFill/>
+          <a:ln>
+            <a:noFill/>
+          </a:ln>
+        </p:spPr>
+        <p:txBody>
+          <a:bodyPr lIns="0" tIns="0" rIns="0" bIns="0" anchor="ctr" anchorCtr="0">
+            <a:noAutofit/>
+          </a:bodyPr>
+          <a:lstStyle/>
+          <a:p>
+            <a:pPr marL="0" marR="0" lvl="0" indent="0" algn="ctr" rtl="0">
+              <a:lnSpc>
+                <a:spcPct val="100000"/>
+              </a:lnSpc>
+              <a:spcBef>
+                <a:spcPts val="0"/>
+              </a:spcBef>
+              <a:spcAft>
+                <a:spcPts val="0"/>
+              </a:spcAft>
+              <a:buClr>
+                <a:schemeClr val="lt1"/>
+              </a:buClr>
+              <a:buSzPct val="25000"/>
+              <a:buFont typeface="Cabin"/>
+              <a:buNone/>
+            </a:pPr>
+            <a:r>
+              <a:rPr lang="en-US" sz="3600" b="0" i="0" u="none" strike="noStrike" cap="none">
+                <a:solidFill>
+                  <a:schemeClr val="lt1"/>
+                </a:solidFill>
+                <a:latin typeface="Cabin"/>
+                <a:ea typeface="Cabin"/>
+                <a:cs typeface="Cabin"/>
+                <a:sym typeface="Cabin"/>
+              </a:rPr>
+              <a:t>hello():</a:t>
+            </a:r>
+          </a:p>
+        </p:txBody>
+      </p:sp>
+    </p:spTree>
+    <p:extLst>
+      <p:ext uri="{BB962C8B-B14F-4D97-AF65-F5344CB8AC3E}">
+        <p14:creationId xmlns:p14="http://schemas.microsoft.com/office/powerpoint/2010/main" val="1486686822"/>
       </p:ext>
     </p:extLst>
   </p:cSld>
@@ -29149,43 +30635,7 @@
                 <a:cs typeface="Cabin"/>
                 <a:sym typeface="Cabin"/>
               </a:rPr>
-              <a:t>. Обычная ставка </a:t>
-            </a:r>
-            <a:r>
-              <a:rPr kumimoji="0" lang="ru-RU" sz="3400" b="0" i="0" u="none" strike="noStrike" kern="0" cap="none" spc="0" normalizeH="0" baseline="0" noProof="0" dirty="0" smtClean="0">
-                <a:ln>
-                  <a:noFill/>
-                </a:ln>
-                <a:solidFill>
-                  <a:srgbClr val="000000"/>
-                </a:solidFill>
-                <a:effectLst/>
-                <a:uLnTx/>
-                <a:uFillTx/>
-                <a:latin typeface="Cabin"/>
-                <a:ea typeface="Cabin"/>
-                <a:cs typeface="Cabin"/>
-                <a:sym typeface="Cabin"/>
-              </a:rPr>
-              <a:t>рассчитывается </a:t>
-            </a:r>
-            <a:r>
-              <a:rPr kumimoji="0" lang="ru-RU" sz="3400" b="0" i="0" u="none" strike="noStrike" kern="0" cap="none" spc="0" normalizeH="0" baseline="0" noProof="0" dirty="0" smtClean="0">
-                <a:ln>
-                  <a:noFill/>
-                </a:ln>
-                <a:solidFill>
-                  <a:srgbClr val="000000"/>
-                </a:solidFill>
-                <a:effectLst/>
-                <a:uLnTx/>
-                <a:uFillTx/>
-                <a:latin typeface="Cabin"/>
-                <a:ea typeface="Cabin"/>
-                <a:cs typeface="Cabin"/>
-                <a:sym typeface="Cabin"/>
-              </a:rPr>
-              <a:t>исходя из 40-часовой рабочей недели.</a:t>
+              <a:t>. Обычная ставка рассчитывается исходя из 40-часовой рабочей недели.</a:t>
             </a:r>
             <a:endParaRPr kumimoji="0" lang="en-US" sz="3400" b="0" i="0" u="none" strike="noStrike" kern="0" cap="none" spc="0" normalizeH="0" baseline="0" noProof="0" dirty="0" smtClean="0">
               <a:ln>
@@ -29867,6 +31317,170 @@
 </file>
 
 <file path=ppt/slides/slide30.xml><?xml version="1.0" encoding="utf-8"?>
+<p:sld xmlns:a="http://schemas.openxmlformats.org/drawingml/2006/main" xmlns:r="http://schemas.openxmlformats.org/officeDocument/2006/relationships" xmlns:p="http://schemas.openxmlformats.org/presentationml/2006/main">
+  <p:cSld>
+    <p:spTree>
+      <p:nvGrpSpPr>
+        <p:cNvPr id="1" name="Shape 212"/>
+        <p:cNvGrpSpPr/>
+        <p:nvPr/>
+      </p:nvGrpSpPr>
+      <p:grpSpPr>
+        <a:xfrm>
+          <a:off x="0" y="0"/>
+          <a:ext cx="0" cy="0"/>
+          <a:chOff x="0" y="0"/>
+          <a:chExt cx="0" cy="0"/>
+        </a:xfrm>
+      </p:grpSpPr>
+      <p:sp>
+        <p:nvSpPr>
+          <p:cNvPr id="213" name="Shape 213"/>
+          <p:cNvSpPr txBox="1">
+            <a:spLocks noGrp="1"/>
+          </p:cNvSpPr>
+          <p:nvPr>
+            <p:ph type="title"/>
+          </p:nvPr>
+        </p:nvSpPr>
+        <p:spPr>
+          <a:xfrm>
+            <a:off x="1155700" y="241300"/>
+            <a:ext cx="13931900" cy="2298699"/>
+          </a:xfrm>
+          <a:prstGeom prst="rect">
+            <a:avLst/>
+          </a:prstGeom>
+          <a:noFill/>
+          <a:ln>
+            <a:noFill/>
+          </a:ln>
+        </p:spPr>
+        <p:txBody>
+          <a:bodyPr lIns="38100" tIns="38100" rIns="38100" bIns="38100" anchor="ctr" anchorCtr="0">
+            <a:noAutofit/>
+          </a:bodyPr>
+          <a:lstStyle/>
+          <a:p>
+            <a:pPr marL="0" marR="0" lvl="0" indent="0" algn="ctr" rtl="0">
+              <a:lnSpc>
+                <a:spcPct val="100000"/>
+              </a:lnSpc>
+              <a:spcBef>
+                <a:spcPts val="0"/>
+              </a:spcBef>
+              <a:spcAft>
+                <a:spcPts val="0"/>
+              </a:spcAft>
+              <a:buClr>
+                <a:schemeClr val="lt1"/>
+              </a:buClr>
+              <a:buSzPct val="25000"/>
+              <a:buFont typeface="Cabin"/>
+              <a:buNone/>
+            </a:pPr>
+            <a:r>
+              <a:rPr lang="ru-RU" sz="6600" dirty="0" smtClean="0">
+                <a:solidFill>
+                  <a:schemeClr val="bg2"/>
+                </a:solidFill>
+                <a:latin typeface="Cabin"/>
+                <a:ea typeface="Cabin"/>
+                <a:cs typeface="Cabin"/>
+                <a:sym typeface="Cabin"/>
+              </a:rPr>
+              <a:t>Передача функции в другую функцию</a:t>
+            </a:r>
+            <a:endParaRPr lang="en-US" sz="6600" dirty="0">
+              <a:solidFill>
+                <a:schemeClr val="bg2"/>
+              </a:solidFill>
+              <a:latin typeface="Cabin"/>
+              <a:ea typeface="Cabin"/>
+              <a:cs typeface="Cabin"/>
+              <a:sym typeface="Cabin"/>
+            </a:endParaRPr>
+          </a:p>
+        </p:txBody>
+      </p:sp>
+      <p:sp>
+        <p:nvSpPr>
+          <p:cNvPr id="229" name="Shape 229"/>
+          <p:cNvSpPr txBox="1"/>
+          <p:nvPr/>
+        </p:nvSpPr>
+        <p:spPr>
+          <a:xfrm>
+            <a:off x="5038725" y="2997200"/>
+            <a:ext cx="1409700" cy="622299"/>
+          </a:xfrm>
+          <a:prstGeom prst="rect">
+            <a:avLst/>
+          </a:prstGeom>
+          <a:noFill/>
+          <a:ln>
+            <a:noFill/>
+          </a:ln>
+        </p:spPr>
+        <p:txBody>
+          <a:bodyPr lIns="0" tIns="0" rIns="0" bIns="0" anchor="ctr" anchorCtr="0">
+            <a:noAutofit/>
+          </a:bodyPr>
+          <a:lstStyle/>
+          <a:p>
+            <a:pPr marL="0" marR="0" lvl="0" indent="0" algn="ctr" rtl="0">
+              <a:lnSpc>
+                <a:spcPct val="100000"/>
+              </a:lnSpc>
+              <a:spcBef>
+                <a:spcPts val="0"/>
+              </a:spcBef>
+              <a:spcAft>
+                <a:spcPts val="0"/>
+              </a:spcAft>
+              <a:buClr>
+                <a:schemeClr val="lt1"/>
+              </a:buClr>
+              <a:buSzPct val="25000"/>
+              <a:buFont typeface="Cabin"/>
+              <a:buNone/>
+            </a:pPr>
+            <a:r>
+              <a:rPr lang="en-US" sz="3600" b="0" i="0" u="none" strike="noStrike" cap="none">
+                <a:solidFill>
+                  <a:schemeClr val="lt1"/>
+                </a:solidFill>
+                <a:latin typeface="Cabin"/>
+                <a:ea typeface="Cabin"/>
+                <a:cs typeface="Cabin"/>
+                <a:sym typeface="Cabin"/>
+              </a:rPr>
+              <a:t>hello():</a:t>
+            </a:r>
+          </a:p>
+        </p:txBody>
+      </p:sp>
+    </p:spTree>
+    <p:extLst>
+      <p:ext uri="{BB962C8B-B14F-4D97-AF65-F5344CB8AC3E}">
+        <p14:creationId xmlns:p14="http://schemas.microsoft.com/office/powerpoint/2010/main" val="3057002623"/>
+      </p:ext>
+    </p:extLst>
+  </p:cSld>
+  <p:clrMapOvr>
+    <a:masterClrMapping/>
+  </p:clrMapOvr>
+  <p:timing>
+    <p:tnLst>
+      <p:par>
+        <p:cTn id="1" dur="indefinite" restart="never" nodeType="tmRoot"/>
+      </p:par>
+    </p:tnLst>
+  </p:timing>
+</p:sld>
+</file>
+
+<file path=ppt/slides/slide31.xml><?xml version="1.0" encoding="utf-8"?>
 <p:sld xmlns:a="http://schemas.openxmlformats.org/drawingml/2006/main" xmlns:r="http://schemas.openxmlformats.org/officeDocument/2006/relationships" xmlns:p="http://schemas.openxmlformats.org/presentationml/2006/main">
   <p:cSld>
     <p:bg>
@@ -30005,7 +31619,7 @@
 </p:sld>
 </file>
 
-<file path=ppt/slides/slide31.xml><?xml version="1.0" encoding="utf-8"?>
+<file path=ppt/slides/slide32.xml><?xml version="1.0" encoding="utf-8"?>
 <p:sld xmlns:a="http://schemas.openxmlformats.org/drawingml/2006/main" xmlns:r="http://schemas.openxmlformats.org/officeDocument/2006/relationships" xmlns:p="http://schemas.openxmlformats.org/presentationml/2006/main">
   <p:cSld>
     <p:spTree>
@@ -31677,16 +33291,6 @@
               </a:rPr>
               <a:t>#</a:t>
             </a:r>
-            <a:endParaRPr lang="en-US" sz="3200" dirty="0">
-              <a:solidFill>
-                <a:schemeClr val="tx1"/>
-              </a:solidFill>
-              <a:highlight>
-                <a:srgbClr val="FFFFFF"/>
-              </a:highlight>
-              <a:latin typeface="Courier New" pitchFamily="49" charset="0"/>
-              <a:cs typeface="Courier New" pitchFamily="49" charset="0"/>
-            </a:endParaRPr>
           </a:p>
           <a:p>
             <a:r>
@@ -33547,6 +35151,110 @@
               </a:rPr>
               <a:t>#</a:t>
             </a:r>
+          </a:p>
+          <a:p>
+            <a:r>
+              <a:rPr lang="en-US" sz="3200" dirty="0">
+                <a:highlight>
+                  <a:srgbClr val="FFFFFF"/>
+                </a:highlight>
+                <a:latin typeface="Courier New" pitchFamily="49" charset="0"/>
+                <a:cs typeface="Courier New" pitchFamily="49" charset="0"/>
+              </a:rPr>
+              <a:t>...     x2 = (-</a:t>
+            </a:r>
+            <a:r>
+              <a:rPr lang="en-US" sz="3200" dirty="0">
+                <a:solidFill>
+                  <a:srgbClr val="00B050"/>
+                </a:solidFill>
+                <a:highlight>
+                  <a:srgbClr val="FFFFFF"/>
+                </a:highlight>
+                <a:latin typeface="Courier New" pitchFamily="49" charset="0"/>
+                <a:cs typeface="Courier New" pitchFamily="49" charset="0"/>
+              </a:rPr>
+              <a:t>b</a:t>
+            </a:r>
+            <a:r>
+              <a:rPr lang="en-US" sz="3200" dirty="0">
+                <a:highlight>
+                  <a:srgbClr val="FFFFFF"/>
+                </a:highlight>
+                <a:latin typeface="Courier New" pitchFamily="49" charset="0"/>
+                <a:cs typeface="Courier New" pitchFamily="49" charset="0"/>
+              </a:rPr>
+              <a:t> - </a:t>
+            </a:r>
+            <a:r>
+              <a:rPr lang="en-US" sz="3200" dirty="0" err="1">
+                <a:solidFill>
+                  <a:srgbClr val="00B0F0"/>
+                </a:solidFill>
+                <a:highlight>
+                  <a:srgbClr val="FFFFFF"/>
+                </a:highlight>
+                <a:latin typeface="Courier New" pitchFamily="49" charset="0"/>
+                <a:cs typeface="Courier New" pitchFamily="49" charset="0"/>
+              </a:rPr>
+              <a:t>math</a:t>
+            </a:r>
+            <a:r>
+              <a:rPr lang="en-US" sz="3200" dirty="0" err="1">
+                <a:highlight>
+                  <a:srgbClr val="FFFFFF"/>
+                </a:highlight>
+                <a:latin typeface="Courier New" pitchFamily="49" charset="0"/>
+                <a:cs typeface="Courier New" pitchFamily="49" charset="0"/>
+              </a:rPr>
+              <a:t>.sqrt</a:t>
+            </a:r>
+            <a:r>
+              <a:rPr lang="en-US" sz="3200" dirty="0">
+                <a:highlight>
+                  <a:srgbClr val="FFFFFF"/>
+                </a:highlight>
+                <a:latin typeface="Courier New" pitchFamily="49" charset="0"/>
+                <a:cs typeface="Courier New" pitchFamily="49" charset="0"/>
+              </a:rPr>
+              <a:t>(D))/(2*</a:t>
+            </a:r>
+            <a:r>
+              <a:rPr lang="en-US" sz="3200" dirty="0">
+                <a:solidFill>
+                  <a:srgbClr val="FFC000"/>
+                </a:solidFill>
+                <a:highlight>
+                  <a:srgbClr val="FFFFFF"/>
+                </a:highlight>
+                <a:latin typeface="Courier New" pitchFamily="49" charset="0"/>
+                <a:cs typeface="Courier New" pitchFamily="49" charset="0"/>
+              </a:rPr>
+              <a:t>a</a:t>
+            </a:r>
+            <a:r>
+              <a:rPr lang="en-US" sz="3200" dirty="0" smtClean="0">
+                <a:highlight>
+                  <a:srgbClr val="FFFFFF"/>
+                </a:highlight>
+                <a:latin typeface="Courier New" pitchFamily="49" charset="0"/>
+                <a:cs typeface="Courier New" pitchFamily="49" charset="0"/>
+              </a:rPr>
+              <a:t>) </a:t>
+            </a:r>
+            <a:r>
+              <a:rPr lang="en-US" sz="3200" dirty="0" smtClean="0">
+                <a:solidFill>
+                  <a:schemeClr val="tx1"/>
+                </a:solidFill>
+                <a:highlight>
+                  <a:srgbClr val="FFFFFF"/>
+                </a:highlight>
+                <a:latin typeface="Courier New" pitchFamily="49" charset="0"/>
+                <a:cs typeface="Courier New" pitchFamily="49" charset="0"/>
+              </a:rPr>
+              <a:t>#</a:t>
+            </a:r>
             <a:endParaRPr lang="en-US" sz="3200" dirty="0">
               <a:solidFill>
                 <a:schemeClr val="tx1"/>
@@ -33567,120 +35275,6 @@
                 <a:latin typeface="Courier New" pitchFamily="49" charset="0"/>
                 <a:cs typeface="Courier New" pitchFamily="49" charset="0"/>
               </a:rPr>
-              <a:t>...     x2 = (-</a:t>
-            </a:r>
-            <a:r>
-              <a:rPr lang="en-US" sz="3200" dirty="0">
-                <a:solidFill>
-                  <a:srgbClr val="00B050"/>
-                </a:solidFill>
-                <a:highlight>
-                  <a:srgbClr val="FFFFFF"/>
-                </a:highlight>
-                <a:latin typeface="Courier New" pitchFamily="49" charset="0"/>
-                <a:cs typeface="Courier New" pitchFamily="49" charset="0"/>
-              </a:rPr>
-              <a:t>b</a:t>
-            </a:r>
-            <a:r>
-              <a:rPr lang="en-US" sz="3200" dirty="0">
-                <a:highlight>
-                  <a:srgbClr val="FFFFFF"/>
-                </a:highlight>
-                <a:latin typeface="Courier New" pitchFamily="49" charset="0"/>
-                <a:cs typeface="Courier New" pitchFamily="49" charset="0"/>
-              </a:rPr>
-              <a:t> - </a:t>
-            </a:r>
-            <a:r>
-              <a:rPr lang="en-US" sz="3200" dirty="0" err="1">
-                <a:solidFill>
-                  <a:srgbClr val="00B0F0"/>
-                </a:solidFill>
-                <a:highlight>
-                  <a:srgbClr val="FFFFFF"/>
-                </a:highlight>
-                <a:latin typeface="Courier New" pitchFamily="49" charset="0"/>
-                <a:cs typeface="Courier New" pitchFamily="49" charset="0"/>
-              </a:rPr>
-              <a:t>math</a:t>
-            </a:r>
-            <a:r>
-              <a:rPr lang="en-US" sz="3200" dirty="0" err="1">
-                <a:highlight>
-                  <a:srgbClr val="FFFFFF"/>
-                </a:highlight>
-                <a:latin typeface="Courier New" pitchFamily="49" charset="0"/>
-                <a:cs typeface="Courier New" pitchFamily="49" charset="0"/>
-              </a:rPr>
-              <a:t>.sqrt</a:t>
-            </a:r>
-            <a:r>
-              <a:rPr lang="en-US" sz="3200" dirty="0">
-                <a:highlight>
-                  <a:srgbClr val="FFFFFF"/>
-                </a:highlight>
-                <a:latin typeface="Courier New" pitchFamily="49" charset="0"/>
-                <a:cs typeface="Courier New" pitchFamily="49" charset="0"/>
-              </a:rPr>
-              <a:t>(D))/(2*</a:t>
-            </a:r>
-            <a:r>
-              <a:rPr lang="en-US" sz="3200" dirty="0">
-                <a:solidFill>
-                  <a:srgbClr val="FFC000"/>
-                </a:solidFill>
-                <a:highlight>
-                  <a:srgbClr val="FFFFFF"/>
-                </a:highlight>
-                <a:latin typeface="Courier New" pitchFamily="49" charset="0"/>
-                <a:cs typeface="Courier New" pitchFamily="49" charset="0"/>
-              </a:rPr>
-              <a:t>a</a:t>
-            </a:r>
-            <a:r>
-              <a:rPr lang="en-US" sz="3200" dirty="0" smtClean="0">
-                <a:highlight>
-                  <a:srgbClr val="FFFFFF"/>
-                </a:highlight>
-                <a:latin typeface="Courier New" pitchFamily="49" charset="0"/>
-                <a:cs typeface="Courier New" pitchFamily="49" charset="0"/>
-              </a:rPr>
-              <a:t>) </a:t>
-            </a:r>
-            <a:r>
-              <a:rPr lang="en-US" sz="3200" dirty="0" smtClean="0">
-                <a:solidFill>
-                  <a:schemeClr val="tx1"/>
-                </a:solidFill>
-                <a:highlight>
-                  <a:srgbClr val="FFFFFF"/>
-                </a:highlight>
-                <a:latin typeface="Courier New" pitchFamily="49" charset="0"/>
-                <a:cs typeface="Courier New" pitchFamily="49" charset="0"/>
-              </a:rPr>
-              <a:t>#</a:t>
-            </a:r>
-            <a:endParaRPr lang="en-US" sz="3200" dirty="0">
-              <a:solidFill>
-                <a:schemeClr val="tx1"/>
-              </a:solidFill>
-              <a:highlight>
-                <a:srgbClr val="FFFFFF"/>
-              </a:highlight>
-              <a:latin typeface="Courier New" pitchFamily="49" charset="0"/>
-              <a:cs typeface="Courier New" pitchFamily="49" charset="0"/>
-            </a:endParaRPr>
-          </a:p>
-          <a:p>
-            <a:r>
-              <a:rPr lang="en-US" sz="3200" dirty="0">
-                <a:highlight>
-                  <a:srgbClr val="FFFFFF"/>
-                </a:highlight>
-                <a:latin typeface="Courier New" pitchFamily="49" charset="0"/>
-                <a:cs typeface="Courier New" pitchFamily="49" charset="0"/>
-              </a:rPr>
               <a:t>...     </a:t>
             </a:r>
             <a:r>
@@ -33722,17 +35316,7 @@
                 <a:latin typeface="Courier New" pitchFamily="49" charset="0"/>
                 <a:cs typeface="Courier New" pitchFamily="49" charset="0"/>
               </a:rPr>
-              <a:t>&gt;&gt;&gt; </a:t>
-            </a:r>
-            <a:r>
-              <a:rPr lang="en-US" sz="3200" dirty="0" smtClean="0">
-                <a:highlight>
-                  <a:srgbClr val="FFFFFF"/>
-                </a:highlight>
-                <a:latin typeface="Courier New" pitchFamily="49" charset="0"/>
-                <a:cs typeface="Courier New" pitchFamily="49" charset="0"/>
-              </a:rPr>
-              <a:t>x = </a:t>
+              <a:t>&gt;&gt;&gt; x = </a:t>
             </a:r>
             <a:r>
               <a:rPr lang="en-US" sz="3200" dirty="0" err="1" smtClean="0">
@@ -34811,19 +36395,7 @@
                 <a:cs typeface="Cabin"/>
                 <a:sym typeface="Cabin"/>
               </a:rPr>
-              <a:t>Глобальная </a:t>
-            </a:r>
-            <a:r>
-              <a:rPr lang="ru-RU" sz="6600" dirty="0" smtClean="0">
-                <a:solidFill>
-                  <a:schemeClr val="bg2"/>
-                </a:solidFill>
-                <a:latin typeface="Cabin"/>
-                <a:ea typeface="Cabin"/>
-                <a:cs typeface="Cabin"/>
-                <a:sym typeface="Cabin"/>
-              </a:rPr>
-              <a:t>области видимости</a:t>
+              <a:t>Глобальная области видимости</a:t>
             </a:r>
             <a:endParaRPr lang="en-US" sz="6600" dirty="0">
               <a:solidFill>
@@ -35488,31 +37060,7 @@
                 <a:cs typeface="Cabin"/>
                 <a:sym typeface="Cabin"/>
               </a:rPr>
-              <a:t>Локальная </a:t>
-            </a:r>
-            <a:r>
-              <a:rPr lang="ru-RU" sz="6600" dirty="0" smtClean="0">
-                <a:solidFill>
-                  <a:schemeClr val="bg2"/>
-                </a:solidFill>
-                <a:latin typeface="Cabin"/>
-                <a:ea typeface="Cabin"/>
-                <a:cs typeface="Cabin"/>
-                <a:sym typeface="Cabin"/>
-              </a:rPr>
-              <a:t>области </a:t>
-            </a:r>
-            <a:r>
-              <a:rPr lang="ru-RU" sz="6600" dirty="0" smtClean="0">
-                <a:solidFill>
-                  <a:schemeClr val="bg2"/>
-                </a:solidFill>
-                <a:latin typeface="Cabin"/>
-                <a:ea typeface="Cabin"/>
-                <a:cs typeface="Cabin"/>
-                <a:sym typeface="Cabin"/>
-              </a:rPr>
-              <a:t>видимости</a:t>
+              <a:t>Локальная области видимости</a:t>
             </a:r>
             <a:endParaRPr lang="en-US" sz="6600" dirty="0">
               <a:solidFill>

--- a/week04/08.Functions.pptx
+++ b/week04/08.Functions.pptx
@@ -7,7 +7,7 @@
     <p:sldMasterId id="2147483731" r:id="rId3"/>
   </p:sldMasterIdLst>
   <p:notesMasterIdLst>
-    <p:notesMasterId r:id="rId36"/>
+    <p:notesMasterId r:id="rId29"/>
   </p:notesMasterIdLst>
   <p:sldIdLst>
     <p:sldId id="285" r:id="rId4"/>
@@ -35,30 +35,23 @@
     <p:sldId id="340" r:id="rId26"/>
     <p:sldId id="347" r:id="rId27"/>
     <p:sldId id="345" r:id="rId28"/>
-    <p:sldId id="350" r:id="rId29"/>
-    <p:sldId id="351" r:id="rId30"/>
-    <p:sldId id="352" r:id="rId31"/>
-    <p:sldId id="348" r:id="rId32"/>
-    <p:sldId id="349" r:id="rId33"/>
-    <p:sldId id="325" r:id="rId34"/>
-    <p:sldId id="332" r:id="rId35"/>
   </p:sldIdLst>
   <p:sldSz cx="16256000" cy="9144000"/>
   <p:notesSz cx="6858000" cy="9144000"/>
   <p:embeddedFontLst>
     <p:embeddedFont>
-      <p:font typeface="Cabin" panose="020B0604020202020204" charset="0"/>
-      <p:regular r:id="rId37"/>
-      <p:bold r:id="rId38"/>
-      <p:italic r:id="rId39"/>
-      <p:boldItalic r:id="rId40"/>
+      <p:font typeface="Consolas" panose="020B0609020204030204" pitchFamily="49" charset="0"/>
+      <p:regular r:id="rId30"/>
+      <p:bold r:id="rId31"/>
+      <p:italic r:id="rId32"/>
+      <p:boldItalic r:id="rId33"/>
     </p:embeddedFont>
     <p:embeddedFont>
-      <p:font typeface="Consolas" panose="020B0609020204030204" pitchFamily="49" charset="0"/>
-      <p:regular r:id="rId41"/>
-      <p:bold r:id="rId42"/>
-      <p:italic r:id="rId43"/>
-      <p:boldItalic r:id="rId44"/>
+      <p:font typeface="Cabin" panose="020B0604020202020204" charset="0"/>
+      <p:regular r:id="rId34"/>
+      <p:bold r:id="rId35"/>
+      <p:italic r:id="rId36"/>
+      <p:boldItalic r:id="rId37"/>
     </p:embeddedFont>
   </p:embeddedFontLst>
   <p:defaultTextStyle>
@@ -265,7 +258,7 @@
   </p:defaultTextStyle>
   <p:extLst>
     <p:ext uri="{EFAFB233-063F-42B5-8137-9DF3F51BA10A}">
-      <p15:sldGuideLst xmlns="" xmlns:p15="http://schemas.microsoft.com/office/powerpoint/2012/main">
+      <p15:sldGuideLst xmlns:p15="http://schemas.microsoft.com/office/powerpoint/2012/main">
         <p15:guide id="1" orient="horz" pos="2880">
           <p15:clr>
             <a:srgbClr val="A4A3A4"/>
@@ -2188,666 +2181,6 @@
     <p:extLst>
       <p:ext uri="{BB962C8B-B14F-4D97-AF65-F5344CB8AC3E}">
         <p14:creationId xmlns:p14="http://schemas.microsoft.com/office/powerpoint/2010/main" val="3280648542"/>
-      </p:ext>
-    </p:extLst>
-  </p:cSld>
-  <p:clrMapOvr>
-    <a:masterClrMapping/>
-  </p:clrMapOvr>
-</p:notes>
-</file>
-
-<file path=ppt/notesSlides/notesSlide23.xml><?xml version="1.0" encoding="utf-8"?>
-<p:notes xmlns:a="http://schemas.openxmlformats.org/drawingml/2006/main" xmlns:r="http://schemas.openxmlformats.org/officeDocument/2006/relationships" xmlns:p="http://schemas.openxmlformats.org/presentationml/2006/main" showMasterSp="0" showMasterPhAnim="0">
-  <p:cSld>
-    <p:spTree>
-      <p:nvGrpSpPr>
-        <p:cNvPr id="1" name="Shape 209"/>
-        <p:cNvGrpSpPr/>
-        <p:nvPr/>
-      </p:nvGrpSpPr>
-      <p:grpSpPr>
-        <a:xfrm>
-          <a:off x="0" y="0"/>
-          <a:ext cx="0" cy="0"/>
-          <a:chOff x="0" y="0"/>
-          <a:chExt cx="0" cy="0"/>
-        </a:xfrm>
-      </p:grpSpPr>
-      <p:sp>
-        <p:nvSpPr>
-          <p:cNvPr id="210" name="Shape 210"/>
-          <p:cNvSpPr txBox="1">
-            <a:spLocks noGrp="1"/>
-          </p:cNvSpPr>
-          <p:nvPr>
-            <p:ph type="body" idx="1"/>
-          </p:nvPr>
-        </p:nvSpPr>
-        <p:spPr>
-          <a:xfrm>
-            <a:off x="685800" y="4343400"/>
-            <a:ext cx="5486399" cy="4114800"/>
-          </a:xfrm>
-          <a:prstGeom prst="rect">
-            <a:avLst/>
-          </a:prstGeom>
-          <a:noFill/>
-          <a:ln>
-            <a:noFill/>
-          </a:ln>
-        </p:spPr>
-        <p:txBody>
-          <a:bodyPr lIns="91425" tIns="91425" rIns="91425" bIns="91425" anchor="ctr" anchorCtr="0">
-            <a:noAutofit/>
-          </a:bodyPr>
-          <a:lstStyle/>
-          <a:p>
-            <a:pPr lvl="0">
-              <a:spcBef>
-                <a:spcPts val="0"/>
-              </a:spcBef>
-              <a:buNone/>
-            </a:pPr>
-            <a:endParaRPr/>
-          </a:p>
-        </p:txBody>
-      </p:sp>
-      <p:sp>
-        <p:nvSpPr>
-          <p:cNvPr id="211" name="Shape 211"/>
-          <p:cNvSpPr>
-            <a:spLocks noGrp="1" noRot="1" noChangeAspect="1"/>
-          </p:cNvSpPr>
-          <p:nvPr>
-            <p:ph type="sldImg" idx="2"/>
-          </p:nvPr>
-        </p:nvSpPr>
-        <p:spPr>
-          <a:xfrm>
-            <a:off x="381000" y="685800"/>
-            <a:ext cx="6096000" cy="3429000"/>
-          </a:xfrm>
-          <a:custGeom>
-            <a:avLst/>
-            <a:gdLst/>
-            <a:ahLst/>
-            <a:cxnLst/>
-            <a:rect l="0" t="0" r="0" b="0"/>
-            <a:pathLst>
-              <a:path w="120000" h="120000" extrusionOk="0">
-                <a:moveTo>
-                  <a:pt x="0" y="0"/>
-                </a:moveTo>
-                <a:lnTo>
-                  <a:pt x="120000" y="0"/>
-                </a:lnTo>
-                <a:lnTo>
-                  <a:pt x="120000" y="120000"/>
-                </a:lnTo>
-                <a:lnTo>
-                  <a:pt x="0" y="120000"/>
-                </a:lnTo>
-                <a:close/>
-              </a:path>
-            </a:pathLst>
-          </a:custGeom>
-        </p:spPr>
-      </p:sp>
-    </p:spTree>
-    <p:extLst>
-      <p:ext uri="{BB962C8B-B14F-4D97-AF65-F5344CB8AC3E}">
-        <p14:creationId xmlns:p14="http://schemas.microsoft.com/office/powerpoint/2010/main" val="3256884026"/>
-      </p:ext>
-    </p:extLst>
-  </p:cSld>
-  <p:clrMapOvr>
-    <a:masterClrMapping/>
-  </p:clrMapOvr>
-</p:notes>
-</file>
-
-<file path=ppt/notesSlides/notesSlide24.xml><?xml version="1.0" encoding="utf-8"?>
-<p:notes xmlns:a="http://schemas.openxmlformats.org/drawingml/2006/main" xmlns:r="http://schemas.openxmlformats.org/officeDocument/2006/relationships" xmlns:p="http://schemas.openxmlformats.org/presentationml/2006/main" showMasterSp="0" showMasterPhAnim="0">
-  <p:cSld>
-    <p:spTree>
-      <p:nvGrpSpPr>
-        <p:cNvPr id="1" name="Shape 209"/>
-        <p:cNvGrpSpPr/>
-        <p:nvPr/>
-      </p:nvGrpSpPr>
-      <p:grpSpPr>
-        <a:xfrm>
-          <a:off x="0" y="0"/>
-          <a:ext cx="0" cy="0"/>
-          <a:chOff x="0" y="0"/>
-          <a:chExt cx="0" cy="0"/>
-        </a:xfrm>
-      </p:grpSpPr>
-      <p:sp>
-        <p:nvSpPr>
-          <p:cNvPr id="210" name="Shape 210"/>
-          <p:cNvSpPr txBox="1">
-            <a:spLocks noGrp="1"/>
-          </p:cNvSpPr>
-          <p:nvPr>
-            <p:ph type="body" idx="1"/>
-          </p:nvPr>
-        </p:nvSpPr>
-        <p:spPr>
-          <a:xfrm>
-            <a:off x="685800" y="4343400"/>
-            <a:ext cx="5486399" cy="4114800"/>
-          </a:xfrm>
-          <a:prstGeom prst="rect">
-            <a:avLst/>
-          </a:prstGeom>
-          <a:noFill/>
-          <a:ln>
-            <a:noFill/>
-          </a:ln>
-        </p:spPr>
-        <p:txBody>
-          <a:bodyPr lIns="91425" tIns="91425" rIns="91425" bIns="91425" anchor="ctr" anchorCtr="0">
-            <a:noAutofit/>
-          </a:bodyPr>
-          <a:lstStyle/>
-          <a:p>
-            <a:pPr lvl="0">
-              <a:spcBef>
-                <a:spcPts val="0"/>
-              </a:spcBef>
-              <a:buNone/>
-            </a:pPr>
-            <a:endParaRPr/>
-          </a:p>
-        </p:txBody>
-      </p:sp>
-      <p:sp>
-        <p:nvSpPr>
-          <p:cNvPr id="211" name="Shape 211"/>
-          <p:cNvSpPr>
-            <a:spLocks noGrp="1" noRot="1" noChangeAspect="1"/>
-          </p:cNvSpPr>
-          <p:nvPr>
-            <p:ph type="sldImg" idx="2"/>
-          </p:nvPr>
-        </p:nvSpPr>
-        <p:spPr>
-          <a:xfrm>
-            <a:off x="381000" y="685800"/>
-            <a:ext cx="6096000" cy="3429000"/>
-          </a:xfrm>
-          <a:custGeom>
-            <a:avLst/>
-            <a:gdLst/>
-            <a:ahLst/>
-            <a:cxnLst/>
-            <a:rect l="0" t="0" r="0" b="0"/>
-            <a:pathLst>
-              <a:path w="120000" h="120000" extrusionOk="0">
-                <a:moveTo>
-                  <a:pt x="0" y="0"/>
-                </a:moveTo>
-                <a:lnTo>
-                  <a:pt x="120000" y="0"/>
-                </a:lnTo>
-                <a:lnTo>
-                  <a:pt x="120000" y="120000"/>
-                </a:lnTo>
-                <a:lnTo>
-                  <a:pt x="0" y="120000"/>
-                </a:lnTo>
-                <a:close/>
-              </a:path>
-            </a:pathLst>
-          </a:custGeom>
-        </p:spPr>
-      </p:sp>
-    </p:spTree>
-    <p:extLst>
-      <p:ext uri="{BB962C8B-B14F-4D97-AF65-F5344CB8AC3E}">
-        <p14:creationId xmlns:p14="http://schemas.microsoft.com/office/powerpoint/2010/main" val="878290099"/>
-      </p:ext>
-    </p:extLst>
-  </p:cSld>
-  <p:clrMapOvr>
-    <a:masterClrMapping/>
-  </p:clrMapOvr>
-</p:notes>
-</file>
-
-<file path=ppt/notesSlides/notesSlide25.xml><?xml version="1.0" encoding="utf-8"?>
-<p:notes xmlns:a="http://schemas.openxmlformats.org/drawingml/2006/main" xmlns:r="http://schemas.openxmlformats.org/officeDocument/2006/relationships" xmlns:p="http://schemas.openxmlformats.org/presentationml/2006/main" showMasterSp="0" showMasterPhAnim="0">
-  <p:cSld>
-    <p:spTree>
-      <p:nvGrpSpPr>
-        <p:cNvPr id="1" name="Shape 209"/>
-        <p:cNvGrpSpPr/>
-        <p:nvPr/>
-      </p:nvGrpSpPr>
-      <p:grpSpPr>
-        <a:xfrm>
-          <a:off x="0" y="0"/>
-          <a:ext cx="0" cy="0"/>
-          <a:chOff x="0" y="0"/>
-          <a:chExt cx="0" cy="0"/>
-        </a:xfrm>
-      </p:grpSpPr>
-      <p:sp>
-        <p:nvSpPr>
-          <p:cNvPr id="210" name="Shape 210"/>
-          <p:cNvSpPr txBox="1">
-            <a:spLocks noGrp="1"/>
-          </p:cNvSpPr>
-          <p:nvPr>
-            <p:ph type="body" idx="1"/>
-          </p:nvPr>
-        </p:nvSpPr>
-        <p:spPr>
-          <a:xfrm>
-            <a:off x="685800" y="4343400"/>
-            <a:ext cx="5486399" cy="4114800"/>
-          </a:xfrm>
-          <a:prstGeom prst="rect">
-            <a:avLst/>
-          </a:prstGeom>
-          <a:noFill/>
-          <a:ln>
-            <a:noFill/>
-          </a:ln>
-        </p:spPr>
-        <p:txBody>
-          <a:bodyPr lIns="91425" tIns="91425" rIns="91425" bIns="91425" anchor="ctr" anchorCtr="0">
-            <a:noAutofit/>
-          </a:bodyPr>
-          <a:lstStyle/>
-          <a:p>
-            <a:pPr lvl="0">
-              <a:spcBef>
-                <a:spcPts val="0"/>
-              </a:spcBef>
-              <a:buNone/>
-            </a:pPr>
-            <a:endParaRPr/>
-          </a:p>
-        </p:txBody>
-      </p:sp>
-      <p:sp>
-        <p:nvSpPr>
-          <p:cNvPr id="211" name="Shape 211"/>
-          <p:cNvSpPr>
-            <a:spLocks noGrp="1" noRot="1" noChangeAspect="1"/>
-          </p:cNvSpPr>
-          <p:nvPr>
-            <p:ph type="sldImg" idx="2"/>
-          </p:nvPr>
-        </p:nvSpPr>
-        <p:spPr>
-          <a:xfrm>
-            <a:off x="381000" y="685800"/>
-            <a:ext cx="6096000" cy="3429000"/>
-          </a:xfrm>
-          <a:custGeom>
-            <a:avLst/>
-            <a:gdLst/>
-            <a:ahLst/>
-            <a:cxnLst/>
-            <a:rect l="0" t="0" r="0" b="0"/>
-            <a:pathLst>
-              <a:path w="120000" h="120000" extrusionOk="0">
-                <a:moveTo>
-                  <a:pt x="0" y="0"/>
-                </a:moveTo>
-                <a:lnTo>
-                  <a:pt x="120000" y="0"/>
-                </a:lnTo>
-                <a:lnTo>
-                  <a:pt x="120000" y="120000"/>
-                </a:lnTo>
-                <a:lnTo>
-                  <a:pt x="0" y="120000"/>
-                </a:lnTo>
-                <a:close/>
-              </a:path>
-            </a:pathLst>
-          </a:custGeom>
-        </p:spPr>
-      </p:sp>
-    </p:spTree>
-    <p:extLst>
-      <p:ext uri="{BB962C8B-B14F-4D97-AF65-F5344CB8AC3E}">
-        <p14:creationId xmlns:p14="http://schemas.microsoft.com/office/powerpoint/2010/main" val="878290099"/>
-      </p:ext>
-    </p:extLst>
-  </p:cSld>
-  <p:clrMapOvr>
-    <a:masterClrMapping/>
-  </p:clrMapOvr>
-</p:notes>
-</file>
-
-<file path=ppt/notesSlides/notesSlide26.xml><?xml version="1.0" encoding="utf-8"?>
-<p:notes xmlns:a="http://schemas.openxmlformats.org/drawingml/2006/main" xmlns:r="http://schemas.openxmlformats.org/officeDocument/2006/relationships" xmlns:p="http://schemas.openxmlformats.org/presentationml/2006/main" showMasterSp="0" showMasterPhAnim="0">
-  <p:cSld>
-    <p:spTree>
-      <p:nvGrpSpPr>
-        <p:cNvPr id="1" name="Shape 209"/>
-        <p:cNvGrpSpPr/>
-        <p:nvPr/>
-      </p:nvGrpSpPr>
-      <p:grpSpPr>
-        <a:xfrm>
-          <a:off x="0" y="0"/>
-          <a:ext cx="0" cy="0"/>
-          <a:chOff x="0" y="0"/>
-          <a:chExt cx="0" cy="0"/>
-        </a:xfrm>
-      </p:grpSpPr>
-      <p:sp>
-        <p:nvSpPr>
-          <p:cNvPr id="210" name="Shape 210"/>
-          <p:cNvSpPr txBox="1">
-            <a:spLocks noGrp="1"/>
-          </p:cNvSpPr>
-          <p:nvPr>
-            <p:ph type="body" idx="1"/>
-          </p:nvPr>
-        </p:nvSpPr>
-        <p:spPr>
-          <a:xfrm>
-            <a:off x="685800" y="4343400"/>
-            <a:ext cx="5486399" cy="4114800"/>
-          </a:xfrm>
-          <a:prstGeom prst="rect">
-            <a:avLst/>
-          </a:prstGeom>
-          <a:noFill/>
-          <a:ln>
-            <a:noFill/>
-          </a:ln>
-        </p:spPr>
-        <p:txBody>
-          <a:bodyPr lIns="91425" tIns="91425" rIns="91425" bIns="91425" anchor="ctr" anchorCtr="0">
-            <a:noAutofit/>
-          </a:bodyPr>
-          <a:lstStyle/>
-          <a:p>
-            <a:pPr lvl="0">
-              <a:spcBef>
-                <a:spcPts val="0"/>
-              </a:spcBef>
-              <a:buNone/>
-            </a:pPr>
-            <a:endParaRPr/>
-          </a:p>
-        </p:txBody>
-      </p:sp>
-      <p:sp>
-        <p:nvSpPr>
-          <p:cNvPr id="211" name="Shape 211"/>
-          <p:cNvSpPr>
-            <a:spLocks noGrp="1" noRot="1" noChangeAspect="1"/>
-          </p:cNvSpPr>
-          <p:nvPr>
-            <p:ph type="sldImg" idx="2"/>
-          </p:nvPr>
-        </p:nvSpPr>
-        <p:spPr>
-          <a:xfrm>
-            <a:off x="381000" y="685800"/>
-            <a:ext cx="6096000" cy="3429000"/>
-          </a:xfrm>
-          <a:custGeom>
-            <a:avLst/>
-            <a:gdLst/>
-            <a:ahLst/>
-            <a:cxnLst/>
-            <a:rect l="0" t="0" r="0" b="0"/>
-            <a:pathLst>
-              <a:path w="120000" h="120000" extrusionOk="0">
-                <a:moveTo>
-                  <a:pt x="0" y="0"/>
-                </a:moveTo>
-                <a:lnTo>
-                  <a:pt x="120000" y="0"/>
-                </a:lnTo>
-                <a:lnTo>
-                  <a:pt x="120000" y="120000"/>
-                </a:lnTo>
-                <a:lnTo>
-                  <a:pt x="0" y="120000"/>
-                </a:lnTo>
-                <a:close/>
-              </a:path>
-            </a:pathLst>
-          </a:custGeom>
-        </p:spPr>
-      </p:sp>
-    </p:spTree>
-    <p:extLst>
-      <p:ext uri="{BB962C8B-B14F-4D97-AF65-F5344CB8AC3E}">
-        <p14:creationId xmlns:p14="http://schemas.microsoft.com/office/powerpoint/2010/main" val="2549240625"/>
-      </p:ext>
-    </p:extLst>
-  </p:cSld>
-  <p:clrMapOvr>
-    <a:masterClrMapping/>
-  </p:clrMapOvr>
-</p:notes>
-</file>
-
-<file path=ppt/notesSlides/notesSlide27.xml><?xml version="1.0" encoding="utf-8"?>
-<p:notes xmlns:a="http://schemas.openxmlformats.org/drawingml/2006/main" xmlns:r="http://schemas.openxmlformats.org/officeDocument/2006/relationships" xmlns:p="http://schemas.openxmlformats.org/presentationml/2006/main" showMasterSp="0" showMasterPhAnim="0">
-  <p:cSld>
-    <p:spTree>
-      <p:nvGrpSpPr>
-        <p:cNvPr id="1" name="Shape 209"/>
-        <p:cNvGrpSpPr/>
-        <p:nvPr/>
-      </p:nvGrpSpPr>
-      <p:grpSpPr>
-        <a:xfrm>
-          <a:off x="0" y="0"/>
-          <a:ext cx="0" cy="0"/>
-          <a:chOff x="0" y="0"/>
-          <a:chExt cx="0" cy="0"/>
-        </a:xfrm>
-      </p:grpSpPr>
-      <p:sp>
-        <p:nvSpPr>
-          <p:cNvPr id="210" name="Shape 210"/>
-          <p:cNvSpPr txBox="1">
-            <a:spLocks noGrp="1"/>
-          </p:cNvSpPr>
-          <p:nvPr>
-            <p:ph type="body" idx="1"/>
-          </p:nvPr>
-        </p:nvSpPr>
-        <p:spPr>
-          <a:xfrm>
-            <a:off x="685800" y="4343400"/>
-            <a:ext cx="5486399" cy="4114800"/>
-          </a:xfrm>
-          <a:prstGeom prst="rect">
-            <a:avLst/>
-          </a:prstGeom>
-          <a:noFill/>
-          <a:ln>
-            <a:noFill/>
-          </a:ln>
-        </p:spPr>
-        <p:txBody>
-          <a:bodyPr lIns="91425" tIns="91425" rIns="91425" bIns="91425" anchor="ctr" anchorCtr="0">
-            <a:noAutofit/>
-          </a:bodyPr>
-          <a:lstStyle/>
-          <a:p>
-            <a:pPr lvl="0">
-              <a:spcBef>
-                <a:spcPts val="0"/>
-              </a:spcBef>
-              <a:buNone/>
-            </a:pPr>
-            <a:endParaRPr/>
-          </a:p>
-        </p:txBody>
-      </p:sp>
-      <p:sp>
-        <p:nvSpPr>
-          <p:cNvPr id="211" name="Shape 211"/>
-          <p:cNvSpPr>
-            <a:spLocks noGrp="1" noRot="1" noChangeAspect="1"/>
-          </p:cNvSpPr>
-          <p:nvPr>
-            <p:ph type="sldImg" idx="2"/>
-          </p:nvPr>
-        </p:nvSpPr>
-        <p:spPr>
-          <a:xfrm>
-            <a:off x="381000" y="685800"/>
-            <a:ext cx="6096000" cy="3429000"/>
-          </a:xfrm>
-          <a:custGeom>
-            <a:avLst/>
-            <a:gdLst/>
-            <a:ahLst/>
-            <a:cxnLst/>
-            <a:rect l="0" t="0" r="0" b="0"/>
-            <a:pathLst>
-              <a:path w="120000" h="120000" extrusionOk="0">
-                <a:moveTo>
-                  <a:pt x="0" y="0"/>
-                </a:moveTo>
-                <a:lnTo>
-                  <a:pt x="120000" y="0"/>
-                </a:lnTo>
-                <a:lnTo>
-                  <a:pt x="120000" y="120000"/>
-                </a:lnTo>
-                <a:lnTo>
-                  <a:pt x="0" y="120000"/>
-                </a:lnTo>
-                <a:close/>
-              </a:path>
-            </a:pathLst>
-          </a:custGeom>
-        </p:spPr>
-      </p:sp>
-    </p:spTree>
-    <p:extLst>
-      <p:ext uri="{BB962C8B-B14F-4D97-AF65-F5344CB8AC3E}">
-        <p14:creationId xmlns:p14="http://schemas.microsoft.com/office/powerpoint/2010/main" val="872105069"/>
-      </p:ext>
-    </p:extLst>
-  </p:cSld>
-  <p:clrMapOvr>
-    <a:masterClrMapping/>
-  </p:clrMapOvr>
-</p:notes>
-</file>
-
-<file path=ppt/notesSlides/notesSlide28.xml><?xml version="1.0" encoding="utf-8"?>
-<p:notes xmlns:a="http://schemas.openxmlformats.org/drawingml/2006/main" xmlns:r="http://schemas.openxmlformats.org/officeDocument/2006/relationships" xmlns:p="http://schemas.openxmlformats.org/presentationml/2006/main" showMasterSp="0" showMasterPhAnim="0">
-  <p:cSld>
-    <p:spTree>
-      <p:nvGrpSpPr>
-        <p:cNvPr id="1" name="Shape 209"/>
-        <p:cNvGrpSpPr/>
-        <p:nvPr/>
-      </p:nvGrpSpPr>
-      <p:grpSpPr>
-        <a:xfrm>
-          <a:off x="0" y="0"/>
-          <a:ext cx="0" cy="0"/>
-          <a:chOff x="0" y="0"/>
-          <a:chExt cx="0" cy="0"/>
-        </a:xfrm>
-      </p:grpSpPr>
-      <p:sp>
-        <p:nvSpPr>
-          <p:cNvPr id="210" name="Shape 210"/>
-          <p:cNvSpPr txBox="1">
-            <a:spLocks noGrp="1"/>
-          </p:cNvSpPr>
-          <p:nvPr>
-            <p:ph type="body" idx="1"/>
-          </p:nvPr>
-        </p:nvSpPr>
-        <p:spPr>
-          <a:xfrm>
-            <a:off x="685800" y="4343400"/>
-            <a:ext cx="5486399" cy="4114800"/>
-          </a:xfrm>
-          <a:prstGeom prst="rect">
-            <a:avLst/>
-          </a:prstGeom>
-          <a:noFill/>
-          <a:ln>
-            <a:noFill/>
-          </a:ln>
-        </p:spPr>
-        <p:txBody>
-          <a:bodyPr lIns="91425" tIns="91425" rIns="91425" bIns="91425" anchor="ctr" anchorCtr="0">
-            <a:noAutofit/>
-          </a:bodyPr>
-          <a:lstStyle/>
-          <a:p>
-            <a:pPr lvl="0">
-              <a:spcBef>
-                <a:spcPts val="0"/>
-              </a:spcBef>
-              <a:buNone/>
-            </a:pPr>
-            <a:endParaRPr/>
-          </a:p>
-        </p:txBody>
-      </p:sp>
-      <p:sp>
-        <p:nvSpPr>
-          <p:cNvPr id="211" name="Shape 211"/>
-          <p:cNvSpPr>
-            <a:spLocks noGrp="1" noRot="1" noChangeAspect="1"/>
-          </p:cNvSpPr>
-          <p:nvPr>
-            <p:ph type="sldImg" idx="2"/>
-          </p:nvPr>
-        </p:nvSpPr>
-        <p:spPr>
-          <a:xfrm>
-            <a:off x="381000" y="685800"/>
-            <a:ext cx="6096000" cy="3429000"/>
-          </a:xfrm>
-          <a:custGeom>
-            <a:avLst/>
-            <a:gdLst/>
-            <a:ahLst/>
-            <a:cxnLst/>
-            <a:rect l="0" t="0" r="0" b="0"/>
-            <a:pathLst>
-              <a:path w="120000" h="120000" extrusionOk="0">
-                <a:moveTo>
-                  <a:pt x="0" y="0"/>
-                </a:moveTo>
-                <a:lnTo>
-                  <a:pt x="120000" y="0"/>
-                </a:lnTo>
-                <a:lnTo>
-                  <a:pt x="120000" y="120000"/>
-                </a:lnTo>
-                <a:lnTo>
-                  <a:pt x="0" y="120000"/>
-                </a:lnTo>
-                <a:close/>
-              </a:path>
-            </a:pathLst>
-          </a:custGeom>
-        </p:spPr>
-      </p:sp>
-    </p:spTree>
-    <p:extLst>
-      <p:ext uri="{BB962C8B-B14F-4D97-AF65-F5344CB8AC3E}">
-        <p14:creationId xmlns:p14="http://schemas.microsoft.com/office/powerpoint/2010/main" val="1115119892"/>
       </p:ext>
     </p:extLst>
   </p:cSld>
@@ -25862,10 +25195,6 @@
               </a:rPr>
               <a:t>) </a:t>
             </a:r>
-            <a:endParaRPr lang="en-US" sz="3200" dirty="0" smtClean="0">
-              <a:latin typeface="Courier New" panose="02070309020205020404" pitchFamily="49" charset="0"/>
-              <a:cs typeface="Courier New" panose="02070309020205020404" pitchFamily="49" charset="0"/>
-            </a:endParaRPr>
           </a:p>
           <a:p>
             <a:r>
@@ -26490,20 +25819,7 @@
                 <a:effectLst/>
                 <a:latin typeface="Arial" panose="020B0604020202020204" pitchFamily="34" charset="0"/>
               </a:rPr>
-              <a:t>У </a:t>
-            </a:r>
-            <a:r>
-              <a:rPr kumimoji="0" lang="ru-RU" altLang="ru-RU" sz="3200" b="0" i="0" u="none" strike="noStrike" cap="none" normalizeH="0" baseline="0" dirty="0" smtClean="0">
-                <a:ln>
-                  <a:noFill/>
-                </a:ln>
-                <a:solidFill>
-                  <a:schemeClr val="tx1"/>
-                </a:solidFill>
-                <a:effectLst/>
-                <a:latin typeface="Arial" panose="020B0604020202020204" pitchFamily="34" charset="0"/>
-              </a:rPr>
-              <a:t>попа была собака, он её любил,</a:t>
+              <a:t>У попа была собака, он её любил,</a:t>
             </a:r>
           </a:p>
           <a:p>
@@ -26547,20 +25863,7 @@
                 <a:effectLst/>
                 <a:latin typeface="Arial" panose="020B0604020202020204" pitchFamily="34" charset="0"/>
               </a:rPr>
-              <a:t>Она </a:t>
-            </a:r>
-            <a:r>
-              <a:rPr kumimoji="0" lang="ru-RU" altLang="ru-RU" sz="3200" b="0" i="0" u="none" strike="noStrike" cap="none" normalizeH="0" baseline="0" dirty="0" smtClean="0">
-                <a:ln>
-                  <a:noFill/>
-                </a:ln>
-                <a:solidFill>
-                  <a:schemeClr val="tx1"/>
-                </a:solidFill>
-                <a:effectLst/>
-                <a:latin typeface="Arial" panose="020B0604020202020204" pitchFamily="34" charset="0"/>
-              </a:rPr>
-              <a:t>съела кусок мяса, он её убил,</a:t>
+              <a:t>Она съела кусок мяса, он её убил,</a:t>
             </a:r>
           </a:p>
           <a:p>
@@ -26604,20 +25907,7 @@
                 <a:effectLst/>
                 <a:latin typeface="Arial" panose="020B0604020202020204" pitchFamily="34" charset="0"/>
               </a:rPr>
-              <a:t>В </a:t>
-            </a:r>
-            <a:r>
-              <a:rPr kumimoji="0" lang="ru-RU" altLang="ru-RU" sz="3200" b="0" i="0" u="none" strike="noStrike" cap="none" normalizeH="0" baseline="0" dirty="0" smtClean="0">
-                <a:ln>
-                  <a:noFill/>
-                </a:ln>
-                <a:solidFill>
-                  <a:schemeClr val="tx1"/>
-                </a:solidFill>
-                <a:effectLst/>
-                <a:latin typeface="Arial" panose="020B0604020202020204" pitchFamily="34" charset="0"/>
-              </a:rPr>
-              <a:t>землю закопал,</a:t>
+              <a:t>В землю закопал,</a:t>
             </a:r>
           </a:p>
           <a:p>
@@ -26661,20 +25951,7 @@
                 <a:effectLst/>
                 <a:latin typeface="Arial" panose="020B0604020202020204" pitchFamily="34" charset="0"/>
               </a:rPr>
-              <a:t>Надпись </a:t>
-            </a:r>
-            <a:r>
-              <a:rPr kumimoji="0" lang="ru-RU" altLang="ru-RU" sz="3200" b="0" i="0" u="none" strike="noStrike" cap="none" normalizeH="0" baseline="0" dirty="0" smtClean="0">
-                <a:ln>
-                  <a:noFill/>
-                </a:ln>
-                <a:solidFill>
-                  <a:schemeClr val="tx1"/>
-                </a:solidFill>
-                <a:effectLst/>
-                <a:latin typeface="Arial" panose="020B0604020202020204" pitchFamily="34" charset="0"/>
-              </a:rPr>
-              <a:t>написал: </a:t>
+              <a:t>Надпись написал: </a:t>
             </a:r>
             <a:endParaRPr kumimoji="0" lang="en-US" altLang="ru-RU" sz="3200" b="0" i="0" u="none" strike="noStrike" cap="none" normalizeH="0" baseline="0" dirty="0" smtClean="0">
               <a:ln>
@@ -28556,984 +27833,6 @@
 </p:sld>
 </file>
 
-<file path=ppt/slides/slide26.xml><?xml version="1.0" encoding="utf-8"?>
-<p:sld xmlns:a="http://schemas.openxmlformats.org/drawingml/2006/main" xmlns:r="http://schemas.openxmlformats.org/officeDocument/2006/relationships" xmlns:p="http://schemas.openxmlformats.org/presentationml/2006/main">
-  <p:cSld>
-    <p:spTree>
-      <p:nvGrpSpPr>
-        <p:cNvPr id="1" name="Shape 212"/>
-        <p:cNvGrpSpPr/>
-        <p:nvPr/>
-      </p:nvGrpSpPr>
-      <p:grpSpPr>
-        <a:xfrm>
-          <a:off x="0" y="0"/>
-          <a:ext cx="0" cy="0"/>
-          <a:chOff x="0" y="0"/>
-          <a:chExt cx="0" cy="0"/>
-        </a:xfrm>
-      </p:grpSpPr>
-      <p:sp>
-        <p:nvSpPr>
-          <p:cNvPr id="213" name="Shape 213"/>
-          <p:cNvSpPr txBox="1">
-            <a:spLocks noGrp="1"/>
-          </p:cNvSpPr>
-          <p:nvPr>
-            <p:ph type="title"/>
-          </p:nvPr>
-        </p:nvSpPr>
-        <p:spPr>
-          <a:xfrm>
-            <a:off x="1155700" y="241300"/>
-            <a:ext cx="13931900" cy="2298699"/>
-          </a:xfrm>
-          <a:prstGeom prst="rect">
-            <a:avLst/>
-          </a:prstGeom>
-          <a:noFill/>
-          <a:ln>
-            <a:noFill/>
-          </a:ln>
-        </p:spPr>
-        <p:txBody>
-          <a:bodyPr lIns="38100" tIns="38100" rIns="38100" bIns="38100" anchor="ctr" anchorCtr="0">
-            <a:noAutofit/>
-          </a:bodyPr>
-          <a:lstStyle/>
-          <a:p>
-            <a:pPr lvl="0">
-              <a:buClr>
-                <a:schemeClr val="lt1"/>
-              </a:buClr>
-              <a:buSzPct val="25000"/>
-            </a:pPr>
-            <a:r>
-              <a:rPr lang="ru-RU" sz="6600" dirty="0" smtClean="0">
-                <a:solidFill>
-                  <a:schemeClr val="bg2"/>
-                </a:solidFill>
-                <a:latin typeface="Cabin"/>
-                <a:ea typeface="Cabin"/>
-                <a:cs typeface="Cabin"/>
-                <a:sym typeface="Cabin"/>
-              </a:rPr>
-              <a:t>Лямбда выражения</a:t>
-            </a:r>
-            <a:endParaRPr lang="en-US" sz="6600" dirty="0">
-              <a:solidFill>
-                <a:schemeClr val="bg2"/>
-              </a:solidFill>
-              <a:latin typeface="Cabin"/>
-              <a:ea typeface="Cabin"/>
-              <a:cs typeface="Cabin"/>
-              <a:sym typeface="Cabin"/>
-            </a:endParaRPr>
-          </a:p>
-        </p:txBody>
-      </p:sp>
-      <p:sp>
-        <p:nvSpPr>
-          <p:cNvPr id="229" name="Shape 229"/>
-          <p:cNvSpPr txBox="1"/>
-          <p:nvPr/>
-        </p:nvSpPr>
-        <p:spPr>
-          <a:xfrm>
-            <a:off x="5038725" y="2997200"/>
-            <a:ext cx="1409700" cy="622299"/>
-          </a:xfrm>
-          <a:prstGeom prst="rect">
-            <a:avLst/>
-          </a:prstGeom>
-          <a:noFill/>
-          <a:ln>
-            <a:noFill/>
-          </a:ln>
-        </p:spPr>
-        <p:txBody>
-          <a:bodyPr lIns="0" tIns="0" rIns="0" bIns="0" anchor="ctr" anchorCtr="0">
-            <a:noAutofit/>
-          </a:bodyPr>
-          <a:lstStyle/>
-          <a:p>
-            <a:pPr marL="0" marR="0" lvl="0" indent="0" algn="ctr" rtl="0">
-              <a:lnSpc>
-                <a:spcPct val="100000"/>
-              </a:lnSpc>
-              <a:spcBef>
-                <a:spcPts val="0"/>
-              </a:spcBef>
-              <a:spcAft>
-                <a:spcPts val="0"/>
-              </a:spcAft>
-              <a:buClr>
-                <a:schemeClr val="lt1"/>
-              </a:buClr>
-              <a:buSzPct val="25000"/>
-              <a:buFont typeface="Cabin"/>
-              <a:buNone/>
-            </a:pPr>
-            <a:r>
-              <a:rPr lang="en-US" sz="3600" b="0" i="0" u="none" strike="noStrike" cap="none">
-                <a:solidFill>
-                  <a:schemeClr val="lt1"/>
-                </a:solidFill>
-                <a:latin typeface="Cabin"/>
-                <a:ea typeface="Cabin"/>
-                <a:cs typeface="Cabin"/>
-                <a:sym typeface="Cabin"/>
-              </a:rPr>
-              <a:t>hello():</a:t>
-            </a:r>
-          </a:p>
-        </p:txBody>
-      </p:sp>
-      <p:sp>
-        <p:nvSpPr>
-          <p:cNvPr id="2" name="Прямоугольник 1"/>
-          <p:cNvSpPr/>
-          <p:nvPr/>
-        </p:nvSpPr>
-        <p:spPr>
-          <a:xfrm>
-            <a:off x="1155700" y="2547049"/>
-            <a:ext cx="14046200" cy="1938992"/>
-          </a:xfrm>
-          <a:prstGeom prst="rect">
-            <a:avLst/>
-          </a:prstGeom>
-        </p:spPr>
-        <p:txBody>
-          <a:bodyPr wrap="square">
-            <a:spAutoFit/>
-          </a:bodyPr>
-          <a:lstStyle/>
-          <a:p>
-            <a:r>
-              <a:rPr lang="ru-RU" sz="4000" dirty="0">
-                <a:solidFill>
-                  <a:srgbClr val="00B050"/>
-                </a:solidFill>
-              </a:rPr>
-              <a:t>Лямбда-выражение</a:t>
-            </a:r>
-            <a:r>
-              <a:rPr lang="ru-RU" sz="4000" dirty="0"/>
-              <a:t> в программировании — специальный синтаксис для определения функциональных объектов, заимствованный из </a:t>
-            </a:r>
-            <a:r>
-              <a:rPr lang="ru-RU" sz="4000" dirty="0">
-                <a:solidFill>
-                  <a:srgbClr val="00B050"/>
-                </a:solidFill>
-              </a:rPr>
-              <a:t>λ</a:t>
-            </a:r>
-            <a:r>
-              <a:rPr lang="ru-RU" sz="4000" dirty="0"/>
-              <a:t>-исчисления.</a:t>
-            </a:r>
-          </a:p>
-        </p:txBody>
-      </p:sp>
-      <p:sp>
-        <p:nvSpPr>
-          <p:cNvPr id="3" name="Прямоугольник 2"/>
-          <p:cNvSpPr/>
-          <p:nvPr/>
-        </p:nvSpPr>
-        <p:spPr>
-          <a:xfrm>
-            <a:off x="1155700" y="5415662"/>
-            <a:ext cx="13830300" cy="1815882"/>
-          </a:xfrm>
-          <a:prstGeom prst="rect">
-            <a:avLst/>
-          </a:prstGeom>
-        </p:spPr>
-        <p:txBody>
-          <a:bodyPr wrap="square">
-            <a:spAutoFit/>
-          </a:bodyPr>
-          <a:lstStyle/>
-          <a:p>
-            <a:r>
-              <a:rPr lang="ru-RU" sz="3600" dirty="0" err="1">
-                <a:solidFill>
-                  <a:srgbClr val="00B050"/>
-                </a:solidFill>
-              </a:rPr>
-              <a:t>Ля́мбда-исчисле́ние</a:t>
-            </a:r>
-            <a:r>
-              <a:rPr lang="ru-RU" sz="3600" dirty="0"/>
-              <a:t> (</a:t>
-            </a:r>
-            <a:r>
-              <a:rPr lang="ru-RU" sz="4000" dirty="0">
-                <a:solidFill>
-                  <a:srgbClr val="00B050"/>
-                </a:solidFill>
-              </a:rPr>
-              <a:t>λ</a:t>
-            </a:r>
-            <a:r>
-              <a:rPr lang="ru-RU" sz="4000" dirty="0"/>
-              <a:t>-исчисление</a:t>
-            </a:r>
-            <a:r>
-              <a:rPr lang="ru-RU" sz="3600" dirty="0"/>
-              <a:t>) — формальная система, разработанная американским математиком </a:t>
-            </a:r>
-            <a:r>
-              <a:rPr lang="ru-RU" sz="3600" dirty="0" err="1">
-                <a:solidFill>
-                  <a:srgbClr val="0070C0"/>
-                </a:solidFill>
-              </a:rPr>
-              <a:t>Алонзо</a:t>
-            </a:r>
-            <a:r>
-              <a:rPr lang="ru-RU" sz="3600" dirty="0">
-                <a:solidFill>
-                  <a:srgbClr val="0070C0"/>
-                </a:solidFill>
-              </a:rPr>
-              <a:t> </a:t>
-            </a:r>
-            <a:r>
-              <a:rPr lang="ru-RU" sz="3600" dirty="0" err="1">
-                <a:solidFill>
-                  <a:srgbClr val="0070C0"/>
-                </a:solidFill>
-              </a:rPr>
-              <a:t>Чёрчем</a:t>
-            </a:r>
-            <a:r>
-              <a:rPr lang="ru-RU" sz="3600" dirty="0"/>
-              <a:t>, для формализации и анализа понятия вычислимости.</a:t>
-            </a:r>
-          </a:p>
-        </p:txBody>
-      </p:sp>
-      <p:sp>
-        <p:nvSpPr>
-          <p:cNvPr id="4" name="Прямоугольник 3"/>
-          <p:cNvSpPr/>
-          <p:nvPr/>
-        </p:nvSpPr>
-        <p:spPr>
-          <a:xfrm>
-            <a:off x="9026327" y="8177312"/>
-            <a:ext cx="6579045" cy="400110"/>
-          </a:xfrm>
-          <a:prstGeom prst="rect">
-            <a:avLst/>
-          </a:prstGeom>
-        </p:spPr>
-        <p:txBody>
-          <a:bodyPr wrap="none">
-            <a:spAutoFit/>
-          </a:bodyPr>
-          <a:lstStyle/>
-          <a:p>
-            <a:r>
-              <a:rPr lang="ru-RU" sz="2000" i="1" dirty="0"/>
-              <a:t>Материал</a:t>
-            </a:r>
-            <a:r>
-              <a:rPr lang="ru-RU" sz="2000" dirty="0"/>
-              <a:t> из Википедии — свободной энциклопедии</a:t>
-            </a:r>
-          </a:p>
-        </p:txBody>
-      </p:sp>
-    </p:spTree>
-    <p:extLst>
-      <p:ext uri="{BB962C8B-B14F-4D97-AF65-F5344CB8AC3E}">
-        <p14:creationId xmlns:p14="http://schemas.microsoft.com/office/powerpoint/2010/main" val="3981985594"/>
-      </p:ext>
-    </p:extLst>
-  </p:cSld>
-  <p:clrMapOvr>
-    <a:masterClrMapping/>
-  </p:clrMapOvr>
-  <p:timing>
-    <p:tnLst>
-      <p:par>
-        <p:cTn id="1" dur="indefinite" restart="never" nodeType="tmRoot"/>
-      </p:par>
-    </p:tnLst>
-  </p:timing>
-</p:sld>
-</file>
-
-<file path=ppt/slides/slide27.xml><?xml version="1.0" encoding="utf-8"?>
-<p:sld xmlns:a="http://schemas.openxmlformats.org/drawingml/2006/main" xmlns:r="http://schemas.openxmlformats.org/officeDocument/2006/relationships" xmlns:p="http://schemas.openxmlformats.org/presentationml/2006/main">
-  <p:cSld>
-    <p:spTree>
-      <p:nvGrpSpPr>
-        <p:cNvPr id="1" name="Shape 212"/>
-        <p:cNvGrpSpPr/>
-        <p:nvPr/>
-      </p:nvGrpSpPr>
-      <p:grpSpPr>
-        <a:xfrm>
-          <a:off x="0" y="0"/>
-          <a:ext cx="0" cy="0"/>
-          <a:chOff x="0" y="0"/>
-          <a:chExt cx="0" cy="0"/>
-        </a:xfrm>
-      </p:grpSpPr>
-      <p:sp>
-        <p:nvSpPr>
-          <p:cNvPr id="213" name="Shape 213"/>
-          <p:cNvSpPr txBox="1">
-            <a:spLocks noGrp="1"/>
-          </p:cNvSpPr>
-          <p:nvPr>
-            <p:ph type="title"/>
-          </p:nvPr>
-        </p:nvSpPr>
-        <p:spPr>
-          <a:xfrm>
-            <a:off x="1155700" y="241300"/>
-            <a:ext cx="13931900" cy="2298699"/>
-          </a:xfrm>
-          <a:prstGeom prst="rect">
-            <a:avLst/>
-          </a:prstGeom>
-          <a:noFill/>
-          <a:ln>
-            <a:noFill/>
-          </a:ln>
-        </p:spPr>
-        <p:txBody>
-          <a:bodyPr lIns="38100" tIns="38100" rIns="38100" bIns="38100" anchor="ctr" anchorCtr="0">
-            <a:noAutofit/>
-          </a:bodyPr>
-          <a:lstStyle/>
-          <a:p>
-            <a:pPr lvl="0">
-              <a:buClr>
-                <a:schemeClr val="lt1"/>
-              </a:buClr>
-              <a:buSzPct val="25000"/>
-            </a:pPr>
-            <a:r>
-              <a:rPr lang="ru-RU" sz="6600" dirty="0" smtClean="0">
-                <a:solidFill>
-                  <a:schemeClr val="bg2"/>
-                </a:solidFill>
-                <a:latin typeface="Cabin"/>
-                <a:ea typeface="Cabin"/>
-                <a:cs typeface="Cabin"/>
-                <a:sym typeface="Cabin"/>
-              </a:rPr>
-              <a:t>Лямбда выражения</a:t>
-            </a:r>
-            <a:endParaRPr lang="en-US" sz="6600" dirty="0">
-              <a:solidFill>
-                <a:schemeClr val="bg2"/>
-              </a:solidFill>
-              <a:latin typeface="Cabin"/>
-              <a:ea typeface="Cabin"/>
-              <a:cs typeface="Cabin"/>
-              <a:sym typeface="Cabin"/>
-            </a:endParaRPr>
-          </a:p>
-        </p:txBody>
-      </p:sp>
-      <p:sp>
-        <p:nvSpPr>
-          <p:cNvPr id="229" name="Shape 229"/>
-          <p:cNvSpPr txBox="1"/>
-          <p:nvPr/>
-        </p:nvSpPr>
-        <p:spPr>
-          <a:xfrm>
-            <a:off x="5038725" y="2997200"/>
-            <a:ext cx="1409700" cy="622299"/>
-          </a:xfrm>
-          <a:prstGeom prst="rect">
-            <a:avLst/>
-          </a:prstGeom>
-          <a:noFill/>
-          <a:ln>
-            <a:noFill/>
-          </a:ln>
-        </p:spPr>
-        <p:txBody>
-          <a:bodyPr lIns="0" tIns="0" rIns="0" bIns="0" anchor="ctr" anchorCtr="0">
-            <a:noAutofit/>
-          </a:bodyPr>
-          <a:lstStyle/>
-          <a:p>
-            <a:pPr marL="0" marR="0" lvl="0" indent="0" algn="ctr" rtl="0">
-              <a:lnSpc>
-                <a:spcPct val="100000"/>
-              </a:lnSpc>
-              <a:spcBef>
-                <a:spcPts val="0"/>
-              </a:spcBef>
-              <a:spcAft>
-                <a:spcPts val="0"/>
-              </a:spcAft>
-              <a:buClr>
-                <a:schemeClr val="lt1"/>
-              </a:buClr>
-              <a:buSzPct val="25000"/>
-              <a:buFont typeface="Cabin"/>
-              <a:buNone/>
-            </a:pPr>
-            <a:r>
-              <a:rPr lang="en-US" sz="3600" b="0" i="0" u="none" strike="noStrike" cap="none">
-                <a:solidFill>
-                  <a:schemeClr val="lt1"/>
-                </a:solidFill>
-                <a:latin typeface="Cabin"/>
-                <a:ea typeface="Cabin"/>
-                <a:cs typeface="Cabin"/>
-                <a:sym typeface="Cabin"/>
-              </a:rPr>
-              <a:t>hello():</a:t>
-            </a:r>
-          </a:p>
-        </p:txBody>
-      </p:sp>
-      <p:sp>
-        <p:nvSpPr>
-          <p:cNvPr id="5" name="Прямоугольник 4"/>
-          <p:cNvSpPr/>
-          <p:nvPr/>
-        </p:nvSpPr>
-        <p:spPr>
-          <a:xfrm>
-            <a:off x="965200" y="2539999"/>
-            <a:ext cx="14782800" cy="5078313"/>
-          </a:xfrm>
-          <a:prstGeom prst="rect">
-            <a:avLst/>
-          </a:prstGeom>
-        </p:spPr>
-        <p:txBody>
-          <a:bodyPr wrap="square">
-            <a:spAutoFit/>
-          </a:bodyPr>
-          <a:lstStyle/>
-          <a:p>
-            <a:r>
-              <a:rPr lang="ru-RU" sz="3600" dirty="0"/>
-              <a:t>Выражение </a:t>
-            </a:r>
-            <a:r>
-              <a:rPr lang="ru-RU" sz="3600" dirty="0" err="1">
-                <a:solidFill>
-                  <a:schemeClr val="accent1"/>
-                </a:solidFill>
-              </a:rPr>
-              <a:t>lambda</a:t>
-            </a:r>
-            <a:r>
-              <a:rPr lang="ru-RU" sz="3600" dirty="0">
-                <a:solidFill>
-                  <a:schemeClr val="accent1"/>
-                </a:solidFill>
-              </a:rPr>
-              <a:t> </a:t>
-            </a:r>
-            <a:r>
-              <a:rPr lang="ru-RU" sz="3600" dirty="0"/>
-              <a:t>создает функцию, которая будет вызываться позднее, но в отличие от инструкции </a:t>
-            </a:r>
-            <a:r>
-              <a:rPr lang="ru-RU" sz="3600" dirty="0" err="1">
-                <a:solidFill>
-                  <a:schemeClr val="accent2"/>
-                </a:solidFill>
-              </a:rPr>
-              <a:t>def</a:t>
-            </a:r>
-            <a:r>
-              <a:rPr lang="ru-RU" sz="3600" dirty="0"/>
-              <a:t>, выражение </a:t>
-            </a:r>
-            <a:r>
-              <a:rPr lang="ru-RU" sz="3600" u="sng" dirty="0"/>
-              <a:t>возвращает</a:t>
-            </a:r>
-            <a:r>
-              <a:rPr lang="ru-RU" sz="3600" dirty="0"/>
-              <a:t> функцию, а не связывает ее с именем</a:t>
-            </a:r>
-            <a:r>
-              <a:rPr lang="ru-RU" sz="3600" dirty="0" smtClean="0"/>
-              <a:t>.</a:t>
-            </a:r>
-            <a:endParaRPr lang="en-US" sz="3600" dirty="0" smtClean="0"/>
-          </a:p>
-          <a:p>
-            <a:endParaRPr lang="en-US" sz="3600" dirty="0"/>
-          </a:p>
-          <a:p>
-            <a:endParaRPr lang="en-US" sz="3600" dirty="0" smtClean="0"/>
-          </a:p>
-          <a:p>
-            <a:endParaRPr lang="en-US" sz="3600" dirty="0"/>
-          </a:p>
-          <a:p>
-            <a:r>
-              <a:rPr lang="ru-RU" sz="3600" dirty="0" err="1">
-                <a:solidFill>
-                  <a:schemeClr val="accent1"/>
-                </a:solidFill>
-              </a:rPr>
-              <a:t>lambda</a:t>
-            </a:r>
-            <a:r>
-              <a:rPr lang="ru-RU" sz="3600" dirty="0"/>
-              <a:t> - анонимны, то есть без имени. На практике они часто используются, как способ получить встроенную функцию  или отложить выполнение  фрагмента программного кода.</a:t>
-            </a:r>
-            <a:endParaRPr lang="ru-RU" sz="3600" dirty="0"/>
-          </a:p>
-        </p:txBody>
-      </p:sp>
-    </p:spTree>
-    <p:extLst>
-      <p:ext uri="{BB962C8B-B14F-4D97-AF65-F5344CB8AC3E}">
-        <p14:creationId xmlns:p14="http://schemas.microsoft.com/office/powerpoint/2010/main" val="2378133284"/>
-      </p:ext>
-    </p:extLst>
-  </p:cSld>
-  <p:clrMapOvr>
-    <a:masterClrMapping/>
-  </p:clrMapOvr>
-  <p:timing>
-    <p:tnLst>
-      <p:par>
-        <p:cTn id="1" dur="indefinite" restart="never" nodeType="tmRoot"/>
-      </p:par>
-    </p:tnLst>
-  </p:timing>
-</p:sld>
-</file>
-
-<file path=ppt/slides/slide28.xml><?xml version="1.0" encoding="utf-8"?>
-<p:sld xmlns:a="http://schemas.openxmlformats.org/drawingml/2006/main" xmlns:r="http://schemas.openxmlformats.org/officeDocument/2006/relationships" xmlns:p="http://schemas.openxmlformats.org/presentationml/2006/main">
-  <p:cSld>
-    <p:spTree>
-      <p:nvGrpSpPr>
-        <p:cNvPr id="1" name="Shape 212"/>
-        <p:cNvGrpSpPr/>
-        <p:nvPr/>
-      </p:nvGrpSpPr>
-      <p:grpSpPr>
-        <a:xfrm>
-          <a:off x="0" y="0"/>
-          <a:ext cx="0" cy="0"/>
-          <a:chOff x="0" y="0"/>
-          <a:chExt cx="0" cy="0"/>
-        </a:xfrm>
-      </p:grpSpPr>
-      <p:sp>
-        <p:nvSpPr>
-          <p:cNvPr id="213" name="Shape 213"/>
-          <p:cNvSpPr txBox="1">
-            <a:spLocks noGrp="1"/>
-          </p:cNvSpPr>
-          <p:nvPr>
-            <p:ph type="title"/>
-          </p:nvPr>
-        </p:nvSpPr>
-        <p:spPr>
-          <a:xfrm>
-            <a:off x="1155700" y="241300"/>
-            <a:ext cx="13931900" cy="2298699"/>
-          </a:xfrm>
-          <a:prstGeom prst="rect">
-            <a:avLst/>
-          </a:prstGeom>
-          <a:noFill/>
-          <a:ln>
-            <a:noFill/>
-          </a:ln>
-        </p:spPr>
-        <p:txBody>
-          <a:bodyPr lIns="38100" tIns="38100" rIns="38100" bIns="38100" anchor="ctr" anchorCtr="0">
-            <a:noAutofit/>
-          </a:bodyPr>
-          <a:lstStyle/>
-          <a:p>
-            <a:r>
-              <a:rPr lang="ru-RU" sz="6600" dirty="0"/>
-              <a:t>Различия </a:t>
-            </a:r>
-            <a:r>
-              <a:rPr lang="ru-RU" sz="6600" dirty="0" err="1"/>
-              <a:t>lambda</a:t>
-            </a:r>
-            <a:r>
-              <a:rPr lang="ru-RU" sz="6600" dirty="0"/>
-              <a:t> от </a:t>
-            </a:r>
-            <a:r>
-              <a:rPr lang="ru-RU" sz="6600" dirty="0" err="1" smtClean="0"/>
-              <a:t>def</a:t>
-            </a:r>
-            <a:endParaRPr lang="ru-RU" sz="6600" dirty="0"/>
-          </a:p>
-        </p:txBody>
-      </p:sp>
-      <p:sp>
-        <p:nvSpPr>
-          <p:cNvPr id="229" name="Shape 229"/>
-          <p:cNvSpPr txBox="1"/>
-          <p:nvPr/>
-        </p:nvSpPr>
-        <p:spPr>
-          <a:xfrm>
-            <a:off x="5038725" y="2997200"/>
-            <a:ext cx="1409700" cy="622299"/>
-          </a:xfrm>
-          <a:prstGeom prst="rect">
-            <a:avLst/>
-          </a:prstGeom>
-          <a:noFill/>
-          <a:ln>
-            <a:noFill/>
-          </a:ln>
-        </p:spPr>
-        <p:txBody>
-          <a:bodyPr lIns="0" tIns="0" rIns="0" bIns="0" anchor="ctr" anchorCtr="0">
-            <a:noAutofit/>
-          </a:bodyPr>
-          <a:lstStyle/>
-          <a:p>
-            <a:pPr marL="0" marR="0" lvl="0" indent="0" algn="ctr" rtl="0">
-              <a:lnSpc>
-                <a:spcPct val="100000"/>
-              </a:lnSpc>
-              <a:spcBef>
-                <a:spcPts val="0"/>
-              </a:spcBef>
-              <a:spcAft>
-                <a:spcPts val="0"/>
-              </a:spcAft>
-              <a:buClr>
-                <a:schemeClr val="lt1"/>
-              </a:buClr>
-              <a:buSzPct val="25000"/>
-              <a:buFont typeface="Cabin"/>
-              <a:buNone/>
-            </a:pPr>
-            <a:r>
-              <a:rPr lang="en-US" sz="3600" b="0" i="0" u="none" strike="noStrike" cap="none">
-                <a:solidFill>
-                  <a:schemeClr val="lt1"/>
-                </a:solidFill>
-                <a:latin typeface="Cabin"/>
-                <a:ea typeface="Cabin"/>
-                <a:cs typeface="Cabin"/>
-                <a:sym typeface="Cabin"/>
-              </a:rPr>
-              <a:t>hello():</a:t>
-            </a:r>
-          </a:p>
-        </p:txBody>
-      </p:sp>
-      <p:sp>
-        <p:nvSpPr>
-          <p:cNvPr id="5" name="Прямоугольник 4"/>
-          <p:cNvSpPr/>
-          <p:nvPr/>
-        </p:nvSpPr>
-        <p:spPr>
-          <a:xfrm>
-            <a:off x="965200" y="2539999"/>
-            <a:ext cx="14782800" cy="5632311"/>
-          </a:xfrm>
-          <a:prstGeom prst="rect">
-            <a:avLst/>
-          </a:prstGeom>
-        </p:spPr>
-        <p:txBody>
-          <a:bodyPr wrap="square">
-            <a:spAutoFit/>
-          </a:bodyPr>
-          <a:lstStyle/>
-          <a:p>
-            <a:r>
-              <a:rPr lang="ru-RU" sz="3600" dirty="0" err="1" smtClean="0"/>
-              <a:t>lambda</a:t>
-            </a:r>
-            <a:r>
-              <a:rPr lang="ru-RU" sz="3600" dirty="0" smtClean="0"/>
-              <a:t> </a:t>
-            </a:r>
-            <a:r>
-              <a:rPr lang="ru-RU" sz="3600" dirty="0"/>
-              <a:t>– это выражение, а не инструкция. По этой причине ключевое слово </a:t>
-            </a:r>
-            <a:r>
-              <a:rPr lang="ru-RU" sz="3600" dirty="0" err="1"/>
-              <a:t>lambda</a:t>
-            </a:r>
-            <a:r>
-              <a:rPr lang="ru-RU" sz="3600" dirty="0"/>
-              <a:t>  может  появляться там, где синтаксис  языка  </a:t>
-            </a:r>
-            <a:r>
-              <a:rPr lang="ru-RU" sz="3600" dirty="0" err="1"/>
-              <a:t>Python</a:t>
-            </a:r>
-            <a:r>
-              <a:rPr lang="ru-RU" sz="3600" dirty="0"/>
-              <a:t> не позволяет использовать инструкцию </a:t>
-            </a:r>
-            <a:r>
-              <a:rPr lang="ru-RU" sz="3600" dirty="0" err="1"/>
-              <a:t>def</a:t>
-            </a:r>
-            <a:r>
-              <a:rPr lang="ru-RU" sz="3600" dirty="0"/>
-              <a:t>, – внутри литералов или в вызовах функций, например.</a:t>
-            </a:r>
-          </a:p>
-          <a:p>
-            <a:endParaRPr lang="ru-RU" sz="3600" dirty="0"/>
-          </a:p>
-          <a:p>
-            <a:r>
-              <a:rPr lang="en-US" sz="3600" dirty="0" smtClean="0"/>
-              <a:t>T</a:t>
-            </a:r>
-            <a:r>
-              <a:rPr lang="ru-RU" sz="3600" dirty="0" smtClean="0"/>
-              <a:t>ело  </a:t>
-            </a:r>
-            <a:r>
-              <a:rPr lang="ru-RU" sz="3600" dirty="0" err="1"/>
-              <a:t>lambda</a:t>
-            </a:r>
-            <a:r>
-              <a:rPr lang="ru-RU" sz="3600" dirty="0"/>
-              <a:t> – это не блок инструкций, а единственное выражение.  Тело</a:t>
-            </a:r>
-          </a:p>
-          <a:p>
-            <a:r>
-              <a:rPr lang="ru-RU" sz="3600" dirty="0" err="1"/>
-              <a:t>lambda</a:t>
-            </a:r>
-            <a:r>
-              <a:rPr lang="ru-RU" sz="3600" dirty="0"/>
-              <a:t>-выражения сродни тому, что вы помещаете в инструкцию </a:t>
-            </a:r>
-            <a:r>
-              <a:rPr lang="ru-RU" sz="3600" dirty="0" err="1"/>
-              <a:t>return</a:t>
-            </a:r>
-            <a:r>
-              <a:rPr lang="ru-RU" sz="3600" dirty="0"/>
-              <a:t> внутри определения </a:t>
-            </a:r>
-            <a:r>
-              <a:rPr lang="ru-RU" sz="3600" dirty="0" err="1"/>
-              <a:t>def</a:t>
-            </a:r>
-            <a:r>
-              <a:rPr lang="ru-RU" sz="3600" dirty="0"/>
-              <a:t>, – вы просто вводите результат в виде выражения вместо  его явного  возврата.</a:t>
-            </a:r>
-            <a:endParaRPr lang="ru-RU" sz="3600" dirty="0"/>
-          </a:p>
-        </p:txBody>
-      </p:sp>
-    </p:spTree>
-    <p:extLst>
-      <p:ext uri="{BB962C8B-B14F-4D97-AF65-F5344CB8AC3E}">
-        <p14:creationId xmlns:p14="http://schemas.microsoft.com/office/powerpoint/2010/main" val="2415922804"/>
-      </p:ext>
-    </p:extLst>
-  </p:cSld>
-  <p:clrMapOvr>
-    <a:masterClrMapping/>
-  </p:clrMapOvr>
-  <p:timing>
-    <p:tnLst>
-      <p:par>
-        <p:cTn id="1" dur="indefinite" restart="never" nodeType="tmRoot"/>
-      </p:par>
-    </p:tnLst>
-  </p:timing>
-</p:sld>
-</file>
-
-<file path=ppt/slides/slide29.xml><?xml version="1.0" encoding="utf-8"?>
-<p:sld xmlns:a="http://schemas.openxmlformats.org/drawingml/2006/main" xmlns:r="http://schemas.openxmlformats.org/officeDocument/2006/relationships" xmlns:p="http://schemas.openxmlformats.org/presentationml/2006/main">
-  <p:cSld>
-    <p:spTree>
-      <p:nvGrpSpPr>
-        <p:cNvPr id="1" name="Shape 212"/>
-        <p:cNvGrpSpPr/>
-        <p:nvPr/>
-      </p:nvGrpSpPr>
-      <p:grpSpPr>
-        <a:xfrm>
-          <a:off x="0" y="0"/>
-          <a:ext cx="0" cy="0"/>
-          <a:chOff x="0" y="0"/>
-          <a:chExt cx="0" cy="0"/>
-        </a:xfrm>
-      </p:grpSpPr>
-      <p:sp>
-        <p:nvSpPr>
-          <p:cNvPr id="213" name="Shape 213"/>
-          <p:cNvSpPr txBox="1">
-            <a:spLocks noGrp="1"/>
-          </p:cNvSpPr>
-          <p:nvPr>
-            <p:ph type="title"/>
-          </p:nvPr>
-        </p:nvSpPr>
-        <p:spPr>
-          <a:xfrm>
-            <a:off x="1155700" y="241300"/>
-            <a:ext cx="13931900" cy="2298699"/>
-          </a:xfrm>
-          <a:prstGeom prst="rect">
-            <a:avLst/>
-          </a:prstGeom>
-          <a:noFill/>
-          <a:ln>
-            <a:noFill/>
-          </a:ln>
-        </p:spPr>
-        <p:txBody>
-          <a:bodyPr lIns="38100" tIns="38100" rIns="38100" bIns="38100" anchor="ctr" anchorCtr="0">
-            <a:noAutofit/>
-          </a:bodyPr>
-          <a:lstStyle/>
-          <a:p>
-            <a:pPr marL="0" marR="0" lvl="0" indent="0" algn="ctr" rtl="0">
-              <a:lnSpc>
-                <a:spcPct val="100000"/>
-              </a:lnSpc>
-              <a:spcBef>
-                <a:spcPts val="0"/>
-              </a:spcBef>
-              <a:spcAft>
-                <a:spcPts val="0"/>
-              </a:spcAft>
-              <a:buClr>
-                <a:schemeClr val="lt1"/>
-              </a:buClr>
-              <a:buSzPct val="25000"/>
-              <a:buFont typeface="Cabin"/>
-              <a:buNone/>
-            </a:pPr>
-            <a:r>
-              <a:rPr lang="ru-RU" sz="6600" dirty="0" smtClean="0">
-                <a:solidFill>
-                  <a:schemeClr val="bg2"/>
-                </a:solidFill>
-                <a:latin typeface="Cabin"/>
-                <a:ea typeface="Cabin"/>
-                <a:cs typeface="Cabin"/>
-                <a:sym typeface="Cabin"/>
-              </a:rPr>
-              <a:t>Функция как объект</a:t>
-            </a:r>
-            <a:endParaRPr lang="en-US" sz="6600" dirty="0">
-              <a:solidFill>
-                <a:schemeClr val="bg2"/>
-              </a:solidFill>
-              <a:latin typeface="Cabin"/>
-              <a:ea typeface="Cabin"/>
-              <a:cs typeface="Cabin"/>
-              <a:sym typeface="Cabin"/>
-            </a:endParaRPr>
-          </a:p>
-        </p:txBody>
-      </p:sp>
-      <p:sp>
-        <p:nvSpPr>
-          <p:cNvPr id="229" name="Shape 229"/>
-          <p:cNvSpPr txBox="1"/>
-          <p:nvPr/>
-        </p:nvSpPr>
-        <p:spPr>
-          <a:xfrm>
-            <a:off x="5038725" y="2997200"/>
-            <a:ext cx="1409700" cy="622299"/>
-          </a:xfrm>
-          <a:prstGeom prst="rect">
-            <a:avLst/>
-          </a:prstGeom>
-          <a:noFill/>
-          <a:ln>
-            <a:noFill/>
-          </a:ln>
-        </p:spPr>
-        <p:txBody>
-          <a:bodyPr lIns="0" tIns="0" rIns="0" bIns="0" anchor="ctr" anchorCtr="0">
-            <a:noAutofit/>
-          </a:bodyPr>
-          <a:lstStyle/>
-          <a:p>
-            <a:pPr marL="0" marR="0" lvl="0" indent="0" algn="ctr" rtl="0">
-              <a:lnSpc>
-                <a:spcPct val="100000"/>
-              </a:lnSpc>
-              <a:spcBef>
-                <a:spcPts val="0"/>
-              </a:spcBef>
-              <a:spcAft>
-                <a:spcPts val="0"/>
-              </a:spcAft>
-              <a:buClr>
-                <a:schemeClr val="lt1"/>
-              </a:buClr>
-              <a:buSzPct val="25000"/>
-              <a:buFont typeface="Cabin"/>
-              <a:buNone/>
-            </a:pPr>
-            <a:r>
-              <a:rPr lang="en-US" sz="3600" b="0" i="0" u="none" strike="noStrike" cap="none">
-                <a:solidFill>
-                  <a:schemeClr val="lt1"/>
-                </a:solidFill>
-                <a:latin typeface="Cabin"/>
-                <a:ea typeface="Cabin"/>
-                <a:cs typeface="Cabin"/>
-                <a:sym typeface="Cabin"/>
-              </a:rPr>
-              <a:t>hello():</a:t>
-            </a:r>
-          </a:p>
-        </p:txBody>
-      </p:sp>
-    </p:spTree>
-    <p:extLst>
-      <p:ext uri="{BB962C8B-B14F-4D97-AF65-F5344CB8AC3E}">
-        <p14:creationId xmlns:p14="http://schemas.microsoft.com/office/powerpoint/2010/main" val="1486686822"/>
-      </p:ext>
-    </p:extLst>
-  </p:cSld>
-  <p:clrMapOvr>
-    <a:masterClrMapping/>
-  </p:clrMapOvr>
-  <p:timing>
-    <p:tnLst>
-      <p:par>
-        <p:cTn id="1" dur="indefinite" restart="never" nodeType="tmRoot"/>
-      </p:par>
-    </p:tnLst>
-  </p:timing>
-</p:sld>
-</file>
-
 <file path=ppt/slides/slide3.xml><?xml version="1.0" encoding="utf-8"?>
 <p:sld xmlns:a="http://schemas.openxmlformats.org/drawingml/2006/main" xmlns:r="http://schemas.openxmlformats.org/officeDocument/2006/relationships" xmlns:p="http://schemas.openxmlformats.org/presentationml/2006/main">
   <p:cSld>
@@ -31300,384 +29599,6 @@
     <p:extLst>
       <p:ext uri="{BB962C8B-B14F-4D97-AF65-F5344CB8AC3E}">
         <p14:creationId xmlns:p14="http://schemas.microsoft.com/office/powerpoint/2010/main" val="1152816502"/>
-      </p:ext>
-    </p:extLst>
-  </p:cSld>
-  <p:clrMapOvr>
-    <a:masterClrMapping/>
-  </p:clrMapOvr>
-  <p:timing>
-    <p:tnLst>
-      <p:par>
-        <p:cTn id="1" dur="indefinite" restart="never" nodeType="tmRoot"/>
-      </p:par>
-    </p:tnLst>
-  </p:timing>
-</p:sld>
-</file>
-
-<file path=ppt/slides/slide30.xml><?xml version="1.0" encoding="utf-8"?>
-<p:sld xmlns:a="http://schemas.openxmlformats.org/drawingml/2006/main" xmlns:r="http://schemas.openxmlformats.org/officeDocument/2006/relationships" xmlns:p="http://schemas.openxmlformats.org/presentationml/2006/main">
-  <p:cSld>
-    <p:spTree>
-      <p:nvGrpSpPr>
-        <p:cNvPr id="1" name="Shape 212"/>
-        <p:cNvGrpSpPr/>
-        <p:nvPr/>
-      </p:nvGrpSpPr>
-      <p:grpSpPr>
-        <a:xfrm>
-          <a:off x="0" y="0"/>
-          <a:ext cx="0" cy="0"/>
-          <a:chOff x="0" y="0"/>
-          <a:chExt cx="0" cy="0"/>
-        </a:xfrm>
-      </p:grpSpPr>
-      <p:sp>
-        <p:nvSpPr>
-          <p:cNvPr id="213" name="Shape 213"/>
-          <p:cNvSpPr txBox="1">
-            <a:spLocks noGrp="1"/>
-          </p:cNvSpPr>
-          <p:nvPr>
-            <p:ph type="title"/>
-          </p:nvPr>
-        </p:nvSpPr>
-        <p:spPr>
-          <a:xfrm>
-            <a:off x="1155700" y="241300"/>
-            <a:ext cx="13931900" cy="2298699"/>
-          </a:xfrm>
-          <a:prstGeom prst="rect">
-            <a:avLst/>
-          </a:prstGeom>
-          <a:noFill/>
-          <a:ln>
-            <a:noFill/>
-          </a:ln>
-        </p:spPr>
-        <p:txBody>
-          <a:bodyPr lIns="38100" tIns="38100" rIns="38100" bIns="38100" anchor="ctr" anchorCtr="0">
-            <a:noAutofit/>
-          </a:bodyPr>
-          <a:lstStyle/>
-          <a:p>
-            <a:pPr marL="0" marR="0" lvl="0" indent="0" algn="ctr" rtl="0">
-              <a:lnSpc>
-                <a:spcPct val="100000"/>
-              </a:lnSpc>
-              <a:spcBef>
-                <a:spcPts val="0"/>
-              </a:spcBef>
-              <a:spcAft>
-                <a:spcPts val="0"/>
-              </a:spcAft>
-              <a:buClr>
-                <a:schemeClr val="lt1"/>
-              </a:buClr>
-              <a:buSzPct val="25000"/>
-              <a:buFont typeface="Cabin"/>
-              <a:buNone/>
-            </a:pPr>
-            <a:r>
-              <a:rPr lang="ru-RU" sz="6600" dirty="0" smtClean="0">
-                <a:solidFill>
-                  <a:schemeClr val="bg2"/>
-                </a:solidFill>
-                <a:latin typeface="Cabin"/>
-                <a:ea typeface="Cabin"/>
-                <a:cs typeface="Cabin"/>
-                <a:sym typeface="Cabin"/>
-              </a:rPr>
-              <a:t>Передача функции в другую функцию</a:t>
-            </a:r>
-            <a:endParaRPr lang="en-US" sz="6600" dirty="0">
-              <a:solidFill>
-                <a:schemeClr val="bg2"/>
-              </a:solidFill>
-              <a:latin typeface="Cabin"/>
-              <a:ea typeface="Cabin"/>
-              <a:cs typeface="Cabin"/>
-              <a:sym typeface="Cabin"/>
-            </a:endParaRPr>
-          </a:p>
-        </p:txBody>
-      </p:sp>
-      <p:sp>
-        <p:nvSpPr>
-          <p:cNvPr id="229" name="Shape 229"/>
-          <p:cNvSpPr txBox="1"/>
-          <p:nvPr/>
-        </p:nvSpPr>
-        <p:spPr>
-          <a:xfrm>
-            <a:off x="5038725" y="2997200"/>
-            <a:ext cx="1409700" cy="622299"/>
-          </a:xfrm>
-          <a:prstGeom prst="rect">
-            <a:avLst/>
-          </a:prstGeom>
-          <a:noFill/>
-          <a:ln>
-            <a:noFill/>
-          </a:ln>
-        </p:spPr>
-        <p:txBody>
-          <a:bodyPr lIns="0" tIns="0" rIns="0" bIns="0" anchor="ctr" anchorCtr="0">
-            <a:noAutofit/>
-          </a:bodyPr>
-          <a:lstStyle/>
-          <a:p>
-            <a:pPr marL="0" marR="0" lvl="0" indent="0" algn="ctr" rtl="0">
-              <a:lnSpc>
-                <a:spcPct val="100000"/>
-              </a:lnSpc>
-              <a:spcBef>
-                <a:spcPts val="0"/>
-              </a:spcBef>
-              <a:spcAft>
-                <a:spcPts val="0"/>
-              </a:spcAft>
-              <a:buClr>
-                <a:schemeClr val="lt1"/>
-              </a:buClr>
-              <a:buSzPct val="25000"/>
-              <a:buFont typeface="Cabin"/>
-              <a:buNone/>
-            </a:pPr>
-            <a:r>
-              <a:rPr lang="en-US" sz="3600" b="0" i="0" u="none" strike="noStrike" cap="none">
-                <a:solidFill>
-                  <a:schemeClr val="lt1"/>
-                </a:solidFill>
-                <a:latin typeface="Cabin"/>
-                <a:ea typeface="Cabin"/>
-                <a:cs typeface="Cabin"/>
-                <a:sym typeface="Cabin"/>
-              </a:rPr>
-              <a:t>hello():</a:t>
-            </a:r>
-          </a:p>
-        </p:txBody>
-      </p:sp>
-    </p:spTree>
-    <p:extLst>
-      <p:ext uri="{BB962C8B-B14F-4D97-AF65-F5344CB8AC3E}">
-        <p14:creationId xmlns:p14="http://schemas.microsoft.com/office/powerpoint/2010/main" val="3057002623"/>
-      </p:ext>
-    </p:extLst>
-  </p:cSld>
-  <p:clrMapOvr>
-    <a:masterClrMapping/>
-  </p:clrMapOvr>
-  <p:timing>
-    <p:tnLst>
-      <p:par>
-        <p:cTn id="1" dur="indefinite" restart="never" nodeType="tmRoot"/>
-      </p:par>
-    </p:tnLst>
-  </p:timing>
-</p:sld>
-</file>
-
-<file path=ppt/slides/slide31.xml><?xml version="1.0" encoding="utf-8"?>
-<p:sld xmlns:a="http://schemas.openxmlformats.org/drawingml/2006/main" xmlns:r="http://schemas.openxmlformats.org/officeDocument/2006/relationships" xmlns:p="http://schemas.openxmlformats.org/presentationml/2006/main">
-  <p:cSld>
-    <p:bg>
-      <p:bgPr>
-        <a:solidFill>
-          <a:schemeClr val="bg1"/>
-        </a:solidFill>
-        <a:effectLst/>
-      </p:bgPr>
-    </p:bg>
-    <p:spTree>
-      <p:nvGrpSpPr>
-        <p:cNvPr id="1" name="Shape 212"/>
-        <p:cNvGrpSpPr/>
-        <p:nvPr/>
-      </p:nvGrpSpPr>
-      <p:grpSpPr>
-        <a:xfrm>
-          <a:off x="0" y="0"/>
-          <a:ext cx="0" cy="0"/>
-          <a:chOff x="0" y="0"/>
-          <a:chExt cx="0" cy="0"/>
-        </a:xfrm>
-      </p:grpSpPr>
-      <p:sp>
-        <p:nvSpPr>
-          <p:cNvPr id="213" name="Shape 213"/>
-          <p:cNvSpPr txBox="1">
-            <a:spLocks noGrp="1"/>
-          </p:cNvSpPr>
-          <p:nvPr>
-            <p:ph type="title"/>
-          </p:nvPr>
-        </p:nvSpPr>
-        <p:spPr>
-          <a:xfrm>
-            <a:off x="1155700" y="241300"/>
-            <a:ext cx="13931900" cy="2298699"/>
-          </a:xfrm>
-          <a:prstGeom prst="rect">
-            <a:avLst/>
-          </a:prstGeom>
-          <a:noFill/>
-          <a:ln>
-            <a:noFill/>
-          </a:ln>
-        </p:spPr>
-        <p:txBody>
-          <a:bodyPr lIns="38100" tIns="38100" rIns="38100" bIns="38100" anchor="ctr" anchorCtr="0">
-            <a:noAutofit/>
-          </a:bodyPr>
-          <a:lstStyle/>
-          <a:p>
-            <a:r>
-              <a:rPr lang="ru-RU" sz="6600" dirty="0" smtClean="0"/>
-              <a:t>Вложенные функции. Замыкания</a:t>
-            </a:r>
-            <a:endParaRPr lang="ru-RU" sz="6600" dirty="0"/>
-          </a:p>
-        </p:txBody>
-      </p:sp>
-      <p:sp>
-        <p:nvSpPr>
-          <p:cNvPr id="229" name="Shape 229"/>
-          <p:cNvSpPr txBox="1"/>
-          <p:nvPr/>
-        </p:nvSpPr>
-        <p:spPr>
-          <a:xfrm>
-            <a:off x="5038725" y="2997200"/>
-            <a:ext cx="1409700" cy="622299"/>
-          </a:xfrm>
-          <a:prstGeom prst="rect">
-            <a:avLst/>
-          </a:prstGeom>
-          <a:noFill/>
-          <a:ln>
-            <a:noFill/>
-          </a:ln>
-        </p:spPr>
-        <p:txBody>
-          <a:bodyPr lIns="0" tIns="0" rIns="0" bIns="0" anchor="ctr" anchorCtr="0">
-            <a:noAutofit/>
-          </a:bodyPr>
-          <a:lstStyle/>
-          <a:p>
-            <a:pPr marL="0" marR="0" lvl="0" indent="0" algn="ctr" rtl="0">
-              <a:lnSpc>
-                <a:spcPct val="100000"/>
-              </a:lnSpc>
-              <a:spcBef>
-                <a:spcPts val="0"/>
-              </a:spcBef>
-              <a:spcAft>
-                <a:spcPts val="0"/>
-              </a:spcAft>
-              <a:buClr>
-                <a:schemeClr val="lt1"/>
-              </a:buClr>
-              <a:buSzPct val="25000"/>
-              <a:buFont typeface="Cabin"/>
-              <a:buNone/>
-            </a:pPr>
-            <a:r>
-              <a:rPr lang="en-US" sz="3600" b="0" i="0" u="none" strike="noStrike" cap="none">
-                <a:solidFill>
-                  <a:schemeClr val="lt1"/>
-                </a:solidFill>
-                <a:latin typeface="Cabin"/>
-                <a:ea typeface="Cabin"/>
-                <a:cs typeface="Cabin"/>
-                <a:sym typeface="Cabin"/>
-              </a:rPr>
-              <a:t>hello():</a:t>
-            </a:r>
-          </a:p>
-        </p:txBody>
-      </p:sp>
-    </p:spTree>
-    <p:extLst>
-      <p:ext uri="{BB962C8B-B14F-4D97-AF65-F5344CB8AC3E}">
-        <p14:creationId xmlns:p14="http://schemas.microsoft.com/office/powerpoint/2010/main" val="2908637300"/>
-      </p:ext>
-    </p:extLst>
-  </p:cSld>
-  <p:clrMapOvr>
-    <a:masterClrMapping/>
-  </p:clrMapOvr>
-  <p:timing>
-    <p:tnLst>
-      <p:par>
-        <p:cTn id="1" dur="indefinite" restart="never" nodeType="tmRoot"/>
-      </p:par>
-    </p:tnLst>
-  </p:timing>
-</p:sld>
-</file>
-
-<file path=ppt/slides/slide32.xml><?xml version="1.0" encoding="utf-8"?>
-<p:sld xmlns:a="http://schemas.openxmlformats.org/drawingml/2006/main" xmlns:r="http://schemas.openxmlformats.org/officeDocument/2006/relationships" xmlns:p="http://schemas.openxmlformats.org/presentationml/2006/main">
-  <p:cSld>
-    <p:spTree>
-      <p:nvGrpSpPr>
-        <p:cNvPr id="1" name=""/>
-        <p:cNvGrpSpPr/>
-        <p:nvPr/>
-      </p:nvGrpSpPr>
-      <p:grpSpPr>
-        <a:xfrm>
-          <a:off x="0" y="0"/>
-          <a:ext cx="0" cy="0"/>
-          <a:chOff x="0" y="0"/>
-          <a:chExt cx="0" cy="0"/>
-        </a:xfrm>
-      </p:grpSpPr>
-      <p:sp>
-        <p:nvSpPr>
-          <p:cNvPr id="2" name="Заголовок 1"/>
-          <p:cNvSpPr>
-            <a:spLocks noGrp="1"/>
-          </p:cNvSpPr>
-          <p:nvPr>
-            <p:ph type="title"/>
-          </p:nvPr>
-        </p:nvSpPr>
-        <p:spPr/>
-        <p:txBody>
-          <a:bodyPr/>
-          <a:lstStyle/>
-          <a:p>
-            <a:endParaRPr lang="ru-RU"/>
-          </a:p>
-        </p:txBody>
-      </p:sp>
-      <p:sp>
-        <p:nvSpPr>
-          <p:cNvPr id="3" name="Текст 2"/>
-          <p:cNvSpPr>
-            <a:spLocks noGrp="1"/>
-          </p:cNvSpPr>
-          <p:nvPr>
-            <p:ph type="body" idx="1"/>
-          </p:nvPr>
-        </p:nvSpPr>
-        <p:spPr/>
-        <p:txBody>
-          <a:bodyPr/>
-          <a:lstStyle/>
-          <a:p>
-            <a:endParaRPr lang="ru-RU"/>
-          </a:p>
-        </p:txBody>
-      </p:sp>
-    </p:spTree>
-    <p:extLst>
-      <p:ext uri="{BB962C8B-B14F-4D97-AF65-F5344CB8AC3E}">
-        <p14:creationId xmlns:p14="http://schemas.microsoft.com/office/powerpoint/2010/main" val="431509994"/>
       </p:ext>
     </p:extLst>
   </p:cSld>

--- a/week04/08.Functions.pptx
+++ b/week04/08.Functions.pptx
@@ -40,14 +40,14 @@
   <p:notesSz cx="6858000" cy="9144000"/>
   <p:embeddedFontLst>
     <p:embeddedFont>
-      <p:font typeface="Consolas" panose="020B0609020204030204" pitchFamily="49" charset="0"/>
+      <p:font typeface="Consolas" pitchFamily="49" charset="0"/>
       <p:regular r:id="rId30"/>
       <p:bold r:id="rId31"/>
       <p:italic r:id="rId32"/>
       <p:boldItalic r:id="rId33"/>
     </p:embeddedFont>
     <p:embeddedFont>
-      <p:font typeface="Cabin" panose="020B0604020202020204" charset="0"/>
+      <p:font typeface="Cabin" charset="0"/>
       <p:regular r:id="rId34"/>
       <p:bold r:id="rId35"/>
       <p:italic r:id="rId36"/>
@@ -258,7 +258,7 @@
   </p:defaultTextStyle>
   <p:extLst>
     <p:ext uri="{EFAFB233-063F-42B5-8137-9DF3F51BA10A}">
-      <p15:sldGuideLst xmlns:p15="http://schemas.microsoft.com/office/powerpoint/2012/main">
+      <p15:sldGuideLst xmlns:p15="http://schemas.microsoft.com/office/powerpoint/2012/main" xmlns="">
         <p15:guide id="1" orient="horz" pos="2880">
           <p15:clr>
             <a:srgbClr val="A4A3A4"/>
@@ -33206,7 +33206,37 @@
                 <a:latin typeface="Courier New" pitchFamily="49" charset="0"/>
                 <a:cs typeface="Courier New" pitchFamily="49" charset="0"/>
               </a:rPr>
-              <a:t>return x1, x2</a:t>
+              <a:t>return </a:t>
+            </a:r>
+            <a:r>
+              <a:rPr lang="en-US" sz="3200" dirty="0" smtClean="0">
+                <a:highlight>
+                  <a:srgbClr val="FFFFFF"/>
+                </a:highlight>
+                <a:latin typeface="Courier New" pitchFamily="49" charset="0"/>
+                <a:cs typeface="Courier New" pitchFamily="49" charset="0"/>
+              </a:rPr>
+              <a:t>(x1</a:t>
+            </a:r>
+            <a:r>
+              <a:rPr lang="en-US" sz="3200" dirty="0" smtClean="0">
+                <a:highlight>
+                  <a:srgbClr val="FFFFFF"/>
+                </a:highlight>
+                <a:latin typeface="Courier New" pitchFamily="49" charset="0"/>
+                <a:cs typeface="Courier New" pitchFamily="49" charset="0"/>
+              </a:rPr>
+              <a:t>, </a:t>
+            </a:r>
+            <a:r>
+              <a:rPr lang="en-US" sz="3200" dirty="0" smtClean="0">
+                <a:highlight>
+                  <a:srgbClr val="FFFFFF"/>
+                </a:highlight>
+                <a:latin typeface="Courier New" pitchFamily="49" charset="0"/>
+                <a:cs typeface="Courier New" pitchFamily="49" charset="0"/>
+              </a:rPr>
+              <a:t>x2)</a:t>
             </a:r>
             <a:endParaRPr lang="en-US" sz="3200" dirty="0">
               <a:highlight>
@@ -33394,6 +33424,46 @@
           </a:p>
           <a:p>
             <a:r>
+              <a:rPr lang="en-US" sz="3200" smtClean="0">
+                <a:highlight>
+                  <a:srgbClr val="FFFFFF"/>
+                </a:highlight>
+                <a:latin typeface="Courier New" pitchFamily="49" charset="0"/>
+                <a:cs typeface="Courier New" pitchFamily="49" charset="0"/>
+              </a:rPr>
+              <a:t>&gt;&gt;&gt; </a:t>
+            </a:r>
+            <a:r>
+              <a:rPr lang="en-US" sz="3200" smtClean="0">
+                <a:highlight>
+                  <a:srgbClr val="FFFFFF"/>
+                </a:highlight>
+                <a:latin typeface="Courier New" pitchFamily="49" charset="0"/>
+                <a:cs typeface="Courier New" pitchFamily="49" charset="0"/>
+              </a:rPr>
+              <a:t>x1</a:t>
+            </a:r>
+            <a:r>
+              <a:rPr lang="en-US" sz="3200" smtClean="0">
+                <a:highlight>
+                  <a:srgbClr val="FFFFFF"/>
+                </a:highlight>
+                <a:latin typeface="Courier New" pitchFamily="49" charset="0"/>
+                <a:cs typeface="Courier New" pitchFamily="49" charset="0"/>
+              </a:rPr>
+              <a:t>, </a:t>
+            </a:r>
+            <a:r>
+              <a:rPr lang="en-US" sz="3200" smtClean="0">
+                <a:highlight>
+                  <a:srgbClr val="FFFFFF"/>
+                </a:highlight>
+                <a:latin typeface="Courier New" pitchFamily="49" charset="0"/>
+                <a:cs typeface="Courier New" pitchFamily="49" charset="0"/>
+              </a:rPr>
+              <a:t>x2 </a:t>
+            </a:r>
+            <a:r>
               <a:rPr lang="en-US" sz="3200" dirty="0" smtClean="0">
                 <a:highlight>
                   <a:srgbClr val="FFFFFF"/>
@@ -33401,7 +33471,7 @@
                 <a:latin typeface="Courier New" pitchFamily="49" charset="0"/>
                 <a:cs typeface="Courier New" pitchFamily="49" charset="0"/>
               </a:rPr>
-              <a:t>&gt;&gt;&gt; x1, x2 = </a:t>
+              <a:t>= </a:t>
             </a:r>
             <a:r>
               <a:rPr lang="en-US" sz="3200" dirty="0" err="1">
